--- a/Documents/writeup/paper/images/preprocessing analysis.pptx
+++ b/Documents/writeup/paper/images/preprocessing analysis.pptx
@@ -5,15 +5,13 @@
     <p:sldMasterId id="2147483648" r:id="rId1"/>
   </p:sldMasterIdLst>
   <p:notesMasterIdLst>
-    <p:notesMasterId r:id="rId8"/>
+    <p:notesMasterId r:id="rId6"/>
   </p:notesMasterIdLst>
   <p:sldIdLst>
     <p:sldId id="1074" r:id="rId2"/>
     <p:sldId id="1078" r:id="rId3"/>
     <p:sldId id="1075" r:id="rId4"/>
     <p:sldId id="1076" r:id="rId5"/>
-    <p:sldId id="1077" r:id="rId6"/>
-    <p:sldId id="1073" r:id="rId7"/>
   </p:sldIdLst>
   <p:sldSz cx="12192000" cy="6858000"/>
   <p:notesSz cx="6858000" cy="9144000"/>
@@ -3771,6 +3769,28 @@
               <a:t>Since centralized implementation didn’t use any ”extra” variables, their preprocessing size are not shown.</a:t>
             </a:r>
           </a:p>
+          <a:p>
+            <a:r>
+              <a:rPr lang="en-US" dirty="0"/>
+              <a:t>PackedZ3 or PackedPairZ2 takes 2n bits for </a:t>
+            </a:r>
+            <a:r>
+              <a:rPr lang="en-US" dirty="0" err="1"/>
+              <a:t>msb</a:t>
+            </a:r>
+            <a:r>
+              <a:rPr lang="en-US" dirty="0"/>
+              <a:t> and </a:t>
+            </a:r>
+            <a:r>
+              <a:rPr lang="en-US" dirty="0" err="1"/>
+              <a:t>lsb</a:t>
+            </a:r>
+            <a:r>
+              <a:rPr lang="en-US" dirty="0"/>
+              <a:t> as compared to n bits in PackedZ2&lt;N_COLS&gt;</a:t>
+            </a:r>
+          </a:p>
         </p:txBody>
       </p:sp>
     </p:spTree>
@@ -3908,305 +3928,644 @@
           </a:p>
         </p:txBody>
       </p:sp>
-      <p:graphicFrame>
-        <p:nvGraphicFramePr>
-          <p:cNvPr id="4" name="Table 3">
-            <a:extLst>
-              <a:ext uri="{FF2B5EF4-FFF2-40B4-BE49-F238E27FC236}">
-                <a16:creationId xmlns:a16="http://schemas.microsoft.com/office/drawing/2014/main" id="{C7B46911-E493-A04B-9730-9DF0F931BA17}"/>
-              </a:ext>
-            </a:extLst>
-          </p:cNvPr>
-          <p:cNvGraphicFramePr>
-            <a:graphicFrameLocks noGrp="1"/>
-          </p:cNvGraphicFramePr>
-          <p:nvPr>
-            <p:extLst>
-              <p:ext uri="{D42A27DB-BD31-4B8C-83A1-F6EECF244321}">
-                <p14:modId xmlns:p14="http://schemas.microsoft.com/office/powerpoint/2010/main" val="3082637981"/>
-              </p:ext>
-            </p:extLst>
-          </p:nvPr>
-        </p:nvGraphicFramePr>
-        <p:xfrm>
-          <a:off x="4471639" y="1183482"/>
-          <a:ext cx="5436222" cy="1479274"/>
-        </p:xfrm>
-        <a:graphic>
-          <a:graphicData uri="http://schemas.openxmlformats.org/drawingml/2006/table">
-            <a:tbl>
-              <a:tblPr firstRow="1" bandRow="1">
-                <a:tableStyleId>{5940675A-B579-460E-94D1-54222C63F5DA}</a:tableStyleId>
-              </a:tblPr>
-              <a:tblGrid>
-                <a:gridCol w="1812074">
-                  <a:extLst>
-                    <a:ext uri="{9D8B030D-6E8A-4147-A177-3AD203B41FA5}">
-                      <a16:colId xmlns:a16="http://schemas.microsoft.com/office/drawing/2014/main" val="2780235502"/>
-                    </a:ext>
-                  </a:extLst>
-                </a:gridCol>
-                <a:gridCol w="1812074">
-                  <a:extLst>
-                    <a:ext uri="{9D8B030D-6E8A-4147-A177-3AD203B41FA5}">
-                      <a16:colId xmlns:a16="http://schemas.microsoft.com/office/drawing/2014/main" val="4124010374"/>
-                    </a:ext>
-                  </a:extLst>
-                </a:gridCol>
-                <a:gridCol w="1812074">
-                  <a:extLst>
-                    <a:ext uri="{9D8B030D-6E8A-4147-A177-3AD203B41FA5}">
-                      <a16:colId xmlns:a16="http://schemas.microsoft.com/office/drawing/2014/main" val="3769471840"/>
-                    </a:ext>
-                  </a:extLst>
-                </a:gridCol>
-              </a:tblGrid>
-              <a:tr h="309579">
-                <a:tc>
-                  <a:txBody>
-                    <a:bodyPr/>
-                    <a:lstStyle/>
-                    <a:p>
-                      <a:pPr algn="ctr"/>
-                      <a:r>
-                        <a:rPr lang="en-US" sz="1400" b="1" dirty="0"/>
-                        <a:t>Functions</a:t>
-                      </a:r>
-                    </a:p>
-                  </a:txBody>
-                  <a:tcPr/>
-                </a:tc>
-                <a:tc>
-                  <a:txBody>
-                    <a:bodyPr/>
-                    <a:lstStyle/>
-                    <a:p>
-                      <a:pPr algn="ctr"/>
-                      <a:r>
-                        <a:rPr lang="en-US" sz="1400" b="1"/>
-                        <a:t>Variables</a:t>
-                      </a:r>
-                      <a:endParaRPr lang="en-US" sz="1400" b="1" dirty="0"/>
-                    </a:p>
-                  </a:txBody>
-                  <a:tcPr/>
-                </a:tc>
-                <a:tc>
-                  <a:txBody>
-                    <a:bodyPr/>
-                    <a:lstStyle/>
-                    <a:p>
-                      <a:pPr algn="ctr"/>
-                      <a:r>
-                        <a:rPr lang="en-US" sz="1400" b="1" dirty="0"/>
-                        <a:t>Size</a:t>
-                      </a:r>
-                    </a:p>
-                  </a:txBody>
-                  <a:tcPr/>
-                </a:tc>
+      <mc:AlternateContent xmlns:mc="http://schemas.openxmlformats.org/markup-compatibility/2006">
+        <mc:Choice xmlns:a14="http://schemas.microsoft.com/office/drawing/2010/main" Requires="a14">
+          <p:graphicFrame>
+            <p:nvGraphicFramePr>
+              <p:cNvPr id="4" name="Table 3">
                 <a:extLst>
-                  <a:ext uri="{0D108BD9-81ED-4DB2-BD59-A6C34878D82A}">
-                    <a16:rowId xmlns:a16="http://schemas.microsoft.com/office/drawing/2014/main" val="2412432484"/>
+                  <a:ext uri="{FF2B5EF4-FFF2-40B4-BE49-F238E27FC236}">
+                    <a16:creationId xmlns:a16="http://schemas.microsoft.com/office/drawing/2014/main" id="{C7B46911-E493-A04B-9730-9DF0F931BA17}"/>
                   </a:ext>
                 </a:extLst>
-              </a:tr>
-              <a:tr h="341956">
-                <a:tc>
-                  <a:txBody>
-                    <a:bodyPr/>
-                    <a:lstStyle/>
-                    <a:p>
-                      <a:pPr algn="ctr"/>
-                      <a:r>
-                        <a:rPr lang="en-US" sz="1400" dirty="0" err="1"/>
-                        <a:t>Preproc_Toeplitz</a:t>
-                      </a:r>
-                      <a:r>
-                        <a:rPr lang="en-US" sz="1400" dirty="0"/>
-                        <a:t>-by-x()</a:t>
-                      </a:r>
-                    </a:p>
-                  </a:txBody>
-                  <a:tcPr/>
-                </a:tc>
-                <a:tc>
-                  <a:txBody>
-                    <a:bodyPr/>
-                    <a:lstStyle/>
-                    <a:p>
-                      <a:pPr algn="ctr"/>
-                      <a:r>
-                        <a:rPr lang="en-US" sz="1400" dirty="0" err="1"/>
-                        <a:t>rAs</a:t>
-                      </a:r>
-                      <a:r>
-                        <a:rPr lang="en-US" sz="1400" dirty="0"/>
-                        <a:t>, </a:t>
-                      </a:r>
-                      <a:r>
-                        <a:rPr lang="en-US" sz="1400" dirty="0" err="1"/>
-                        <a:t>rbs</a:t>
-                      </a:r>
-                      <a:r>
-                        <a:rPr lang="en-US" sz="1400" dirty="0"/>
-                        <a:t>, </a:t>
-                      </a:r>
-                      <a:r>
-                        <a:rPr lang="en-US" sz="1400" dirty="0" err="1"/>
-                        <a:t>rzs</a:t>
-                      </a:r>
-                      <a:r>
-                        <a:rPr lang="en-US" sz="1400" dirty="0"/>
-                        <a:t>, </a:t>
-                      </a:r>
-                      <a:r>
-                        <a:rPr lang="en-US" sz="1400" dirty="0" err="1"/>
-                        <a:t>rxs</a:t>
-                      </a:r>
-                      <a:endParaRPr lang="en-US" sz="1400" dirty="0"/>
-                    </a:p>
-                  </a:txBody>
-                  <a:tcPr/>
-                </a:tc>
-                <a:tc>
-                  <a:txBody>
-                    <a:bodyPr/>
-                    <a:lstStyle/>
-                    <a:p>
-                      <a:pPr algn="ctr"/>
-                      <a:r>
-                        <a:rPr lang="en-US" sz="1400" dirty="0"/>
-                        <a:t>2n+n+n+n = 4n</a:t>
-                      </a:r>
-                    </a:p>
-                  </a:txBody>
-                  <a:tcPr/>
-                </a:tc>
+              </p:cNvPr>
+              <p:cNvGraphicFramePr>
+                <a:graphicFrameLocks noGrp="1"/>
+              </p:cNvGraphicFramePr>
+              <p:nvPr>
+                <p:extLst>
+                  <p:ext uri="{D42A27DB-BD31-4B8C-83A1-F6EECF244321}">
+                    <p14:modId xmlns:p14="http://schemas.microsoft.com/office/powerpoint/2010/main" val="1279907977"/>
+                  </p:ext>
+                </p:extLst>
+              </p:nvPr>
+            </p:nvGraphicFramePr>
+            <p:xfrm>
+              <a:off x="4471639" y="1183482"/>
+              <a:ext cx="5436222" cy="1479274"/>
+            </p:xfrm>
+            <a:graphic>
+              <a:graphicData uri="http://schemas.openxmlformats.org/drawingml/2006/table">
+                <a:tbl>
+                  <a:tblPr firstRow="1" bandRow="1">
+                    <a:tableStyleId>{5940675A-B579-460E-94D1-54222C63F5DA}</a:tableStyleId>
+                  </a:tblPr>
+                  <a:tblGrid>
+                    <a:gridCol w="1812074">
+                      <a:extLst>
+                        <a:ext uri="{9D8B030D-6E8A-4147-A177-3AD203B41FA5}">
+                          <a16:colId xmlns:a16="http://schemas.microsoft.com/office/drawing/2014/main" val="2780235502"/>
+                        </a:ext>
+                      </a:extLst>
+                    </a:gridCol>
+                    <a:gridCol w="1812074">
+                      <a:extLst>
+                        <a:ext uri="{9D8B030D-6E8A-4147-A177-3AD203B41FA5}">
+                          <a16:colId xmlns:a16="http://schemas.microsoft.com/office/drawing/2014/main" val="4124010374"/>
+                        </a:ext>
+                      </a:extLst>
+                    </a:gridCol>
+                    <a:gridCol w="1812074">
+                      <a:extLst>
+                        <a:ext uri="{9D8B030D-6E8A-4147-A177-3AD203B41FA5}">
+                          <a16:colId xmlns:a16="http://schemas.microsoft.com/office/drawing/2014/main" val="3769471840"/>
+                        </a:ext>
+                      </a:extLst>
+                    </a:gridCol>
+                  </a:tblGrid>
+                  <a:tr h="309579">
+                    <a:tc>
+                      <a:txBody>
+                        <a:bodyPr/>
+                        <a:lstStyle/>
+                        <a:p>
+                          <a:pPr algn="ctr"/>
+                          <a:r>
+                            <a:rPr lang="en-US" sz="1400" b="1" dirty="0"/>
+                            <a:t>Functions</a:t>
+                          </a:r>
+                        </a:p>
+                      </a:txBody>
+                      <a:tcPr/>
+                    </a:tc>
+                    <a:tc>
+                      <a:txBody>
+                        <a:bodyPr/>
+                        <a:lstStyle/>
+                        <a:p>
+                          <a:pPr algn="ctr"/>
+                          <a:r>
+                            <a:rPr lang="en-US" sz="1400" b="1"/>
+                            <a:t>Variables</a:t>
+                          </a:r>
+                          <a:endParaRPr lang="en-US" sz="1400" b="1" dirty="0"/>
+                        </a:p>
+                      </a:txBody>
+                      <a:tcPr/>
+                    </a:tc>
+                    <a:tc>
+                      <a:txBody>
+                        <a:bodyPr/>
+                        <a:lstStyle/>
+                        <a:p>
+                          <a:pPr algn="ctr"/>
+                          <a:r>
+                            <a:rPr lang="en-US" sz="1400" b="1" dirty="0"/>
+                            <a:t>Size</a:t>
+                          </a:r>
+                        </a:p>
+                      </a:txBody>
+                      <a:tcPr/>
+                    </a:tc>
+                    <a:extLst>
+                      <a:ext uri="{0D108BD9-81ED-4DB2-BD59-A6C34878D82A}">
+                        <a16:rowId xmlns:a16="http://schemas.microsoft.com/office/drawing/2014/main" val="2412432484"/>
+                      </a:ext>
+                    </a:extLst>
+                  </a:tr>
+                  <a:tr h="341956">
+                    <a:tc>
+                      <a:txBody>
+                        <a:bodyPr/>
+                        <a:lstStyle/>
+                        <a:p>
+                          <a:pPr algn="ctr"/>
+                          <a:r>
+                            <a:rPr lang="en-US" sz="1400" dirty="0" err="1"/>
+                            <a:t>Preproc_Toeplitz</a:t>
+                          </a:r>
+                          <a:r>
+                            <a:rPr lang="en-US" sz="1400" dirty="0"/>
+                            <a:t>-by-x()</a:t>
+                          </a:r>
+                        </a:p>
+                      </a:txBody>
+                      <a:tcPr/>
+                    </a:tc>
+                    <a:tc>
+                      <a:txBody>
+                        <a:bodyPr/>
+                        <a:lstStyle/>
+                        <a:p>
+                          <a:pPr algn="ctr"/>
+                          <a:r>
+                            <a:rPr lang="en-US" sz="1400" dirty="0" err="1"/>
+                            <a:t>rAs</a:t>
+                          </a:r>
+                          <a:r>
+                            <a:rPr lang="en-US" sz="1400" dirty="0"/>
+                            <a:t>, </a:t>
+                          </a:r>
+                          <a:r>
+                            <a:rPr lang="en-US" sz="1400" dirty="0" err="1"/>
+                            <a:t>rbs</a:t>
+                          </a:r>
+                          <a:r>
+                            <a:rPr lang="en-US" sz="1400" dirty="0"/>
+                            <a:t>, </a:t>
+                          </a:r>
+                          <a:r>
+                            <a:rPr lang="en-US" sz="1400" dirty="0" err="1"/>
+                            <a:t>rzs</a:t>
+                          </a:r>
+                          <a:r>
+                            <a:rPr lang="en-US" sz="1400" dirty="0"/>
+                            <a:t>, </a:t>
+                          </a:r>
+                          <a:r>
+                            <a:rPr lang="en-US" sz="1400" dirty="0" err="1"/>
+                            <a:t>rxs</a:t>
+                          </a:r>
+                          <a:endParaRPr lang="en-US" sz="1400" dirty="0"/>
+                        </a:p>
+                      </a:txBody>
+                      <a:tcPr/>
+                    </a:tc>
+                    <a:tc>
+                      <a:txBody>
+                        <a:bodyPr/>
+                        <a:lstStyle/>
+                        <a:p>
+                          <a:pPr algn="ctr"/>
+                          <a:r>
+                            <a:rPr lang="en-US" sz="1400" dirty="0"/>
+                            <a:t>2n+n+n+n = 4n</a:t>
+                          </a:r>
+                        </a:p>
+                      </a:txBody>
+                      <a:tcPr/>
+                    </a:tc>
+                    <a:extLst>
+                      <a:ext uri="{0D108BD9-81ED-4DB2-BD59-A6C34878D82A}">
+                        <a16:rowId xmlns:a16="http://schemas.microsoft.com/office/drawing/2014/main" val="4238301737"/>
+                      </a:ext>
+                    </a:extLst>
+                  </a:tr>
+                  <a:tr h="341956">
+                    <a:tc>
+                      <a:txBody>
+                        <a:bodyPr/>
+                        <a:lstStyle/>
+                        <a:p>
+                          <a:pPr algn="ctr"/>
+                          <a:r>
+                            <a:rPr lang="en-US" sz="1400" dirty="0" err="1"/>
+                            <a:t>Preproc_OT</a:t>
+                          </a:r>
+                          <a:endParaRPr lang="en-US" sz="1400" dirty="0"/>
+                        </a:p>
+                      </a:txBody>
+                      <a:tcPr/>
+                    </a:tc>
+                    <a:tc>
+                      <a:txBody>
+                        <a:bodyPr/>
+                        <a:lstStyle/>
+                        <a:p>
+                          <a:pPr algn="ctr"/>
+                          <a:r>
+                            <a:rPr lang="en-US" sz="1400" dirty="0"/>
+                            <a:t>raps, </a:t>
+                          </a:r>
+                          <a:r>
+                            <a:rPr lang="en-US" sz="1400" dirty="0" err="1"/>
+                            <a:t>rbps</a:t>
+                          </a:r>
+                          <a:r>
+                            <a:rPr lang="en-US" sz="1400" dirty="0"/>
+                            <a:t>, </a:t>
+                          </a:r>
+                          <a:r>
+                            <a:rPr lang="en-US" sz="1400" dirty="0" err="1"/>
+                            <a:t>zps</a:t>
+                          </a:r>
+                          <a:r>
+                            <a:rPr lang="en-US" sz="1400" dirty="0"/>
+                            <a:t>, </a:t>
+                          </a:r>
+                          <a:r>
+                            <a:rPr lang="en-US" sz="1400" dirty="0" err="1"/>
+                            <a:t>rxps</a:t>
+                          </a:r>
+                          <a:endParaRPr lang="en-US" sz="1400" dirty="0"/>
+                        </a:p>
+                      </a:txBody>
+                      <a:tcPr/>
+                    </a:tc>
+                    <a:tc>
+                      <a:txBody>
+                        <a:bodyPr/>
+                        <a:lstStyle/>
+                        <a:p>
+                          <a:pPr algn="ctr"/>
+                          <a:r>
+                            <a:rPr lang="en-US" sz="1400" dirty="0"/>
+                            <a:t>4n</a:t>
+                          </a:r>
+                        </a:p>
+                      </a:txBody>
+                      <a:tcPr/>
+                    </a:tc>
+                    <a:extLst>
+                      <a:ext uri="{0D108BD9-81ED-4DB2-BD59-A6C34878D82A}">
+                        <a16:rowId xmlns:a16="http://schemas.microsoft.com/office/drawing/2014/main" val="266417292"/>
+                      </a:ext>
+                    </a:extLst>
+                  </a:tr>
+                  <a:tr h="309579">
+                    <a:tc>
+                      <a:txBody>
+                        <a:bodyPr/>
+                        <a:lstStyle/>
+                        <a:p>
+                          <a:pPr algn="ctr"/>
+                          <a:endParaRPr lang="en-US" sz="1400" dirty="0"/>
+                        </a:p>
+                      </a:txBody>
+                      <a:tcPr/>
+                    </a:tc>
+                    <a:tc>
+                      <a:txBody>
+                        <a:bodyPr/>
+                        <a:lstStyle/>
+                        <a:p>
+                          <a:pPr algn="ctr"/>
+                          <a:endParaRPr lang="en-US" sz="1400" dirty="0"/>
+                        </a:p>
+                      </a:txBody>
+                      <a:tcPr/>
+                    </a:tc>
+                    <a:tc>
+                      <a:txBody>
+                        <a:bodyPr/>
+                        <a:lstStyle/>
+                        <a:p>
+                          <a:pPr algn="ctr"/>
+                          <a14:m>
+                            <m:oMathPara xmlns:m="http://schemas.openxmlformats.org/officeDocument/2006/math">
+                              <m:oMathParaPr>
+                                <m:jc m:val="centerGroup"/>
+                              </m:oMathParaPr>
+                              <m:oMath xmlns:m="http://schemas.openxmlformats.org/officeDocument/2006/math">
+                                <m:r>
+                                  <a:rPr lang="en-US" sz="1400" b="0" i="1" smtClean="0">
+                                    <a:latin typeface="Cambria Math" panose="02040503050406030204" pitchFamily="18" charset="0"/>
+                                  </a:rPr>
+                                  <m:t>8</m:t>
+                                </m:r>
+                                <m:r>
+                                  <a:rPr lang="en-US" sz="1400" b="0" i="1" smtClean="0">
+                                    <a:latin typeface="Cambria Math" panose="02040503050406030204" pitchFamily="18" charset="0"/>
+                                  </a:rPr>
+                                  <m:t>𝑛</m:t>
+                                </m:r>
+                                <m:r>
+                                  <a:rPr lang="en-US" sz="1400" b="0" i="1" smtClean="0">
+                                    <a:latin typeface="Cambria Math" panose="02040503050406030204" pitchFamily="18" charset="0"/>
+                                  </a:rPr>
+                                  <m:t>=2048 ~ 2</m:t>
+                                </m:r>
+                                <m:r>
+                                  <a:rPr lang="en-US" sz="1400" b="0" i="1" smtClean="0">
+                                    <a:latin typeface="Cambria Math" panose="02040503050406030204" pitchFamily="18" charset="0"/>
+                                    <a:ea typeface="Cambria Math" panose="02040503050406030204" pitchFamily="18" charset="0"/>
+                                  </a:rPr>
+                                  <m:t>𝐾</m:t>
+                                </m:r>
+                              </m:oMath>
+                            </m:oMathPara>
+                          </a14:m>
+                          <a:endParaRPr lang="en-US" sz="1400" dirty="0"/>
+                        </a:p>
+                      </a:txBody>
+                      <a:tcPr/>
+                    </a:tc>
+                    <a:extLst>
+                      <a:ext uri="{0D108BD9-81ED-4DB2-BD59-A6C34878D82A}">
+                        <a16:rowId xmlns:a16="http://schemas.microsoft.com/office/drawing/2014/main" val="2998986514"/>
+                      </a:ext>
+                    </a:extLst>
+                  </a:tr>
+                </a:tbl>
+              </a:graphicData>
+            </a:graphic>
+          </p:graphicFrame>
+        </mc:Choice>
+        <mc:Fallback>
+          <p:graphicFrame>
+            <p:nvGraphicFramePr>
+              <p:cNvPr id="4" name="Table 3">
                 <a:extLst>
-                  <a:ext uri="{0D108BD9-81ED-4DB2-BD59-A6C34878D82A}">
-                    <a16:rowId xmlns:a16="http://schemas.microsoft.com/office/drawing/2014/main" val="4238301737"/>
+                  <a:ext uri="{FF2B5EF4-FFF2-40B4-BE49-F238E27FC236}">
+                    <a16:creationId xmlns:a16="http://schemas.microsoft.com/office/drawing/2014/main" id="{C7B46911-E493-A04B-9730-9DF0F931BA17}"/>
                   </a:ext>
                 </a:extLst>
-              </a:tr>
-              <a:tr h="341956">
-                <a:tc>
-                  <a:txBody>
-                    <a:bodyPr/>
-                    <a:lstStyle/>
-                    <a:p>
-                      <a:pPr algn="ctr"/>
-                      <a:r>
-                        <a:rPr lang="en-US" sz="1400" dirty="0" err="1"/>
-                        <a:t>Preproc_OT</a:t>
-                      </a:r>
-                      <a:endParaRPr lang="en-US" sz="1400" dirty="0"/>
-                    </a:p>
-                  </a:txBody>
-                  <a:tcPr/>
-                </a:tc>
-                <a:tc>
-                  <a:txBody>
-                    <a:bodyPr/>
-                    <a:lstStyle/>
-                    <a:p>
-                      <a:pPr algn="ctr"/>
-                      <a:r>
-                        <a:rPr lang="en-US" sz="1400" dirty="0"/>
-                        <a:t>raps, </a:t>
-                      </a:r>
-                      <a:r>
-                        <a:rPr lang="en-US" sz="1400" dirty="0" err="1"/>
-                        <a:t>rbps</a:t>
-                      </a:r>
-                      <a:r>
-                        <a:rPr lang="en-US" sz="1400" dirty="0"/>
-                        <a:t>, </a:t>
-                      </a:r>
-                      <a:r>
-                        <a:rPr lang="en-US" sz="1400" dirty="0" err="1"/>
-                        <a:t>zps</a:t>
-                      </a:r>
-                      <a:r>
-                        <a:rPr lang="en-US" sz="1400" dirty="0"/>
-                        <a:t>, </a:t>
-                      </a:r>
-                      <a:r>
-                        <a:rPr lang="en-US" sz="1400" dirty="0" err="1"/>
-                        <a:t>rxps</a:t>
-                      </a:r>
-                      <a:endParaRPr lang="en-US" sz="1400" dirty="0"/>
-                    </a:p>
-                  </a:txBody>
-                  <a:tcPr/>
-                </a:tc>
-                <a:tc>
-                  <a:txBody>
-                    <a:bodyPr/>
-                    <a:lstStyle/>
-                    <a:p>
-                      <a:pPr algn="ctr"/>
-                      <a:r>
-                        <a:rPr lang="en-US" sz="1400" dirty="0"/>
-                        <a:t>4n</a:t>
-                      </a:r>
-                    </a:p>
-                  </a:txBody>
-                  <a:tcPr/>
-                </a:tc>
-                <a:extLst>
-                  <a:ext uri="{0D108BD9-81ED-4DB2-BD59-A6C34878D82A}">
-                    <a16:rowId xmlns:a16="http://schemas.microsoft.com/office/drawing/2014/main" val="266417292"/>
-                  </a:ext>
-                </a:extLst>
-              </a:tr>
-              <a:tr h="309579">
-                <a:tc>
-                  <a:txBody>
-                    <a:bodyPr/>
-                    <a:lstStyle/>
-                    <a:p>
-                      <a:pPr algn="ctr"/>
-                      <a:endParaRPr lang="en-US" sz="1400" dirty="0"/>
-                    </a:p>
-                  </a:txBody>
-                  <a:tcPr/>
-                </a:tc>
-                <a:tc>
-                  <a:txBody>
-                    <a:bodyPr/>
-                    <a:lstStyle/>
-                    <a:p>
-                      <a:pPr algn="ctr"/>
-                      <a:endParaRPr lang="en-US" sz="1400" dirty="0"/>
-                    </a:p>
-                  </a:txBody>
-                  <a:tcPr/>
-                </a:tc>
-                <a:tc>
-                  <a:txBody>
-                    <a:bodyPr/>
-                    <a:lstStyle/>
-                    <a:p>
-                      <a:pPr algn="ctr"/>
-                      <a:r>
-                        <a:rPr lang="en-US" sz="1400" dirty="0"/>
-                        <a:t>8n = 2048</a:t>
-                      </a:r>
-                    </a:p>
-                  </a:txBody>
-                  <a:tcPr/>
-                </a:tc>
-                <a:extLst>
-                  <a:ext uri="{0D108BD9-81ED-4DB2-BD59-A6C34878D82A}">
-                    <a16:rowId xmlns:a16="http://schemas.microsoft.com/office/drawing/2014/main" val="2998986514"/>
-                  </a:ext>
-                </a:extLst>
-              </a:tr>
-            </a:tbl>
-          </a:graphicData>
-        </a:graphic>
-      </p:graphicFrame>
+              </p:cNvPr>
+              <p:cNvGraphicFramePr>
+                <a:graphicFrameLocks noGrp="1"/>
+              </p:cNvGraphicFramePr>
+              <p:nvPr>
+                <p:extLst>
+                  <p:ext uri="{D42A27DB-BD31-4B8C-83A1-F6EECF244321}">
+                    <p14:modId xmlns:p14="http://schemas.microsoft.com/office/powerpoint/2010/main" val="1279907977"/>
+                  </p:ext>
+                </p:extLst>
+              </p:nvPr>
+            </p:nvGraphicFramePr>
+            <p:xfrm>
+              <a:off x="4471639" y="1183482"/>
+              <a:ext cx="5436222" cy="1479274"/>
+            </p:xfrm>
+            <a:graphic>
+              <a:graphicData uri="http://schemas.openxmlformats.org/drawingml/2006/table">
+                <a:tbl>
+                  <a:tblPr firstRow="1" bandRow="1">
+                    <a:tableStyleId>{5940675A-B579-460E-94D1-54222C63F5DA}</a:tableStyleId>
+                  </a:tblPr>
+                  <a:tblGrid>
+                    <a:gridCol w="1812074">
+                      <a:extLst>
+                        <a:ext uri="{9D8B030D-6E8A-4147-A177-3AD203B41FA5}">
+                          <a16:colId xmlns:a16="http://schemas.microsoft.com/office/drawing/2014/main" val="2780235502"/>
+                        </a:ext>
+                      </a:extLst>
+                    </a:gridCol>
+                    <a:gridCol w="1812074">
+                      <a:extLst>
+                        <a:ext uri="{9D8B030D-6E8A-4147-A177-3AD203B41FA5}">
+                          <a16:colId xmlns:a16="http://schemas.microsoft.com/office/drawing/2014/main" val="4124010374"/>
+                        </a:ext>
+                      </a:extLst>
+                    </a:gridCol>
+                    <a:gridCol w="1812074">
+                      <a:extLst>
+                        <a:ext uri="{9D8B030D-6E8A-4147-A177-3AD203B41FA5}">
+                          <a16:colId xmlns:a16="http://schemas.microsoft.com/office/drawing/2014/main" val="3769471840"/>
+                        </a:ext>
+                      </a:extLst>
+                    </a:gridCol>
+                  </a:tblGrid>
+                  <a:tr h="309579">
+                    <a:tc>
+                      <a:txBody>
+                        <a:bodyPr/>
+                        <a:lstStyle/>
+                        <a:p>
+                          <a:pPr algn="ctr"/>
+                          <a:r>
+                            <a:rPr lang="en-US" sz="1400" b="1" dirty="0"/>
+                            <a:t>Functions</a:t>
+                          </a:r>
+                        </a:p>
+                      </a:txBody>
+                      <a:tcPr/>
+                    </a:tc>
+                    <a:tc>
+                      <a:txBody>
+                        <a:bodyPr/>
+                        <a:lstStyle/>
+                        <a:p>
+                          <a:pPr algn="ctr"/>
+                          <a:r>
+                            <a:rPr lang="en-US" sz="1400" b="1"/>
+                            <a:t>Variables</a:t>
+                          </a:r>
+                          <a:endParaRPr lang="en-US" sz="1400" b="1" dirty="0"/>
+                        </a:p>
+                      </a:txBody>
+                      <a:tcPr/>
+                    </a:tc>
+                    <a:tc>
+                      <a:txBody>
+                        <a:bodyPr/>
+                        <a:lstStyle/>
+                        <a:p>
+                          <a:pPr algn="ctr"/>
+                          <a:r>
+                            <a:rPr lang="en-US" sz="1400" b="1" dirty="0"/>
+                            <a:t>Size</a:t>
+                          </a:r>
+                        </a:p>
+                      </a:txBody>
+                      <a:tcPr/>
+                    </a:tc>
+                    <a:extLst>
+                      <a:ext uri="{0D108BD9-81ED-4DB2-BD59-A6C34878D82A}">
+                        <a16:rowId xmlns:a16="http://schemas.microsoft.com/office/drawing/2014/main" val="2412432484"/>
+                      </a:ext>
+                    </a:extLst>
+                  </a:tr>
+                  <a:tr h="518160">
+                    <a:tc>
+                      <a:txBody>
+                        <a:bodyPr/>
+                        <a:lstStyle/>
+                        <a:p>
+                          <a:pPr algn="ctr"/>
+                          <a:r>
+                            <a:rPr lang="en-US" sz="1400" dirty="0" err="1"/>
+                            <a:t>Preproc_Toeplitz</a:t>
+                          </a:r>
+                          <a:r>
+                            <a:rPr lang="en-US" sz="1400" dirty="0"/>
+                            <a:t>-by-x()</a:t>
+                          </a:r>
+                        </a:p>
+                      </a:txBody>
+                      <a:tcPr/>
+                    </a:tc>
+                    <a:tc>
+                      <a:txBody>
+                        <a:bodyPr/>
+                        <a:lstStyle/>
+                        <a:p>
+                          <a:pPr algn="ctr"/>
+                          <a:r>
+                            <a:rPr lang="en-US" sz="1400" dirty="0" err="1"/>
+                            <a:t>rAs</a:t>
+                          </a:r>
+                          <a:r>
+                            <a:rPr lang="en-US" sz="1400" dirty="0"/>
+                            <a:t>, </a:t>
+                          </a:r>
+                          <a:r>
+                            <a:rPr lang="en-US" sz="1400" dirty="0" err="1"/>
+                            <a:t>rbs</a:t>
+                          </a:r>
+                          <a:r>
+                            <a:rPr lang="en-US" sz="1400" dirty="0"/>
+                            <a:t>, </a:t>
+                          </a:r>
+                          <a:r>
+                            <a:rPr lang="en-US" sz="1400" dirty="0" err="1"/>
+                            <a:t>rzs</a:t>
+                          </a:r>
+                          <a:r>
+                            <a:rPr lang="en-US" sz="1400" dirty="0"/>
+                            <a:t>, </a:t>
+                          </a:r>
+                          <a:r>
+                            <a:rPr lang="en-US" sz="1400" dirty="0" err="1"/>
+                            <a:t>rxs</a:t>
+                          </a:r>
+                          <a:endParaRPr lang="en-US" sz="1400" dirty="0"/>
+                        </a:p>
+                      </a:txBody>
+                      <a:tcPr/>
+                    </a:tc>
+                    <a:tc>
+                      <a:txBody>
+                        <a:bodyPr/>
+                        <a:lstStyle/>
+                        <a:p>
+                          <a:pPr algn="ctr"/>
+                          <a:r>
+                            <a:rPr lang="en-US" sz="1400" dirty="0"/>
+                            <a:t>2n+n+n+n = 4n</a:t>
+                          </a:r>
+                        </a:p>
+                      </a:txBody>
+                      <a:tcPr/>
+                    </a:tc>
+                    <a:extLst>
+                      <a:ext uri="{0D108BD9-81ED-4DB2-BD59-A6C34878D82A}">
+                        <a16:rowId xmlns:a16="http://schemas.microsoft.com/office/drawing/2014/main" val="4238301737"/>
+                      </a:ext>
+                    </a:extLst>
+                  </a:tr>
+                  <a:tr h="341956">
+                    <a:tc>
+                      <a:txBody>
+                        <a:bodyPr/>
+                        <a:lstStyle/>
+                        <a:p>
+                          <a:pPr algn="ctr"/>
+                          <a:r>
+                            <a:rPr lang="en-US" sz="1400" dirty="0" err="1"/>
+                            <a:t>Preproc_OT</a:t>
+                          </a:r>
+                          <a:endParaRPr lang="en-US" sz="1400" dirty="0"/>
+                        </a:p>
+                      </a:txBody>
+                      <a:tcPr/>
+                    </a:tc>
+                    <a:tc>
+                      <a:txBody>
+                        <a:bodyPr/>
+                        <a:lstStyle/>
+                        <a:p>
+                          <a:pPr algn="ctr"/>
+                          <a:r>
+                            <a:rPr lang="en-US" sz="1400" dirty="0"/>
+                            <a:t>raps, </a:t>
+                          </a:r>
+                          <a:r>
+                            <a:rPr lang="en-US" sz="1400" dirty="0" err="1"/>
+                            <a:t>rbps</a:t>
+                          </a:r>
+                          <a:r>
+                            <a:rPr lang="en-US" sz="1400" dirty="0"/>
+                            <a:t>, </a:t>
+                          </a:r>
+                          <a:r>
+                            <a:rPr lang="en-US" sz="1400" dirty="0" err="1"/>
+                            <a:t>zps</a:t>
+                          </a:r>
+                          <a:r>
+                            <a:rPr lang="en-US" sz="1400" dirty="0"/>
+                            <a:t>, </a:t>
+                          </a:r>
+                          <a:r>
+                            <a:rPr lang="en-US" sz="1400" dirty="0" err="1"/>
+                            <a:t>rxps</a:t>
+                          </a:r>
+                          <a:endParaRPr lang="en-US" sz="1400" dirty="0"/>
+                        </a:p>
+                      </a:txBody>
+                      <a:tcPr/>
+                    </a:tc>
+                    <a:tc>
+                      <a:txBody>
+                        <a:bodyPr/>
+                        <a:lstStyle/>
+                        <a:p>
+                          <a:pPr algn="ctr"/>
+                          <a:r>
+                            <a:rPr lang="en-US" sz="1400" dirty="0"/>
+                            <a:t>4n</a:t>
+                          </a:r>
+                        </a:p>
+                      </a:txBody>
+                      <a:tcPr/>
+                    </a:tc>
+                    <a:extLst>
+                      <a:ext uri="{0D108BD9-81ED-4DB2-BD59-A6C34878D82A}">
+                        <a16:rowId xmlns:a16="http://schemas.microsoft.com/office/drawing/2014/main" val="266417292"/>
+                      </a:ext>
+                    </a:extLst>
+                  </a:tr>
+                  <a:tr h="309579">
+                    <a:tc>
+                      <a:txBody>
+                        <a:bodyPr/>
+                        <a:lstStyle/>
+                        <a:p>
+                          <a:pPr algn="ctr"/>
+                          <a:endParaRPr lang="en-US" sz="1400" dirty="0"/>
+                        </a:p>
+                      </a:txBody>
+                      <a:tcPr/>
+                    </a:tc>
+                    <a:tc>
+                      <a:txBody>
+                        <a:bodyPr/>
+                        <a:lstStyle/>
+                        <a:p>
+                          <a:pPr algn="ctr"/>
+                          <a:endParaRPr lang="en-US" sz="1400" dirty="0"/>
+                        </a:p>
+                      </a:txBody>
+                      <a:tcPr/>
+                    </a:tc>
+                    <a:tc>
+                      <a:txBody>
+                        <a:bodyPr/>
+                        <a:lstStyle/>
+                        <a:p>
+                          <a:endParaRPr lang="en-US"/>
+                        </a:p>
+                      </a:txBody>
+                      <a:tcPr>
+                        <a:blipFill>
+                          <a:blip r:embed="rId2"/>
+                          <a:stretch>
+                            <a:fillRect l="-200699" t="-391667" r="-699" b="-12500"/>
+                          </a:stretch>
+                        </a:blipFill>
+                      </a:tcPr>
+                    </a:tc>
+                    <a:extLst>
+                      <a:ext uri="{0D108BD9-81ED-4DB2-BD59-A6C34878D82A}">
+                        <a16:rowId xmlns:a16="http://schemas.microsoft.com/office/drawing/2014/main" val="2998986514"/>
+                      </a:ext>
+                    </a:extLst>
+                  </a:tr>
+                </a:tbl>
+              </a:graphicData>
+            </a:graphic>
+          </p:graphicFrame>
+        </mc:Fallback>
+      </mc:AlternateContent>
     </p:spTree>
     <p:extLst>
       <p:ext uri="{BB962C8B-B14F-4D97-AF65-F5344CB8AC3E}">
@@ -4342,7 +4701,7 @@
           <p:nvPr>
             <p:extLst>
               <p:ext uri="{D42A27DB-BD31-4B8C-83A1-F6EECF244321}">
-                <p14:modId xmlns:p14="http://schemas.microsoft.com/office/powerpoint/2010/main" val="2723543000"/>
+                <p14:modId xmlns:p14="http://schemas.microsoft.com/office/powerpoint/2010/main" val="1461854447"/>
               </p:ext>
             </p:extLst>
           </p:nvPr>
@@ -4439,7 +4798,7 @@
                       <a:pPr algn="ctr"/>
                       <a:r>
                         <a:rPr lang="en-US" sz="1400" dirty="0"/>
-                        <a:t>Preproc_mod2</a:t>
+                        <a:t>Preproc_mod2()</a:t>
                       </a:r>
                     </a:p>
                   </a:txBody>
@@ -4500,7 +4859,7 @@
                       <a:pPr algn="ctr"/>
                       <a:r>
                         <a:rPr lang="en-US" sz="1400" dirty="0"/>
-                        <a:t>Preproc_mod3</a:t>
+                        <a:t>Preproc_mod3()</a:t>
                       </a:r>
                     </a:p>
                   </a:txBody>
@@ -4673,14 +5032,14 @@
               <p:nvPr>
                 <p:extLst>
                   <p:ext uri="{D42A27DB-BD31-4B8C-83A1-F6EECF244321}">
-                    <p14:modId xmlns:p14="http://schemas.microsoft.com/office/powerpoint/2010/main" val="2033176312"/>
+                    <p14:modId xmlns:p14="http://schemas.microsoft.com/office/powerpoint/2010/main" val="2604775306"/>
                   </p:ext>
                 </p:extLst>
               </p:nvPr>
             </p:nvGraphicFramePr>
             <p:xfrm>
               <a:off x="1639229" y="4024914"/>
-              <a:ext cx="8062332" cy="1997434"/>
+              <a:ext cx="8062332" cy="2173638"/>
             </p:xfrm>
             <a:graphic>
               <a:graphicData uri="http://schemas.openxmlformats.org/drawingml/2006/table">
@@ -4770,7 +5129,7 @@
                           <a:pPr algn="ctr"/>
                           <a:r>
                             <a:rPr lang="en-US" sz="1400" dirty="0"/>
-                            <a:t>Preproc_mod2</a:t>
+                            <a:t>Preproc_mod2()</a:t>
                           </a:r>
                         </a:p>
                       </a:txBody>
@@ -4831,7 +5190,7 @@
                           <a:pPr algn="ctr"/>
                           <a:r>
                             <a:rPr lang="en-US" sz="1400" dirty="0"/>
-                            <a:t>Preproc_mod3</a:t>
+                            <a:t>Preproc_mod3()</a:t>
                           </a:r>
                         </a:p>
                       </a:txBody>
@@ -4883,8 +5242,1609 @@
                         <a:p>
                           <a:pPr algn="ctr"/>
                           <a:r>
+                            <a:rPr lang="en-US" sz="1400" dirty="0" err="1"/>
+                            <a:t>Reformat_Rmat</a:t>
+                          </a:r>
+                          <a:r>
                             <a:rPr lang="en-US" sz="1400" dirty="0"/>
-                            <a:t>Lookup table</a:t>
+                            <a:t>()</a:t>
+                          </a:r>
+                        </a:p>
+                        <a:p>
+                          <a:pPr algn="ctr"/>
+                          <a:r>
+                            <a:rPr lang="en-US" sz="1400" dirty="0" err="1"/>
+                            <a:t>Create_Lookup</a:t>
+                          </a:r>
+                          <a:r>
+                            <a:rPr lang="en-US" sz="1400" dirty="0"/>
+                            <a:t> table()</a:t>
+                          </a:r>
+                        </a:p>
+                      </a:txBody>
+                      <a:tcPr/>
+                    </a:tc>
+                    <a:tc>
+                      <a:txBody>
+                        <a:bodyPr/>
+                        <a:lstStyle/>
+                        <a:p>
+                          <a:pPr algn="ctr"/>
+                          <a:r>
+                            <a:rPr lang="en-US" sz="1400" dirty="0"/>
+                            <a:t>Rmat16, </a:t>
+                          </a:r>
+                          <a:r>
+                            <a:rPr lang="en-US" sz="1400" dirty="0" err="1"/>
+                            <a:t>lookup_table</a:t>
+                          </a:r>
+                          <a:endParaRPr lang="en-US" sz="1400" dirty="0"/>
+                        </a:p>
+                      </a:txBody>
+                      <a:tcPr/>
+                    </a:tc>
+                    <a:tc>
+                      <a:txBody>
+                        <a:bodyPr/>
+                        <a:lstStyle/>
+                        <a:p>
+                          <a:pPr algn="ctr"/>
+                          <a14:m>
+                            <m:oMathPara xmlns:m="http://schemas.openxmlformats.org/officeDocument/2006/math">
+                              <m:oMathParaPr>
+                                <m:jc m:val="centerGroup"/>
+                              </m:oMathParaPr>
+                              <m:oMath xmlns:m="http://schemas.openxmlformats.org/officeDocument/2006/math">
+                                <m:r>
+                                  <a:rPr lang="en-US" sz="1400" b="0" i="1" smtClean="0">
+                                    <a:latin typeface="Cambria Math" panose="02040503050406030204" pitchFamily="18" charset="0"/>
+                                  </a:rPr>
+                                  <m:t>81</m:t>
+                                </m:r>
+                                <m:r>
+                                  <a:rPr lang="en-US" sz="1400" b="0" i="1" smtClean="0">
+                                    <a:latin typeface="Cambria Math" panose="02040503050406030204" pitchFamily="18" charset="0"/>
+                                  </a:rPr>
+                                  <m:t>𝑛</m:t>
+                                </m:r>
+                                <m:r>
+                                  <a:rPr lang="en-US" sz="1400" b="0" i="1" smtClean="0">
+                                    <a:latin typeface="Cambria Math" panose="02040503050406030204" pitchFamily="18" charset="0"/>
+                                  </a:rPr>
+                                  <m:t>+16 × </m:t>
+                                </m:r>
+                                <m:d>
+                                  <m:dPr>
+                                    <m:ctrlPr>
+                                      <a:rPr lang="en-US" sz="1400" b="0" i="1" smtClean="0">
+                                        <a:latin typeface="Cambria Math" panose="02040503050406030204" pitchFamily="18" charset="0"/>
+                                      </a:rPr>
+                                    </m:ctrlPr>
+                                  </m:dPr>
+                                  <m:e>
+                                    <m:sSup>
+                                      <m:sSupPr>
+                                        <m:ctrlPr>
+                                          <a:rPr lang="en-US" sz="1400" b="0" i="1" smtClean="0">
+                                            <a:latin typeface="Cambria Math" panose="02040503050406030204" pitchFamily="18" charset="0"/>
+                                          </a:rPr>
+                                        </m:ctrlPr>
+                                      </m:sSupPr>
+                                      <m:e>
+                                        <m:r>
+                                          <a:rPr lang="en-US" sz="1400" b="0" i="1" smtClean="0">
+                                            <a:latin typeface="Cambria Math" panose="02040503050406030204" pitchFamily="18" charset="0"/>
+                                          </a:rPr>
+                                          <m:t>2</m:t>
+                                        </m:r>
+                                      </m:e>
+                                      <m:sup>
+                                        <m:r>
+                                          <a:rPr lang="en-US" sz="1400" b="0" i="1" smtClean="0">
+                                            <a:latin typeface="Cambria Math" panose="02040503050406030204" pitchFamily="18" charset="0"/>
+                                          </a:rPr>
+                                          <m:t>16</m:t>
+                                        </m:r>
+                                      </m:sup>
+                                    </m:sSup>
+                                    <m:r>
+                                      <a:rPr lang="en-US" sz="1400" b="0" i="1" smtClean="0">
+                                        <a:latin typeface="Cambria Math" panose="02040503050406030204" pitchFamily="18" charset="0"/>
+                                      </a:rPr>
+                                      <m:t> −1</m:t>
+                                    </m:r>
+                                  </m:e>
+                                </m:d>
+                                <m:r>
+                                  <a:rPr lang="en-US" sz="1400" b="0" i="1" smtClean="0">
+                                    <a:latin typeface="Cambria Math" panose="02040503050406030204" pitchFamily="18" charset="0"/>
+                                  </a:rPr>
+                                  <m:t> </m:t>
+                                </m:r>
+                                <m:r>
+                                  <a:rPr lang="en-US" sz="1400" b="0" i="1" smtClean="0">
+                                    <a:latin typeface="Cambria Math" panose="02040503050406030204" pitchFamily="18" charset="0"/>
+                                    <a:ea typeface="Cambria Math" panose="02040503050406030204" pitchFamily="18" charset="0"/>
+                                  </a:rPr>
+                                  <m:t>~</m:t>
+                                </m:r>
+                                <m:r>
+                                  <a:rPr lang="en-US" sz="1400" b="0" i="1" smtClean="0">
+                                    <a:latin typeface="Cambria Math" panose="02040503050406030204" pitchFamily="18" charset="0"/>
+                                  </a:rPr>
+                                  <m:t> 41</m:t>
+                                </m:r>
+                                <m:r>
+                                  <a:rPr lang="en-US" sz="1400" b="0" i="1" smtClean="0">
+                                    <a:latin typeface="Cambria Math" panose="02040503050406030204" pitchFamily="18" charset="0"/>
+                                  </a:rPr>
+                                  <m:t>77</m:t>
+                                </m:r>
+                                <m:r>
+                                  <a:rPr lang="en-US" sz="1400" b="0" i="1" smtClean="0">
+                                    <a:latin typeface="Cambria Math" panose="02040503050406030204" pitchFamily="18" charset="0"/>
+                                  </a:rPr>
+                                  <m:t>𝑛</m:t>
+                                </m:r>
+                              </m:oMath>
+                            </m:oMathPara>
+                          </a14:m>
+                          <a:endParaRPr lang="en-US" sz="1400" dirty="0"/>
+                        </a:p>
+                      </a:txBody>
+                      <a:tcPr/>
+                    </a:tc>
+                    <a:extLst>
+                      <a:ext uri="{0D108BD9-81ED-4DB2-BD59-A6C34878D82A}">
+                        <a16:rowId xmlns:a16="http://schemas.microsoft.com/office/drawing/2014/main" val="100994603"/>
+                      </a:ext>
+                    </a:extLst>
+                  </a:tr>
+                  <a:tr h="309579">
+                    <a:tc>
+                      <a:txBody>
+                        <a:bodyPr/>
+                        <a:lstStyle/>
+                        <a:p>
+                          <a:pPr algn="ctr"/>
+                          <a:r>
+                            <a:rPr lang="en-US" sz="1400" dirty="0"/>
+                            <a:t>Total</a:t>
+                          </a:r>
+                        </a:p>
+                      </a:txBody>
+                      <a:tcPr/>
+                    </a:tc>
+                    <a:tc>
+                      <a:txBody>
+                        <a:bodyPr/>
+                        <a:lstStyle/>
+                        <a:p>
+                          <a:pPr algn="ctr"/>
+                          <a:endParaRPr lang="en-US" sz="1400" dirty="0"/>
+                        </a:p>
+                      </a:txBody>
+                      <a:tcPr/>
+                    </a:tc>
+                    <a:tc>
+                      <a:txBody>
+                        <a:bodyPr/>
+                        <a:lstStyle/>
+                        <a:p>
+                          <a:pPr algn="ctr"/>
+                          <a14:m>
+                            <m:oMathPara xmlns:m="http://schemas.openxmlformats.org/officeDocument/2006/math">
+                              <m:oMathParaPr>
+                                <m:jc m:val="centerGroup"/>
+                              </m:oMathParaPr>
+                              <m:oMath xmlns:m="http://schemas.openxmlformats.org/officeDocument/2006/math">
+                                <m:r>
+                                  <a:rPr lang="en-US" sz="1400" b="0" i="1" smtClean="0">
+                                    <a:latin typeface="Cambria Math" panose="02040503050406030204" pitchFamily="18" charset="0"/>
+                                  </a:rPr>
+                                  <m:t>4199</m:t>
+                                </m:r>
+                                <m:r>
+                                  <a:rPr lang="en-US" sz="1400" b="0" i="1" smtClean="0">
+                                    <a:latin typeface="Cambria Math" panose="02040503050406030204" pitchFamily="18" charset="0"/>
+                                  </a:rPr>
+                                  <m:t>𝑛</m:t>
+                                </m:r>
+                                <m:r>
+                                  <a:rPr lang="en-US" sz="1400" b="0" i="1" smtClean="0">
+                                    <a:latin typeface="Cambria Math" panose="02040503050406030204" pitchFamily="18" charset="0"/>
+                                  </a:rPr>
+                                  <m:t>=1,074,94</m:t>
+                                </m:r>
+                                <m:r>
+                                  <a:rPr lang="en-US" sz="1400" b="0" i="1" smtClean="0">
+                                    <a:latin typeface="Cambria Math" panose="02040503050406030204" pitchFamily="18" charset="0"/>
+                                  </a:rPr>
+                                  <m:t>4</m:t>
+                                </m:r>
+                                <m:r>
+                                  <a:rPr lang="en-US" sz="1400" b="0" i="1" smtClean="0">
+                                    <a:latin typeface="Cambria Math" panose="02040503050406030204" pitchFamily="18" charset="0"/>
+                                  </a:rPr>
+                                  <m:t> ~ 1</m:t>
+                                </m:r>
+                                <m:r>
+                                  <a:rPr lang="en-US" sz="1400" b="0" i="1" smtClean="0">
+                                    <a:latin typeface="Cambria Math" panose="02040503050406030204" pitchFamily="18" charset="0"/>
+                                    <a:ea typeface="Cambria Math" panose="02040503050406030204" pitchFamily="18" charset="0"/>
+                                  </a:rPr>
+                                  <m:t>𝑀</m:t>
+                                </m:r>
+                              </m:oMath>
+                            </m:oMathPara>
+                          </a14:m>
+                          <a:endParaRPr lang="en-US" sz="1400" dirty="0"/>
+                        </a:p>
+                      </a:txBody>
+                      <a:tcPr/>
+                    </a:tc>
+                    <a:extLst>
+                      <a:ext uri="{0D108BD9-81ED-4DB2-BD59-A6C34878D82A}">
+                        <a16:rowId xmlns:a16="http://schemas.microsoft.com/office/drawing/2014/main" val="2998986514"/>
+                      </a:ext>
+                    </a:extLst>
+                  </a:tr>
+                </a:tbl>
+              </a:graphicData>
+            </a:graphic>
+          </p:graphicFrame>
+        </mc:Choice>
+        <mc:Fallback>
+          <p:graphicFrame>
+            <p:nvGraphicFramePr>
+              <p:cNvPr id="8" name="Table 7">
+                <a:extLst>
+                  <a:ext uri="{FF2B5EF4-FFF2-40B4-BE49-F238E27FC236}">
+                    <a16:creationId xmlns:a16="http://schemas.microsoft.com/office/drawing/2014/main" id="{90B3DFDF-8A52-7348-983B-61F0BAAE3966}"/>
+                  </a:ext>
+                </a:extLst>
+              </p:cNvPr>
+              <p:cNvGraphicFramePr>
+                <a:graphicFrameLocks noGrp="1"/>
+              </p:cNvGraphicFramePr>
+              <p:nvPr>
+                <p:extLst>
+                  <p:ext uri="{D42A27DB-BD31-4B8C-83A1-F6EECF244321}">
+                    <p14:modId xmlns:p14="http://schemas.microsoft.com/office/powerpoint/2010/main" val="2604775306"/>
+                  </p:ext>
+                </p:extLst>
+              </p:nvPr>
+            </p:nvGraphicFramePr>
+            <p:xfrm>
+              <a:off x="1639229" y="4024914"/>
+              <a:ext cx="8062332" cy="2173638"/>
+            </p:xfrm>
+            <a:graphic>
+              <a:graphicData uri="http://schemas.openxmlformats.org/drawingml/2006/table">
+                <a:tbl>
+                  <a:tblPr firstRow="1" bandRow="1">
+                    <a:tableStyleId>{5940675A-B579-460E-94D1-54222C63F5DA}</a:tableStyleId>
+                  </a:tblPr>
+                  <a:tblGrid>
+                    <a:gridCol w="2687444">
+                      <a:extLst>
+                        <a:ext uri="{9D8B030D-6E8A-4147-A177-3AD203B41FA5}">
+                          <a16:colId xmlns:a16="http://schemas.microsoft.com/office/drawing/2014/main" val="2780235502"/>
+                        </a:ext>
+                      </a:extLst>
+                    </a:gridCol>
+                    <a:gridCol w="2687444">
+                      <a:extLst>
+                        <a:ext uri="{9D8B030D-6E8A-4147-A177-3AD203B41FA5}">
+                          <a16:colId xmlns:a16="http://schemas.microsoft.com/office/drawing/2014/main" val="4124010374"/>
+                        </a:ext>
+                      </a:extLst>
+                    </a:gridCol>
+                    <a:gridCol w="2687444">
+                      <a:extLst>
+                        <a:ext uri="{9D8B030D-6E8A-4147-A177-3AD203B41FA5}">
+                          <a16:colId xmlns:a16="http://schemas.microsoft.com/office/drawing/2014/main" val="3769471840"/>
+                        </a:ext>
+                      </a:extLst>
+                    </a:gridCol>
+                  </a:tblGrid>
+                  <a:tr h="309579">
+                    <a:tc>
+                      <a:txBody>
+                        <a:bodyPr/>
+                        <a:lstStyle/>
+                        <a:p>
+                          <a:pPr algn="ctr"/>
+                          <a:r>
+                            <a:rPr lang="en-US" sz="1400" b="1" dirty="0"/>
+                            <a:t>Functions</a:t>
+                          </a:r>
+                        </a:p>
+                      </a:txBody>
+                      <a:tcPr/>
+                    </a:tc>
+                    <a:tc>
+                      <a:txBody>
+                        <a:bodyPr/>
+                        <a:lstStyle/>
+                        <a:p>
+                          <a:pPr algn="ctr"/>
+                          <a:r>
+                            <a:rPr lang="en-US" sz="1400" b="1"/>
+                            <a:t>Variables</a:t>
+                          </a:r>
+                          <a:endParaRPr lang="en-US" sz="1400" b="1" dirty="0"/>
+                        </a:p>
+                      </a:txBody>
+                      <a:tcPr/>
+                    </a:tc>
+                    <a:tc>
+                      <a:txBody>
+                        <a:bodyPr/>
+                        <a:lstStyle/>
+                        <a:p>
+                          <a:pPr algn="ctr"/>
+                          <a:r>
+                            <a:rPr lang="en-US" sz="1400" b="1" dirty="0"/>
+                            <a:t>Size</a:t>
+                          </a:r>
+                        </a:p>
+                      </a:txBody>
+                      <a:tcPr/>
+                    </a:tc>
+                    <a:extLst>
+                      <a:ext uri="{0D108BD9-81ED-4DB2-BD59-A6C34878D82A}">
+                        <a16:rowId xmlns:a16="http://schemas.microsoft.com/office/drawing/2014/main" val="2412432484"/>
+                      </a:ext>
+                    </a:extLst>
+                  </a:tr>
+                  <a:tr h="518160">
+                    <a:tc>
+                      <a:txBody>
+                        <a:bodyPr/>
+                        <a:lstStyle/>
+                        <a:p>
+                          <a:pPr algn="ctr"/>
+                          <a:r>
+                            <a:rPr lang="en-US" sz="1400" dirty="0"/>
+                            <a:t>Preproc_mod2()</a:t>
+                          </a:r>
+                        </a:p>
+                      </a:txBody>
+                      <a:tcPr/>
+                    </a:tc>
+                    <a:tc>
+                      <a:txBody>
+                        <a:bodyPr/>
+                        <a:lstStyle/>
+                        <a:p>
+                          <a:pPr algn="ctr"/>
+                          <a:r>
+                            <a:rPr lang="en-US" sz="1400" dirty="0"/>
+                            <a:t>Rx1,rx2, rK1,rK2, sw1, sw2, </a:t>
+                          </a:r>
+                          <a:r>
+                            <a:rPr lang="en-US" sz="1400" dirty="0" err="1"/>
+                            <a:t>rw_global</a:t>
+                          </a:r>
+                          <a:endParaRPr lang="en-US" sz="1400" dirty="0"/>
+                        </a:p>
+                      </a:txBody>
+                      <a:tcPr/>
+                    </a:tc>
+                    <a:tc>
+                      <a:txBody>
+                        <a:bodyPr/>
+                        <a:lstStyle/>
+                        <a:p>
+                          <a:pPr algn="ctr"/>
+                          <a:r>
+                            <a:rPr lang="en-US" sz="1400" dirty="0"/>
+                            <a:t>n+n+2n+2n+n+n+n</a:t>
+                          </a:r>
+                        </a:p>
+                        <a:p>
+                          <a:pPr algn="ctr"/>
+                          <a:r>
+                            <a:rPr lang="en-US" sz="1400" dirty="0"/>
+                            <a:t>= 9n</a:t>
+                          </a:r>
+                        </a:p>
+                      </a:txBody>
+                      <a:tcPr/>
+                    </a:tc>
+                    <a:extLst>
+                      <a:ext uri="{0D108BD9-81ED-4DB2-BD59-A6C34878D82A}">
+                        <a16:rowId xmlns:a16="http://schemas.microsoft.com/office/drawing/2014/main" val="4238301737"/>
+                      </a:ext>
+                    </a:extLst>
+                  </a:tr>
+                  <a:tr h="518160">
+                    <a:tc>
+                      <a:txBody>
+                        <a:bodyPr/>
+                        <a:lstStyle/>
+                        <a:p>
+                          <a:pPr algn="ctr"/>
+                          <a:r>
+                            <a:rPr lang="en-US" sz="1400" dirty="0"/>
+                            <a:t>Preproc_mod3()</a:t>
+                          </a:r>
+                        </a:p>
+                      </a:txBody>
+                      <a:tcPr/>
+                    </a:tc>
+                    <a:tc>
+                      <a:txBody>
+                        <a:bodyPr/>
+                        <a:lstStyle/>
+                        <a:p>
+                          <a:pPr algn="ctr"/>
+                          <a:r>
+                            <a:rPr lang="en-US" sz="1400" dirty="0" err="1"/>
+                            <a:t>Not_rw_global</a:t>
+                          </a:r>
+                          <a:r>
+                            <a:rPr lang="en-US" sz="1400" dirty="0"/>
+                            <a:t>, r0z_global, r0z1, r0z2, r1z_global, r1z1, r1z2</a:t>
+                          </a:r>
+                        </a:p>
+                      </a:txBody>
+                      <a:tcPr/>
+                    </a:tc>
+                    <a:tc>
+                      <a:txBody>
+                        <a:bodyPr/>
+                        <a:lstStyle/>
+                        <a:p>
+                          <a:pPr algn="ctr"/>
+                          <a:r>
+                            <a:rPr lang="en-US" sz="1400" dirty="0"/>
+                            <a:t>n+2n+2n+2n+2n+2n+2n = 13n</a:t>
+                          </a:r>
+                        </a:p>
+                      </a:txBody>
+                      <a:tcPr/>
+                    </a:tc>
+                    <a:extLst>
+                      <a:ext uri="{0D108BD9-81ED-4DB2-BD59-A6C34878D82A}">
+                        <a16:rowId xmlns:a16="http://schemas.microsoft.com/office/drawing/2014/main" val="266417292"/>
+                      </a:ext>
+                    </a:extLst>
+                  </a:tr>
+                  <a:tr h="518160">
+                    <a:tc>
+                      <a:txBody>
+                        <a:bodyPr/>
+                        <a:lstStyle/>
+                        <a:p>
+                          <a:pPr algn="ctr"/>
+                          <a:r>
+                            <a:rPr lang="en-US" sz="1400" dirty="0" err="1"/>
+                            <a:t>Reformat_Rmat</a:t>
+                          </a:r>
+                          <a:r>
+                            <a:rPr lang="en-US" sz="1400" dirty="0"/>
+                            <a:t>()</a:t>
+                          </a:r>
+                        </a:p>
+                        <a:p>
+                          <a:pPr algn="ctr"/>
+                          <a:r>
+                            <a:rPr lang="en-US" sz="1400" dirty="0" err="1"/>
+                            <a:t>Create_Lookup</a:t>
+                          </a:r>
+                          <a:r>
+                            <a:rPr lang="en-US" sz="1400" dirty="0"/>
+                            <a:t> table()</a:t>
+                          </a:r>
+                        </a:p>
+                      </a:txBody>
+                      <a:tcPr/>
+                    </a:tc>
+                    <a:tc>
+                      <a:txBody>
+                        <a:bodyPr/>
+                        <a:lstStyle/>
+                        <a:p>
+                          <a:pPr algn="ctr"/>
+                          <a:r>
+                            <a:rPr lang="en-US" sz="1400" dirty="0"/>
+                            <a:t>Rmat16, </a:t>
+                          </a:r>
+                          <a:r>
+                            <a:rPr lang="en-US" sz="1400" dirty="0" err="1"/>
+                            <a:t>lookup_table</a:t>
+                          </a:r>
+                          <a:endParaRPr lang="en-US" sz="1400" dirty="0"/>
+                        </a:p>
+                      </a:txBody>
+                      <a:tcPr/>
+                    </a:tc>
+                    <a:tc>
+                      <a:txBody>
+                        <a:bodyPr/>
+                        <a:lstStyle/>
+                        <a:p>
+                          <a:endParaRPr lang="en-US"/>
+                        </a:p>
+                      </a:txBody>
+                      <a:tcPr>
+                        <a:blipFill>
+                          <a:blip r:embed="rId2"/>
+                          <a:stretch>
+                            <a:fillRect l="-200000" t="-263415" r="-943" b="-70732"/>
+                          </a:stretch>
+                        </a:blipFill>
+                      </a:tcPr>
+                    </a:tc>
+                    <a:extLst>
+                      <a:ext uri="{0D108BD9-81ED-4DB2-BD59-A6C34878D82A}">
+                        <a16:rowId xmlns:a16="http://schemas.microsoft.com/office/drawing/2014/main" val="100994603"/>
+                      </a:ext>
+                    </a:extLst>
+                  </a:tr>
+                  <a:tr h="309579">
+                    <a:tc>
+                      <a:txBody>
+                        <a:bodyPr/>
+                        <a:lstStyle/>
+                        <a:p>
+                          <a:pPr algn="ctr"/>
+                          <a:r>
+                            <a:rPr lang="en-US" sz="1400" dirty="0"/>
+                            <a:t>Total</a:t>
+                          </a:r>
+                        </a:p>
+                      </a:txBody>
+                      <a:tcPr/>
+                    </a:tc>
+                    <a:tc>
+                      <a:txBody>
+                        <a:bodyPr/>
+                        <a:lstStyle/>
+                        <a:p>
+                          <a:pPr algn="ctr"/>
+                          <a:endParaRPr lang="en-US" sz="1400" dirty="0"/>
+                        </a:p>
+                      </a:txBody>
+                      <a:tcPr/>
+                    </a:tc>
+                    <a:tc>
+                      <a:txBody>
+                        <a:bodyPr/>
+                        <a:lstStyle/>
+                        <a:p>
+                          <a:endParaRPr lang="en-US"/>
+                        </a:p>
+                      </a:txBody>
+                      <a:tcPr>
+                        <a:blipFill>
+                          <a:blip r:embed="rId2"/>
+                          <a:stretch>
+                            <a:fillRect l="-200000" t="-596000" r="-943" b="-16000"/>
+                          </a:stretch>
+                        </a:blipFill>
+                      </a:tcPr>
+                    </a:tc>
+                    <a:extLst>
+                      <a:ext uri="{0D108BD9-81ED-4DB2-BD59-A6C34878D82A}">
+                        <a16:rowId xmlns:a16="http://schemas.microsoft.com/office/drawing/2014/main" val="2998986514"/>
+                      </a:ext>
+                    </a:extLst>
+                  </a:tr>
+                </a:tbl>
+              </a:graphicData>
+            </a:graphic>
+          </p:graphicFrame>
+        </mc:Fallback>
+      </mc:AlternateContent>
+    </p:spTree>
+    <p:extLst>
+      <p:ext uri="{BB962C8B-B14F-4D97-AF65-F5344CB8AC3E}">
+        <p14:creationId xmlns:p14="http://schemas.microsoft.com/office/powerpoint/2010/main" val="1574301204"/>
+      </p:ext>
+    </p:extLst>
+  </p:cSld>
+  <p:clrMapOvr>
+    <a:masterClrMapping/>
+  </p:clrMapOvr>
+</p:sld>
+</file>
+
+<file path=ppt/slides/slide4.xml><?xml version="1.0" encoding="utf-8"?>
+<p:sld xmlns:a="http://schemas.openxmlformats.org/drawingml/2006/main" xmlns:r="http://schemas.openxmlformats.org/officeDocument/2006/relationships" xmlns:p="http://schemas.openxmlformats.org/presentationml/2006/main">
+  <p:cSld>
+    <p:spTree>
+      <p:nvGrpSpPr>
+        <p:cNvPr id="1" name=""/>
+        <p:cNvGrpSpPr/>
+        <p:nvPr/>
+      </p:nvGrpSpPr>
+      <p:grpSpPr>
+        <a:xfrm>
+          <a:off x="0" y="0"/>
+          <a:ext cx="0" cy="0"/>
+          <a:chOff x="0" y="0"/>
+          <a:chExt cx="0" cy="0"/>
+        </a:xfrm>
+      </p:grpSpPr>
+      <p:sp>
+        <p:nvSpPr>
+          <p:cNvPr id="2" name="Title 1">
+            <a:extLst>
+              <a:ext uri="{FF2B5EF4-FFF2-40B4-BE49-F238E27FC236}">
+                <a16:creationId xmlns:a16="http://schemas.microsoft.com/office/drawing/2014/main" id="{95B0E3E7-3C87-5949-B227-4D3CD6EBD3CA}"/>
+              </a:ext>
+            </a:extLst>
+          </p:cNvPr>
+          <p:cNvSpPr>
+            <a:spLocks noGrp="1"/>
+          </p:cNvSpPr>
+          <p:nvPr>
+            <p:ph type="title"/>
+          </p:nvPr>
+        </p:nvSpPr>
+        <p:spPr>
+          <a:xfrm>
+            <a:off x="838200" y="365126"/>
+            <a:ext cx="10515600" cy="471216"/>
+          </a:xfrm>
+        </p:spPr>
+        <p:txBody>
+          <a:bodyPr>
+            <a:noAutofit/>
+          </a:bodyPr>
+          <a:lstStyle/>
+          <a:p>
+            <a:r>
+              <a:rPr lang="en-US" sz="3600" dirty="0" err="1"/>
+              <a:t>oPRF</a:t>
+            </a:r>
+            <a:r>
+              <a:rPr lang="en-US" sz="3600" dirty="0"/>
+              <a:t> (packed)</a:t>
+            </a:r>
+          </a:p>
+        </p:txBody>
+      </p:sp>
+      <p:sp>
+        <p:nvSpPr>
+          <p:cNvPr id="3" name="Content Placeholder 2">
+            <a:extLst>
+              <a:ext uri="{FF2B5EF4-FFF2-40B4-BE49-F238E27FC236}">
+                <a16:creationId xmlns:a16="http://schemas.microsoft.com/office/drawing/2014/main" id="{37F822B8-ACFD-C84C-BA8C-76E2E72242B1}"/>
+              </a:ext>
+            </a:extLst>
+          </p:cNvPr>
+          <p:cNvSpPr>
+            <a:spLocks noGrp="1"/>
+          </p:cNvSpPr>
+          <p:nvPr>
+            <p:ph idx="1"/>
+          </p:nvPr>
+        </p:nvSpPr>
+        <p:spPr>
+          <a:xfrm>
+            <a:off x="838200" y="1067343"/>
+            <a:ext cx="3008971" cy="1441682"/>
+          </a:xfrm>
+        </p:spPr>
+        <p:txBody>
+          <a:bodyPr>
+            <a:normAutofit/>
+          </a:bodyPr>
+          <a:lstStyle/>
+          <a:p>
+            <a:r>
+              <a:rPr lang="en-US" sz="2000" dirty="0"/>
+              <a:t>Files: </a:t>
+            </a:r>
+          </a:p>
+          <a:p>
+            <a:pPr lvl="1"/>
+            <a:r>
+              <a:rPr lang="en-US" sz="2000" dirty="0" err="1"/>
+              <a:t>OPRF.cpp</a:t>
+            </a:r>
+            <a:endParaRPr lang="en-US" sz="2000" dirty="0"/>
+          </a:p>
+          <a:p>
+            <a:pPr lvl="1"/>
+            <a:r>
+              <a:rPr lang="en-US" sz="2000" dirty="0"/>
+              <a:t>PackedMod2.hpp</a:t>
+            </a:r>
+          </a:p>
+          <a:p>
+            <a:pPr lvl="1"/>
+            <a:r>
+              <a:rPr lang="en-US" sz="2000" dirty="0"/>
+              <a:t>PackedMod3.hpp</a:t>
+            </a:r>
+          </a:p>
+          <a:p>
+            <a:pPr lvl="1"/>
+            <a:endParaRPr lang="en-US" dirty="0"/>
+          </a:p>
+          <a:p>
+            <a:pPr lvl="1"/>
+            <a:endParaRPr lang="en-US" dirty="0"/>
+          </a:p>
+          <a:p>
+            <a:endParaRPr lang="en-US" dirty="0"/>
+          </a:p>
+        </p:txBody>
+      </p:sp>
+      <mc:AlternateContent xmlns:mc="http://schemas.openxmlformats.org/markup-compatibility/2006">
+        <mc:Choice xmlns:a14="http://schemas.microsoft.com/office/drawing/2010/main" Requires="a14">
+          <p:graphicFrame>
+            <p:nvGraphicFramePr>
+              <p:cNvPr id="5" name="Table 4">
+                <a:extLst>
+                  <a:ext uri="{FF2B5EF4-FFF2-40B4-BE49-F238E27FC236}">
+                    <a16:creationId xmlns:a16="http://schemas.microsoft.com/office/drawing/2014/main" id="{DAEA6F7A-0652-FC4D-9044-917FEC562FB4}"/>
+                  </a:ext>
+                </a:extLst>
+              </p:cNvPr>
+              <p:cNvGraphicFramePr>
+                <a:graphicFrameLocks noGrp="1"/>
+              </p:cNvGraphicFramePr>
+              <p:nvPr>
+                <p:extLst>
+                  <p:ext uri="{D42A27DB-BD31-4B8C-83A1-F6EECF244321}">
+                    <p14:modId xmlns:p14="http://schemas.microsoft.com/office/powerpoint/2010/main" val="3270134445"/>
+                  </p:ext>
+                </p:extLst>
+              </p:nvPr>
+            </p:nvGraphicFramePr>
+            <p:xfrm>
+              <a:off x="4549698" y="836342"/>
+              <a:ext cx="6804102" cy="1137318"/>
+            </p:xfrm>
+            <a:graphic>
+              <a:graphicData uri="http://schemas.openxmlformats.org/drawingml/2006/table">
+                <a:tbl>
+                  <a:tblPr firstRow="1" bandRow="1">
+                    <a:tableStyleId>{5940675A-B579-460E-94D1-54222C63F5DA}</a:tableStyleId>
+                  </a:tblPr>
+                  <a:tblGrid>
+                    <a:gridCol w="2268034">
+                      <a:extLst>
+                        <a:ext uri="{9D8B030D-6E8A-4147-A177-3AD203B41FA5}">
+                          <a16:colId xmlns:a16="http://schemas.microsoft.com/office/drawing/2014/main" val="2780235502"/>
+                        </a:ext>
+                      </a:extLst>
+                    </a:gridCol>
+                    <a:gridCol w="2268034">
+                      <a:extLst>
+                        <a:ext uri="{9D8B030D-6E8A-4147-A177-3AD203B41FA5}">
+                          <a16:colId xmlns:a16="http://schemas.microsoft.com/office/drawing/2014/main" val="4124010374"/>
+                        </a:ext>
+                      </a:extLst>
+                    </a:gridCol>
+                    <a:gridCol w="2268034">
+                      <a:extLst>
+                        <a:ext uri="{9D8B030D-6E8A-4147-A177-3AD203B41FA5}">
+                          <a16:colId xmlns:a16="http://schemas.microsoft.com/office/drawing/2014/main" val="3769471840"/>
+                        </a:ext>
+                      </a:extLst>
+                    </a:gridCol>
+                  </a:tblGrid>
+                  <a:tr h="309579">
+                    <a:tc>
+                      <a:txBody>
+                        <a:bodyPr/>
+                        <a:lstStyle/>
+                        <a:p>
+                          <a:pPr algn="ctr"/>
+                          <a:r>
+                            <a:rPr lang="en-US" sz="1400" b="1" dirty="0"/>
+                            <a:t>Functions</a:t>
+                          </a:r>
+                        </a:p>
+                      </a:txBody>
+                      <a:tcPr/>
+                    </a:tc>
+                    <a:tc>
+                      <a:txBody>
+                        <a:bodyPr/>
+                        <a:lstStyle/>
+                        <a:p>
+                          <a:pPr algn="ctr"/>
+                          <a:r>
+                            <a:rPr lang="en-US" sz="1400" b="1"/>
+                            <a:t>Variables</a:t>
+                          </a:r>
+                          <a:endParaRPr lang="en-US" sz="1400" b="1" dirty="0"/>
+                        </a:p>
+                      </a:txBody>
+                      <a:tcPr/>
+                    </a:tc>
+                    <a:tc>
+                      <a:txBody>
+                        <a:bodyPr/>
+                        <a:lstStyle/>
+                        <a:p>
+                          <a:pPr algn="ctr"/>
+                          <a:r>
+                            <a:rPr lang="en-US" sz="1400" b="1" dirty="0"/>
+                            <a:t>Size</a:t>
+                          </a:r>
+                        </a:p>
+                      </a:txBody>
+                      <a:tcPr/>
+                    </a:tc>
+                    <a:extLst>
+                      <a:ext uri="{0D108BD9-81ED-4DB2-BD59-A6C34878D82A}">
+                        <a16:rowId xmlns:a16="http://schemas.microsoft.com/office/drawing/2014/main" val="2412432484"/>
+                      </a:ext>
+                    </a:extLst>
+                  </a:tr>
+                  <a:tr h="341956">
+                    <a:tc>
+                      <a:txBody>
+                        <a:bodyPr/>
+                        <a:lstStyle/>
+                        <a:p>
+                          <a:pPr algn="ctr"/>
+                          <a:r>
+                            <a:rPr lang="en-US" sz="1400" dirty="0" err="1"/>
+                            <a:t>Preproc_TrustedParty</a:t>
+                          </a:r>
+                          <a:r>
+                            <a:rPr lang="en-US" sz="1400" dirty="0"/>
+                            <a:t>()</a:t>
+                          </a:r>
+                        </a:p>
+                      </a:txBody>
+                      <a:tcPr/>
+                    </a:tc>
+                    <a:tc>
+                      <a:txBody>
+                        <a:bodyPr/>
+                        <a:lstStyle/>
+                        <a:p>
+                          <a:pPr algn="ctr"/>
+                          <a:r>
+                            <a:rPr lang="en-US" sz="1400" dirty="0" err="1"/>
+                            <a:t>rK</a:t>
+                          </a:r>
+                          <a:r>
+                            <a:rPr lang="en-US" sz="1400" dirty="0"/>
+                            <a:t>, </a:t>
+                          </a:r>
+                          <a:r>
+                            <a:rPr lang="en-US" sz="1400" dirty="0" err="1"/>
+                            <a:t>rq</a:t>
+                          </a:r>
+                          <a:r>
+                            <a:rPr lang="en-US" sz="1400" dirty="0"/>
+                            <a:t>, </a:t>
+                          </a:r>
+                          <a:r>
+                            <a:rPr lang="en-US" sz="1400" dirty="0" err="1"/>
+                            <a:t>rx</a:t>
+                          </a:r>
+                          <a:r>
+                            <a:rPr lang="en-US" sz="1400" dirty="0"/>
+                            <a:t>, v, </a:t>
+                          </a:r>
+                          <a:r>
+                            <a:rPr lang="en-US" sz="1400" dirty="0" err="1"/>
+                            <a:t>rw</a:t>
+                          </a:r>
+                          <a:r>
+                            <a:rPr lang="en-US" sz="1400" dirty="0"/>
+                            <a:t>, q, rw1, rw2, </a:t>
+                          </a:r>
+                          <a:r>
+                            <a:rPr lang="en-US" sz="1400" dirty="0" err="1"/>
+                            <a:t>p_server</a:t>
+                          </a:r>
+                          <a:r>
+                            <a:rPr lang="en-US" sz="1400" dirty="0"/>
+                            <a:t>, </a:t>
+                          </a:r>
+                          <a:r>
+                            <a:rPr lang="en-US" sz="1400" dirty="0" err="1"/>
+                            <a:t>p_client</a:t>
+                          </a:r>
+                          <a:endParaRPr lang="en-US" sz="1400" dirty="0"/>
+                        </a:p>
+                      </a:txBody>
+                      <a:tcPr/>
+                    </a:tc>
+                    <a:tc>
+                      <a:txBody>
+                        <a:bodyPr/>
+                        <a:lstStyle/>
+                        <a:p>
+                          <a:pPr algn="ctr"/>
+                          <a14:m>
+                            <m:oMathPara xmlns:m="http://schemas.openxmlformats.org/officeDocument/2006/math">
+                              <m:oMathParaPr>
+                                <m:jc m:val="centerGroup"/>
+                              </m:oMathParaPr>
+                              <m:oMath xmlns:m="http://schemas.openxmlformats.org/officeDocument/2006/math">
+                                <m:r>
+                                  <a:rPr lang="en-US" sz="1400" b="0" i="1" smtClean="0">
+                                    <a:latin typeface="Cambria Math" panose="02040503050406030204" pitchFamily="18" charset="0"/>
+                                  </a:rPr>
+                                  <m:t>2</m:t>
+                                </m:r>
+                                <m:r>
+                                  <a:rPr lang="en-US" sz="1400" b="0" i="1" smtClean="0">
+                                    <a:latin typeface="Cambria Math" panose="02040503050406030204" pitchFamily="18" charset="0"/>
+                                  </a:rPr>
+                                  <m:t>𝑛</m:t>
+                                </m:r>
+                                <m:r>
+                                  <a:rPr lang="en-US" sz="1400" b="0" i="1" smtClean="0">
+                                    <a:latin typeface="Cambria Math" panose="02040503050406030204" pitchFamily="18" charset="0"/>
+                                  </a:rPr>
+                                  <m:t>+7</m:t>
+                                </m:r>
+                                <m:r>
+                                  <a:rPr lang="en-US" sz="1400" b="0" i="1" smtClean="0">
+                                    <a:latin typeface="Cambria Math" panose="02040503050406030204" pitchFamily="18" charset="0"/>
+                                  </a:rPr>
+                                  <m:t>𝑛</m:t>
+                                </m:r>
+                                <m:r>
+                                  <a:rPr lang="en-US" sz="1400" b="0" i="1" smtClean="0">
+                                    <a:latin typeface="Cambria Math" panose="02040503050406030204" pitchFamily="18" charset="0"/>
+                                  </a:rPr>
+                                  <m:t>+4</m:t>
+                                </m:r>
+                                <m:r>
+                                  <a:rPr lang="en-US" sz="1400" b="0" i="1" smtClean="0">
+                                    <a:latin typeface="Cambria Math" panose="02040503050406030204" pitchFamily="18" charset="0"/>
+                                  </a:rPr>
+                                  <m:t>𝑛</m:t>
+                                </m:r>
+                                <m:r>
+                                  <a:rPr lang="en-US" sz="1400" b="0" i="1" smtClean="0">
+                                    <a:latin typeface="Cambria Math" panose="02040503050406030204" pitchFamily="18" charset="0"/>
+                                  </a:rPr>
+                                  <m:t>=13</m:t>
+                                </m:r>
+                                <m:r>
+                                  <a:rPr lang="en-US" sz="1400" b="0" i="1" smtClean="0">
+                                    <a:latin typeface="Cambria Math" panose="02040503050406030204" pitchFamily="18" charset="0"/>
+                                  </a:rPr>
+                                  <m:t>𝑛</m:t>
+                                </m:r>
+                              </m:oMath>
+                            </m:oMathPara>
+                          </a14:m>
+                          <a:endParaRPr lang="en-US" sz="1400" dirty="0"/>
+                        </a:p>
+                      </a:txBody>
+                      <a:tcPr/>
+                    </a:tc>
+                    <a:extLst>
+                      <a:ext uri="{0D108BD9-81ED-4DB2-BD59-A6C34878D82A}">
+                        <a16:rowId xmlns:a16="http://schemas.microsoft.com/office/drawing/2014/main" val="266417292"/>
+                      </a:ext>
+                    </a:extLst>
+                  </a:tr>
+                  <a:tr h="309579">
+                    <a:tc>
+                      <a:txBody>
+                        <a:bodyPr/>
+                        <a:lstStyle/>
+                        <a:p>
+                          <a:pPr algn="ctr"/>
+                          <a:r>
+                            <a:rPr lang="en-US" sz="1400" dirty="0"/>
+                            <a:t>Total</a:t>
+                          </a:r>
+                        </a:p>
+                      </a:txBody>
+                      <a:tcPr/>
+                    </a:tc>
+                    <a:tc>
+                      <a:txBody>
+                        <a:bodyPr/>
+                        <a:lstStyle/>
+                        <a:p>
+                          <a:pPr algn="ctr"/>
+                          <a:endParaRPr lang="en-US" sz="1400" dirty="0"/>
+                        </a:p>
+                      </a:txBody>
+                      <a:tcPr/>
+                    </a:tc>
+                    <a:tc>
+                      <a:txBody>
+                        <a:bodyPr/>
+                        <a:lstStyle/>
+                        <a:p>
+                          <a:pPr algn="ctr"/>
+                          <a14:m>
+                            <m:oMathPara xmlns:m="http://schemas.openxmlformats.org/officeDocument/2006/math">
+                              <m:oMathParaPr>
+                                <m:jc m:val="centerGroup"/>
+                              </m:oMathParaPr>
+                              <m:oMath xmlns:m="http://schemas.openxmlformats.org/officeDocument/2006/math">
+                                <m:r>
+                                  <a:rPr lang="en-US" sz="1400" b="0" i="1" smtClean="0">
+                                    <a:latin typeface="Cambria Math" panose="02040503050406030204" pitchFamily="18" charset="0"/>
+                                  </a:rPr>
+                                  <m:t>13</m:t>
+                                </m:r>
+                                <m:r>
+                                  <a:rPr lang="en-US" sz="1400" b="0" i="1" smtClean="0">
+                                    <a:latin typeface="Cambria Math" panose="02040503050406030204" pitchFamily="18" charset="0"/>
+                                  </a:rPr>
+                                  <m:t>𝑛</m:t>
+                                </m:r>
+                                <m:r>
+                                  <a:rPr lang="en-US" sz="1400" b="0" i="1" smtClean="0">
+                                    <a:latin typeface="Cambria Math" panose="02040503050406030204" pitchFamily="18" charset="0"/>
+                                  </a:rPr>
+                                  <m:t>=3328 ~ 3</m:t>
+                                </m:r>
+                                <m:r>
+                                  <a:rPr lang="en-US" sz="1400" b="0" i="1" smtClean="0">
+                                    <a:latin typeface="Cambria Math" panose="02040503050406030204" pitchFamily="18" charset="0"/>
+                                    <a:ea typeface="Cambria Math" panose="02040503050406030204" pitchFamily="18" charset="0"/>
+                                  </a:rPr>
+                                  <m:t>𝐾</m:t>
+                                </m:r>
+                              </m:oMath>
+                            </m:oMathPara>
+                          </a14:m>
+                          <a:endParaRPr lang="en-US" sz="1400" dirty="0"/>
+                        </a:p>
+                      </a:txBody>
+                      <a:tcPr/>
+                    </a:tc>
+                    <a:extLst>
+                      <a:ext uri="{0D108BD9-81ED-4DB2-BD59-A6C34878D82A}">
+                        <a16:rowId xmlns:a16="http://schemas.microsoft.com/office/drawing/2014/main" val="2998986514"/>
+                      </a:ext>
+                    </a:extLst>
+                  </a:tr>
+                </a:tbl>
+              </a:graphicData>
+            </a:graphic>
+          </p:graphicFrame>
+        </mc:Choice>
+        <mc:Fallback>
+          <p:graphicFrame>
+            <p:nvGraphicFramePr>
+              <p:cNvPr id="5" name="Table 4">
+                <a:extLst>
+                  <a:ext uri="{FF2B5EF4-FFF2-40B4-BE49-F238E27FC236}">
+                    <a16:creationId xmlns:a16="http://schemas.microsoft.com/office/drawing/2014/main" id="{DAEA6F7A-0652-FC4D-9044-917FEC562FB4}"/>
+                  </a:ext>
+                </a:extLst>
+              </p:cNvPr>
+              <p:cNvGraphicFramePr>
+                <a:graphicFrameLocks noGrp="1"/>
+              </p:cNvGraphicFramePr>
+              <p:nvPr>
+                <p:extLst>
+                  <p:ext uri="{D42A27DB-BD31-4B8C-83A1-F6EECF244321}">
+                    <p14:modId xmlns:p14="http://schemas.microsoft.com/office/powerpoint/2010/main" val="3270134445"/>
+                  </p:ext>
+                </p:extLst>
+              </p:nvPr>
+            </p:nvGraphicFramePr>
+            <p:xfrm>
+              <a:off x="4549698" y="836342"/>
+              <a:ext cx="6804102" cy="1137318"/>
+            </p:xfrm>
+            <a:graphic>
+              <a:graphicData uri="http://schemas.openxmlformats.org/drawingml/2006/table">
+                <a:tbl>
+                  <a:tblPr firstRow="1" bandRow="1">
+                    <a:tableStyleId>{5940675A-B579-460E-94D1-54222C63F5DA}</a:tableStyleId>
+                  </a:tblPr>
+                  <a:tblGrid>
+                    <a:gridCol w="2268034">
+                      <a:extLst>
+                        <a:ext uri="{9D8B030D-6E8A-4147-A177-3AD203B41FA5}">
+                          <a16:colId xmlns:a16="http://schemas.microsoft.com/office/drawing/2014/main" val="2780235502"/>
+                        </a:ext>
+                      </a:extLst>
+                    </a:gridCol>
+                    <a:gridCol w="2268034">
+                      <a:extLst>
+                        <a:ext uri="{9D8B030D-6E8A-4147-A177-3AD203B41FA5}">
+                          <a16:colId xmlns:a16="http://schemas.microsoft.com/office/drawing/2014/main" val="4124010374"/>
+                        </a:ext>
+                      </a:extLst>
+                    </a:gridCol>
+                    <a:gridCol w="2268034">
+                      <a:extLst>
+                        <a:ext uri="{9D8B030D-6E8A-4147-A177-3AD203B41FA5}">
+                          <a16:colId xmlns:a16="http://schemas.microsoft.com/office/drawing/2014/main" val="3769471840"/>
+                        </a:ext>
+                      </a:extLst>
+                    </a:gridCol>
+                  </a:tblGrid>
+                  <a:tr h="309579">
+                    <a:tc>
+                      <a:txBody>
+                        <a:bodyPr/>
+                        <a:lstStyle/>
+                        <a:p>
+                          <a:pPr algn="ctr"/>
+                          <a:r>
+                            <a:rPr lang="en-US" sz="1400" b="1" dirty="0"/>
+                            <a:t>Functions</a:t>
+                          </a:r>
+                        </a:p>
+                      </a:txBody>
+                      <a:tcPr/>
+                    </a:tc>
+                    <a:tc>
+                      <a:txBody>
+                        <a:bodyPr/>
+                        <a:lstStyle/>
+                        <a:p>
+                          <a:pPr algn="ctr"/>
+                          <a:r>
+                            <a:rPr lang="en-US" sz="1400" b="1"/>
+                            <a:t>Variables</a:t>
+                          </a:r>
+                          <a:endParaRPr lang="en-US" sz="1400" b="1" dirty="0"/>
+                        </a:p>
+                      </a:txBody>
+                      <a:tcPr/>
+                    </a:tc>
+                    <a:tc>
+                      <a:txBody>
+                        <a:bodyPr/>
+                        <a:lstStyle/>
+                        <a:p>
+                          <a:pPr algn="ctr"/>
+                          <a:r>
+                            <a:rPr lang="en-US" sz="1400" b="1" dirty="0"/>
+                            <a:t>Size</a:t>
+                          </a:r>
+                        </a:p>
+                      </a:txBody>
+                      <a:tcPr/>
+                    </a:tc>
+                    <a:extLst>
+                      <a:ext uri="{0D108BD9-81ED-4DB2-BD59-A6C34878D82A}">
+                        <a16:rowId xmlns:a16="http://schemas.microsoft.com/office/drawing/2014/main" val="2412432484"/>
+                      </a:ext>
+                    </a:extLst>
+                  </a:tr>
+                  <a:tr h="518160">
+                    <a:tc>
+                      <a:txBody>
+                        <a:bodyPr/>
+                        <a:lstStyle/>
+                        <a:p>
+                          <a:pPr algn="ctr"/>
+                          <a:r>
+                            <a:rPr lang="en-US" sz="1400" dirty="0" err="1"/>
+                            <a:t>Preproc_TrustedParty</a:t>
+                          </a:r>
+                          <a:r>
+                            <a:rPr lang="en-US" sz="1400" dirty="0"/>
+                            <a:t>()</a:t>
+                          </a:r>
+                        </a:p>
+                      </a:txBody>
+                      <a:tcPr/>
+                    </a:tc>
+                    <a:tc>
+                      <a:txBody>
+                        <a:bodyPr/>
+                        <a:lstStyle/>
+                        <a:p>
+                          <a:pPr algn="ctr"/>
+                          <a:r>
+                            <a:rPr lang="en-US" sz="1400" dirty="0" err="1"/>
+                            <a:t>rK</a:t>
+                          </a:r>
+                          <a:r>
+                            <a:rPr lang="en-US" sz="1400" dirty="0"/>
+                            <a:t>, </a:t>
+                          </a:r>
+                          <a:r>
+                            <a:rPr lang="en-US" sz="1400" dirty="0" err="1"/>
+                            <a:t>rq</a:t>
+                          </a:r>
+                          <a:r>
+                            <a:rPr lang="en-US" sz="1400" dirty="0"/>
+                            <a:t>, </a:t>
+                          </a:r>
+                          <a:r>
+                            <a:rPr lang="en-US" sz="1400" dirty="0" err="1"/>
+                            <a:t>rx</a:t>
+                          </a:r>
+                          <a:r>
+                            <a:rPr lang="en-US" sz="1400" dirty="0"/>
+                            <a:t>, v, </a:t>
+                          </a:r>
+                          <a:r>
+                            <a:rPr lang="en-US" sz="1400" dirty="0" err="1"/>
+                            <a:t>rw</a:t>
+                          </a:r>
+                          <a:r>
+                            <a:rPr lang="en-US" sz="1400" dirty="0"/>
+                            <a:t>, q, rw1, rw2, </a:t>
+                          </a:r>
+                          <a:r>
+                            <a:rPr lang="en-US" sz="1400" dirty="0" err="1"/>
+                            <a:t>p_server</a:t>
+                          </a:r>
+                          <a:r>
+                            <a:rPr lang="en-US" sz="1400" dirty="0"/>
+                            <a:t>, </a:t>
+                          </a:r>
+                          <a:r>
+                            <a:rPr lang="en-US" sz="1400" dirty="0" err="1"/>
+                            <a:t>p_client</a:t>
+                          </a:r>
+                          <a:endParaRPr lang="en-US" sz="1400" dirty="0"/>
+                        </a:p>
+                      </a:txBody>
+                      <a:tcPr/>
+                    </a:tc>
+                    <a:tc>
+                      <a:txBody>
+                        <a:bodyPr/>
+                        <a:lstStyle/>
+                        <a:p>
+                          <a:endParaRPr lang="en-US"/>
+                        </a:p>
+                      </a:txBody>
+                      <a:tcPr>
+                        <a:blipFill>
+                          <a:blip r:embed="rId2"/>
+                          <a:stretch>
+                            <a:fillRect l="-200000" t="-63415" r="-1117" b="-73171"/>
+                          </a:stretch>
+                        </a:blipFill>
+                      </a:tcPr>
+                    </a:tc>
+                    <a:extLst>
+                      <a:ext uri="{0D108BD9-81ED-4DB2-BD59-A6C34878D82A}">
+                        <a16:rowId xmlns:a16="http://schemas.microsoft.com/office/drawing/2014/main" val="266417292"/>
+                      </a:ext>
+                    </a:extLst>
+                  </a:tr>
+                  <a:tr h="309579">
+                    <a:tc>
+                      <a:txBody>
+                        <a:bodyPr/>
+                        <a:lstStyle/>
+                        <a:p>
+                          <a:pPr algn="ctr"/>
+                          <a:r>
+                            <a:rPr lang="en-US" sz="1400" dirty="0"/>
+                            <a:t>Total</a:t>
+                          </a:r>
+                        </a:p>
+                      </a:txBody>
+                      <a:tcPr/>
+                    </a:tc>
+                    <a:tc>
+                      <a:txBody>
+                        <a:bodyPr/>
+                        <a:lstStyle/>
+                        <a:p>
+                          <a:pPr algn="ctr"/>
+                          <a:endParaRPr lang="en-US" sz="1400" dirty="0"/>
+                        </a:p>
+                      </a:txBody>
+                      <a:tcPr/>
+                    </a:tc>
+                    <a:tc>
+                      <a:txBody>
+                        <a:bodyPr/>
+                        <a:lstStyle/>
+                        <a:p>
+                          <a:endParaRPr lang="en-US"/>
+                        </a:p>
+                      </a:txBody>
+                      <a:tcPr>
+                        <a:blipFill>
+                          <a:blip r:embed="rId2"/>
+                          <a:stretch>
+                            <a:fillRect l="-200000" t="-268000" r="-1117" b="-20000"/>
+                          </a:stretch>
+                        </a:blipFill>
+                      </a:tcPr>
+                    </a:tc>
+                    <a:extLst>
+                      <a:ext uri="{0D108BD9-81ED-4DB2-BD59-A6C34878D82A}">
+                        <a16:rowId xmlns:a16="http://schemas.microsoft.com/office/drawing/2014/main" val="2998986514"/>
+                      </a:ext>
+                    </a:extLst>
+                  </a:tr>
+                </a:tbl>
+              </a:graphicData>
+            </a:graphic>
+          </p:graphicFrame>
+        </mc:Fallback>
+      </mc:AlternateContent>
+      <mc:AlternateContent xmlns:mc="http://schemas.openxmlformats.org/markup-compatibility/2006">
+        <mc:Choice xmlns:a14="http://schemas.microsoft.com/office/drawing/2010/main" Requires="a14">
+          <p:graphicFrame>
+            <p:nvGraphicFramePr>
+              <p:cNvPr id="6" name="Table 5">
+                <a:extLst>
+                  <a:ext uri="{FF2B5EF4-FFF2-40B4-BE49-F238E27FC236}">
+                    <a16:creationId xmlns:a16="http://schemas.microsoft.com/office/drawing/2014/main" id="{43FE5460-E247-7E4B-97EE-29AFC8B0CFF6}"/>
+                  </a:ext>
+                </a:extLst>
+              </p:cNvPr>
+              <p:cNvGraphicFramePr>
+                <a:graphicFrameLocks noGrp="1"/>
+              </p:cNvGraphicFramePr>
+              <p:nvPr>
+                <p:extLst>
+                  <p:ext uri="{D42A27DB-BD31-4B8C-83A1-F6EECF244321}">
+                    <p14:modId xmlns:p14="http://schemas.microsoft.com/office/powerpoint/2010/main" val="2522775190"/>
+                  </p:ext>
+                </p:extLst>
+              </p:nvPr>
+            </p:nvGraphicFramePr>
+            <p:xfrm>
+              <a:off x="1639229" y="4024914"/>
+              <a:ext cx="8062332" cy="1655478"/>
+            </p:xfrm>
+            <a:graphic>
+              <a:graphicData uri="http://schemas.openxmlformats.org/drawingml/2006/table">
+                <a:tbl>
+                  <a:tblPr firstRow="1" bandRow="1">
+                    <a:tableStyleId>{5940675A-B579-460E-94D1-54222C63F5DA}</a:tableStyleId>
+                  </a:tblPr>
+                  <a:tblGrid>
+                    <a:gridCol w="2687444">
+                      <a:extLst>
+                        <a:ext uri="{9D8B030D-6E8A-4147-A177-3AD203B41FA5}">
+                          <a16:colId xmlns:a16="http://schemas.microsoft.com/office/drawing/2014/main" val="2780235502"/>
+                        </a:ext>
+                      </a:extLst>
+                    </a:gridCol>
+                    <a:gridCol w="2687444">
+                      <a:extLst>
+                        <a:ext uri="{9D8B030D-6E8A-4147-A177-3AD203B41FA5}">
+                          <a16:colId xmlns:a16="http://schemas.microsoft.com/office/drawing/2014/main" val="4124010374"/>
+                        </a:ext>
+                      </a:extLst>
+                    </a:gridCol>
+                    <a:gridCol w="2687444">
+                      <a:extLst>
+                        <a:ext uri="{9D8B030D-6E8A-4147-A177-3AD203B41FA5}">
+                          <a16:colId xmlns:a16="http://schemas.microsoft.com/office/drawing/2014/main" val="3769471840"/>
+                        </a:ext>
+                      </a:extLst>
+                    </a:gridCol>
+                  </a:tblGrid>
+                  <a:tr h="309579">
+                    <a:tc>
+                      <a:txBody>
+                        <a:bodyPr/>
+                        <a:lstStyle/>
+                        <a:p>
+                          <a:pPr algn="ctr"/>
+                          <a:r>
+                            <a:rPr lang="en-US" sz="1400" b="1" dirty="0"/>
+                            <a:t>Functions</a:t>
+                          </a:r>
+                        </a:p>
+                      </a:txBody>
+                      <a:tcPr/>
+                    </a:tc>
+                    <a:tc>
+                      <a:txBody>
+                        <a:bodyPr/>
+                        <a:lstStyle/>
+                        <a:p>
+                          <a:pPr algn="ctr"/>
+                          <a:r>
+                            <a:rPr lang="en-US" sz="1400" b="1"/>
+                            <a:t>Variables</a:t>
+                          </a:r>
+                          <a:endParaRPr lang="en-US" sz="1400" b="1" dirty="0"/>
+                        </a:p>
+                      </a:txBody>
+                      <a:tcPr/>
+                    </a:tc>
+                    <a:tc>
+                      <a:txBody>
+                        <a:bodyPr/>
+                        <a:lstStyle/>
+                        <a:p>
+                          <a:pPr algn="ctr"/>
+                          <a:r>
+                            <a:rPr lang="en-US" sz="1400" b="1" dirty="0"/>
+                            <a:t>Size</a:t>
+                          </a:r>
+                        </a:p>
+                      </a:txBody>
+                      <a:tcPr/>
+                    </a:tc>
+                    <a:extLst>
+                      <a:ext uri="{0D108BD9-81ED-4DB2-BD59-A6C34878D82A}">
+                        <a16:rowId xmlns:a16="http://schemas.microsoft.com/office/drawing/2014/main" val="2412432484"/>
+                      </a:ext>
+                    </a:extLst>
+                  </a:tr>
+                  <a:tr h="341956">
+                    <a:tc>
+                      <a:txBody>
+                        <a:bodyPr/>
+                        <a:lstStyle/>
+                        <a:p>
+                          <a:pPr algn="ctr"/>
+                          <a:r>
+                            <a:rPr lang="en-US" sz="1400" dirty="0" err="1"/>
+                            <a:t>Preproc_TrustedParty</a:t>
+                          </a:r>
+                          <a:r>
+                            <a:rPr lang="en-US" sz="1400" dirty="0"/>
+                            <a:t>()</a:t>
+                          </a:r>
+                        </a:p>
+                      </a:txBody>
+                      <a:tcPr/>
+                    </a:tc>
+                    <a:tc>
+                      <a:txBody>
+                        <a:bodyPr/>
+                        <a:lstStyle/>
+                        <a:p>
+                          <a:pPr algn="ctr"/>
+                          <a:r>
+                            <a:rPr lang="en-US" sz="1400" dirty="0" err="1"/>
+                            <a:t>rK</a:t>
+                          </a:r>
+                          <a:r>
+                            <a:rPr lang="en-US" sz="1400" dirty="0"/>
+                            <a:t>, </a:t>
+                          </a:r>
+                          <a:r>
+                            <a:rPr lang="en-US" sz="1400" dirty="0" err="1"/>
+                            <a:t>rq</a:t>
+                          </a:r>
+                          <a:r>
+                            <a:rPr lang="en-US" sz="1400" dirty="0"/>
+                            <a:t>, </a:t>
+                          </a:r>
+                          <a:r>
+                            <a:rPr lang="en-US" sz="1400" dirty="0" err="1"/>
+                            <a:t>rx</a:t>
+                          </a:r>
+                          <a:r>
+                            <a:rPr lang="en-US" sz="1400" dirty="0"/>
+                            <a:t>, v, </a:t>
+                          </a:r>
+                          <a:r>
+                            <a:rPr lang="en-US" sz="1400" dirty="0" err="1"/>
+                            <a:t>rw</a:t>
+                          </a:r>
+                          <a:r>
+                            <a:rPr lang="en-US" sz="1400" dirty="0"/>
+                            <a:t>, q, rw1, rw2, </a:t>
+                          </a:r>
+                          <a:r>
+                            <a:rPr lang="en-US" sz="1400" dirty="0" err="1"/>
+                            <a:t>p_server</a:t>
+                          </a:r>
+                          <a:r>
+                            <a:rPr lang="en-US" sz="1400" dirty="0"/>
+                            <a:t>, </a:t>
+                          </a:r>
+                          <a:r>
+                            <a:rPr lang="en-US" sz="1400" dirty="0" err="1"/>
+                            <a:t>p_client</a:t>
+                          </a:r>
+                          <a:endParaRPr lang="en-US" sz="1400" dirty="0"/>
+                        </a:p>
+                      </a:txBody>
+                      <a:tcPr/>
+                    </a:tc>
+                    <a:tc>
+                      <a:txBody>
+                        <a:bodyPr/>
+                        <a:lstStyle/>
+                        <a:p>
+                          <a:pPr algn="ctr"/>
+                          <a14:m>
+                            <m:oMathPara xmlns:m="http://schemas.openxmlformats.org/officeDocument/2006/math">
+                              <m:oMathParaPr>
+                                <m:jc m:val="centerGroup"/>
+                              </m:oMathParaPr>
+                              <m:oMath xmlns:m="http://schemas.openxmlformats.org/officeDocument/2006/math">
+                                <m:r>
+                                  <a:rPr lang="en-US" sz="1400" b="0" i="1" smtClean="0">
+                                    <a:latin typeface="Cambria Math" panose="02040503050406030204" pitchFamily="18" charset="0"/>
+                                  </a:rPr>
+                                  <m:t>2</m:t>
+                                </m:r>
+                                <m:r>
+                                  <a:rPr lang="en-US" sz="1400" b="0" i="1" smtClean="0">
+                                    <a:latin typeface="Cambria Math" panose="02040503050406030204" pitchFamily="18" charset="0"/>
+                                  </a:rPr>
+                                  <m:t>𝑛</m:t>
+                                </m:r>
+                                <m:r>
+                                  <a:rPr lang="en-US" sz="1400" b="0" i="1" smtClean="0">
+                                    <a:latin typeface="Cambria Math" panose="02040503050406030204" pitchFamily="18" charset="0"/>
+                                  </a:rPr>
+                                  <m:t>+7</m:t>
+                                </m:r>
+                                <m:r>
+                                  <a:rPr lang="en-US" sz="1400" b="0" i="1" smtClean="0">
+                                    <a:latin typeface="Cambria Math" panose="02040503050406030204" pitchFamily="18" charset="0"/>
+                                  </a:rPr>
+                                  <m:t>𝑛</m:t>
+                                </m:r>
+                                <m:r>
+                                  <a:rPr lang="en-US" sz="1400" b="0" i="1" smtClean="0">
+                                    <a:latin typeface="Cambria Math" panose="02040503050406030204" pitchFamily="18" charset="0"/>
+                                  </a:rPr>
+                                  <m:t>+4</m:t>
+                                </m:r>
+                                <m:r>
+                                  <a:rPr lang="en-US" sz="1400" b="0" i="1" smtClean="0">
+                                    <a:latin typeface="Cambria Math" panose="02040503050406030204" pitchFamily="18" charset="0"/>
+                                  </a:rPr>
+                                  <m:t>𝑛</m:t>
+                                </m:r>
+                                <m:r>
+                                  <a:rPr lang="en-US" sz="1400" b="0" i="1" smtClean="0">
+                                    <a:latin typeface="Cambria Math" panose="02040503050406030204" pitchFamily="18" charset="0"/>
+                                  </a:rPr>
+                                  <m:t>=13</m:t>
+                                </m:r>
+                                <m:r>
+                                  <a:rPr lang="en-US" sz="1400" b="0" i="1" smtClean="0">
+                                    <a:latin typeface="Cambria Math" panose="02040503050406030204" pitchFamily="18" charset="0"/>
+                                  </a:rPr>
+                                  <m:t>𝑛</m:t>
+                                </m:r>
+                              </m:oMath>
+                            </m:oMathPara>
+                          </a14:m>
+                          <a:endParaRPr lang="en-US" sz="1400" dirty="0"/>
+                        </a:p>
+                      </a:txBody>
+                      <a:tcPr/>
+                    </a:tc>
+                    <a:extLst>
+                      <a:ext uri="{0D108BD9-81ED-4DB2-BD59-A6C34878D82A}">
+                        <a16:rowId xmlns:a16="http://schemas.microsoft.com/office/drawing/2014/main" val="266417292"/>
+                      </a:ext>
+                    </a:extLst>
+                  </a:tr>
+                  <a:tr h="341956">
+                    <a:tc>
+                      <a:txBody>
+                        <a:bodyPr/>
+                        <a:lstStyle/>
+                        <a:p>
+                          <a:pPr algn="ctr"/>
+                          <a:r>
+                            <a:rPr lang="en-US" sz="1400" dirty="0" err="1"/>
+                            <a:t>Reformat_Rmat</a:t>
+                          </a:r>
+                          <a:r>
+                            <a:rPr lang="en-US" sz="1400" dirty="0"/>
+                            <a:t>()</a:t>
+                          </a:r>
+                        </a:p>
+                        <a:p>
+                          <a:pPr algn="ctr"/>
+                          <a:r>
+                            <a:rPr lang="en-US" sz="1400" dirty="0" err="1"/>
+                            <a:t>Create_lookup</a:t>
+                          </a:r>
+                          <a:r>
+                            <a:rPr lang="en-US" sz="1400" dirty="0"/>
+                            <a:t> table()</a:t>
                           </a:r>
                         </a:p>
                       </a:txBody>
@@ -5105,10 +7065,10 @@
         <mc:Fallback>
           <p:graphicFrame>
             <p:nvGraphicFramePr>
-              <p:cNvPr id="8" name="Table 7">
+              <p:cNvPr id="6" name="Table 5">
                 <a:extLst>
                   <a:ext uri="{FF2B5EF4-FFF2-40B4-BE49-F238E27FC236}">
-                    <a16:creationId xmlns:a16="http://schemas.microsoft.com/office/drawing/2014/main" id="{90B3DFDF-8A52-7348-983B-61F0BAAE3966}"/>
+                    <a16:creationId xmlns:a16="http://schemas.microsoft.com/office/drawing/2014/main" id="{43FE5460-E247-7E4B-97EE-29AFC8B0CFF6}"/>
                   </a:ext>
                 </a:extLst>
               </p:cNvPr>
@@ -5118,14 +7078,14 @@
               <p:nvPr>
                 <p:extLst>
                   <p:ext uri="{D42A27DB-BD31-4B8C-83A1-F6EECF244321}">
-                    <p14:modId xmlns:p14="http://schemas.microsoft.com/office/powerpoint/2010/main" val="2033176312"/>
+                    <p14:modId xmlns:p14="http://schemas.microsoft.com/office/powerpoint/2010/main" val="2522775190"/>
                   </p:ext>
                 </p:extLst>
               </p:nvPr>
             </p:nvGraphicFramePr>
             <p:xfrm>
               <a:off x="1639229" y="4024914"/>
-              <a:ext cx="8062332" cy="1997434"/>
+              <a:ext cx="8062332" cy="1655478"/>
             </p:xfrm>
             <a:graphic>
               <a:graphicData uri="http://schemas.openxmlformats.org/drawingml/2006/table">
@@ -5214,26 +7174,66 @@
                         <a:p>
                           <a:pPr algn="ctr"/>
                           <a:r>
+                            <a:rPr lang="en-US" sz="1400" dirty="0" err="1"/>
+                            <a:t>Preproc_TrustedParty</a:t>
+                          </a:r>
+                          <a:r>
                             <a:rPr lang="en-US" sz="1400" dirty="0"/>
-                            <a:t>Preproc_mod2</a:t>
-                          </a:r>
-                        </a:p>
-                      </a:txBody>
-                      <a:tcPr/>
-                    </a:tc>
-                    <a:tc>
-                      <a:txBody>
-                        <a:bodyPr/>
-                        <a:lstStyle/>
-                        <a:p>
-                          <a:pPr algn="ctr"/>
+                            <a:t>()</a:t>
+                          </a:r>
+                        </a:p>
+                      </a:txBody>
+                      <a:tcPr/>
+                    </a:tc>
+                    <a:tc>
+                      <a:txBody>
+                        <a:bodyPr/>
+                        <a:lstStyle/>
+                        <a:p>
+                          <a:pPr algn="ctr"/>
+                          <a:r>
+                            <a:rPr lang="en-US" sz="1400" dirty="0" err="1"/>
+                            <a:t>rK</a:t>
+                          </a:r>
                           <a:r>
                             <a:rPr lang="en-US" sz="1400" dirty="0"/>
-                            <a:t>Rx1,rx2, rK1,rK2, sw1, sw2, </a:t>
+                            <a:t>, </a:t>
                           </a:r>
                           <a:r>
                             <a:rPr lang="en-US" sz="1400" dirty="0" err="1"/>
-                            <a:t>rw_global</a:t>
+                            <a:t>rq</a:t>
+                          </a:r>
+                          <a:r>
+                            <a:rPr lang="en-US" sz="1400" dirty="0"/>
+                            <a:t>, </a:t>
+                          </a:r>
+                          <a:r>
+                            <a:rPr lang="en-US" sz="1400" dirty="0" err="1"/>
+                            <a:t>rx</a:t>
+                          </a:r>
+                          <a:r>
+                            <a:rPr lang="en-US" sz="1400" dirty="0"/>
+                            <a:t>, v, </a:t>
+                          </a:r>
+                          <a:r>
+                            <a:rPr lang="en-US" sz="1400" dirty="0" err="1"/>
+                            <a:t>rw</a:t>
+                          </a:r>
+                          <a:r>
+                            <a:rPr lang="en-US" sz="1400" dirty="0"/>
+                            <a:t>, q, rw1, rw2, </a:t>
+                          </a:r>
+                          <a:r>
+                            <a:rPr lang="en-US" sz="1400" dirty="0" err="1"/>
+                            <a:t>p_server</a:t>
+                          </a:r>
+                          <a:r>
+                            <a:rPr lang="en-US" sz="1400" dirty="0"/>
+                            <a:t>, </a:t>
+                          </a:r>
+                          <a:r>
+                            <a:rPr lang="en-US" sz="1400" dirty="0" err="1"/>
+                            <a:t>p_client</a:t>
                           </a:r>
                           <a:endParaRPr lang="en-US" sz="1400" dirty="0"/>
                         </a:p>
@@ -5245,74 +7245,17 @@
                         <a:bodyPr/>
                         <a:lstStyle/>
                         <a:p>
-                          <a:pPr algn="ctr"/>
-                          <a:r>
-                            <a:rPr lang="en-US" sz="1400" dirty="0"/>
-                            <a:t>n+n+2n+2n+n+n+n</a:t>
-                          </a:r>
-                        </a:p>
-                        <a:p>
-                          <a:pPr algn="ctr"/>
-                          <a:r>
-                            <a:rPr lang="en-US" sz="1400" dirty="0"/>
-                            <a:t>= 9n</a:t>
-                          </a:r>
-                        </a:p>
-                      </a:txBody>
-                      <a:tcPr/>
-                    </a:tc>
-                    <a:extLst>
-                      <a:ext uri="{0D108BD9-81ED-4DB2-BD59-A6C34878D82A}">
-                        <a16:rowId xmlns:a16="http://schemas.microsoft.com/office/drawing/2014/main" val="4238301737"/>
-                      </a:ext>
-                    </a:extLst>
-                  </a:tr>
-                  <a:tr h="518160">
-                    <a:tc>
-                      <a:txBody>
-                        <a:bodyPr/>
-                        <a:lstStyle/>
-                        <a:p>
-                          <a:pPr algn="ctr"/>
-                          <a:r>
-                            <a:rPr lang="en-US" sz="1400" dirty="0"/>
-                            <a:t>Preproc_mod3</a:t>
-                          </a:r>
-                        </a:p>
-                      </a:txBody>
-                      <a:tcPr/>
-                    </a:tc>
-                    <a:tc>
-                      <a:txBody>
-                        <a:bodyPr/>
-                        <a:lstStyle/>
-                        <a:p>
-                          <a:pPr algn="ctr"/>
-                          <a:r>
-                            <a:rPr lang="en-US" sz="1400" dirty="0" err="1"/>
-                            <a:t>Not_rw_global</a:t>
-                          </a:r>
-                          <a:r>
-                            <a:rPr lang="en-US" sz="1400" dirty="0"/>
-                            <a:t>, r0z_global, r0z1, r0z2, r1z_global, r1z1, r1z2</a:t>
-                          </a:r>
-                        </a:p>
-                      </a:txBody>
-                      <a:tcPr/>
-                    </a:tc>
-                    <a:tc>
-                      <a:txBody>
-                        <a:bodyPr/>
-                        <a:lstStyle/>
-                        <a:p>
-                          <a:pPr algn="ctr"/>
-                          <a:r>
-                            <a:rPr lang="en-US" sz="1400" dirty="0"/>
-                            <a:t>n+2n+2n+2n+2n+2n+2n = 13n</a:t>
-                          </a:r>
-                        </a:p>
-                      </a:txBody>
-                      <a:tcPr/>
+                          <a:endParaRPr lang="en-US"/>
+                        </a:p>
+                      </a:txBody>
+                      <a:tcPr>
+                        <a:blipFill>
+                          <a:blip r:embed="rId3"/>
+                          <a:stretch>
+                            <a:fillRect l="-200000" t="-63415" r="-943" b="-173171"/>
+                          </a:stretch>
+                        </a:blipFill>
+                      </a:tcPr>
                     </a:tc>
                     <a:extLst>
                       <a:ext uri="{0D108BD9-81ED-4DB2-BD59-A6C34878D82A}">
@@ -5320,16 +7263,31 @@
                       </a:ext>
                     </a:extLst>
                   </a:tr>
-                  <a:tr h="341956">
-                    <a:tc>
-                      <a:txBody>
-                        <a:bodyPr/>
-                        <a:lstStyle/>
-                        <a:p>
-                          <a:pPr algn="ctr"/>
+                  <a:tr h="518160">
+                    <a:tc>
+                      <a:txBody>
+                        <a:bodyPr/>
+                        <a:lstStyle/>
+                        <a:p>
+                          <a:pPr algn="ctr"/>
+                          <a:r>
+                            <a:rPr lang="en-US" sz="1400" dirty="0" err="1"/>
+                            <a:t>Reformat_Rmat</a:t>
+                          </a:r>
                           <a:r>
                             <a:rPr lang="en-US" sz="1400" dirty="0"/>
-                            <a:t>Lookup table</a:t>
+                            <a:t>()</a:t>
+                          </a:r>
+                        </a:p>
+                        <a:p>
+                          <a:pPr algn="ctr"/>
+                          <a:r>
+                            <a:rPr lang="en-US" sz="1400" dirty="0" err="1"/>
+                            <a:t>Create_lookup</a:t>
+                          </a:r>
+                          <a:r>
+                            <a:rPr lang="en-US" sz="1400" dirty="0"/>
+                            <a:t> table()</a:t>
                           </a:r>
                         </a:p>
                       </a:txBody>
@@ -5364,9 +7322,9 @@
                       </a:txBody>
                       <a:tcPr>
                         <a:blipFill>
-                          <a:blip r:embed="rId2"/>
+                          <a:blip r:embed="rId3"/>
                           <a:stretch>
-                            <a:fillRect l="-200000" t="-400000" r="-943" b="-111111"/>
+                            <a:fillRect l="-200000" t="-163415" r="-943" b="-73171"/>
                           </a:stretch>
                         </a:blipFill>
                       </a:tcPr>
@@ -5413,9 +7371,9 @@
                       </a:txBody>
                       <a:tcPr>
                         <a:blipFill>
-                          <a:blip r:embed="rId2"/>
+                          <a:blip r:embed="rId3"/>
                           <a:stretch>
-                            <a:fillRect l="-200000" t="-540000" r="-943" b="-20000"/>
+                            <a:fillRect l="-200000" t="-432000" r="-943" b="-20000"/>
                           </a:stretch>
                         </a:blipFill>
                       </a:tcPr>
@@ -5432,3895 +7390,68 @@
           </p:graphicFrame>
         </mc:Fallback>
       </mc:AlternateContent>
-    </p:spTree>
-    <p:extLst>
-      <p:ext uri="{BB962C8B-B14F-4D97-AF65-F5344CB8AC3E}">
-        <p14:creationId xmlns:p14="http://schemas.microsoft.com/office/powerpoint/2010/main" val="1574301204"/>
-      </p:ext>
-    </p:extLst>
-  </p:cSld>
-  <p:clrMapOvr>
-    <a:masterClrMapping/>
-  </p:clrMapOvr>
-</p:sld>
-</file>
-
-<file path=ppt/slides/slide4.xml><?xml version="1.0" encoding="utf-8"?>
-<p:sld xmlns:a="http://schemas.openxmlformats.org/drawingml/2006/main" xmlns:r="http://schemas.openxmlformats.org/officeDocument/2006/relationships" xmlns:p="http://schemas.openxmlformats.org/presentationml/2006/main">
-  <p:cSld>
-    <p:spTree>
-      <p:nvGrpSpPr>
-        <p:cNvPr id="1" name=""/>
-        <p:cNvGrpSpPr/>
-        <p:nvPr/>
-      </p:nvGrpSpPr>
-      <p:grpSpPr>
-        <a:xfrm>
-          <a:off x="0" y="0"/>
-          <a:ext cx="0" cy="0"/>
-          <a:chOff x="0" y="0"/>
-          <a:chExt cx="0" cy="0"/>
-        </a:xfrm>
-      </p:grpSpPr>
       <p:sp>
         <p:nvSpPr>
-          <p:cNvPr id="2" name="Title 1">
+          <p:cNvPr id="7" name="Title 1">
             <a:extLst>
               <a:ext uri="{FF2B5EF4-FFF2-40B4-BE49-F238E27FC236}">
-                <a16:creationId xmlns:a16="http://schemas.microsoft.com/office/drawing/2014/main" id="{95B0E3E7-3C87-5949-B227-4D3CD6EBD3CA}"/>
+                <a16:creationId xmlns:a16="http://schemas.microsoft.com/office/drawing/2014/main" id="{A0FB83D0-8839-844C-96DD-40EB0BD1D898}"/>
               </a:ext>
             </a:extLst>
           </p:cNvPr>
-          <p:cNvSpPr>
-            <a:spLocks noGrp="1"/>
+          <p:cNvSpPr txBox="1">
+            <a:spLocks/>
           </p:cNvSpPr>
-          <p:nvPr>
-            <p:ph type="title"/>
-          </p:nvPr>
+          <p:nvPr/>
         </p:nvSpPr>
         <p:spPr>
           <a:xfrm>
-            <a:off x="838200" y="365125"/>
-            <a:ext cx="10515600" cy="526973"/>
+            <a:off x="745273" y="3129439"/>
+            <a:ext cx="10515600" cy="471216"/>
           </a:xfrm>
+          <a:prstGeom prst="rect">
+            <a:avLst/>
+          </a:prstGeom>
         </p:spPr>
         <p:txBody>
-          <a:bodyPr>
-            <a:normAutofit fontScale="90000"/>
+          <a:bodyPr vert="horz" lIns="91440" tIns="45720" rIns="91440" bIns="45720" rtlCol="0" anchor="ctr">
+            <a:noAutofit/>
           </a:bodyPr>
-          <a:lstStyle/>
-          <a:p>
-            <a:r>
-              <a:rPr lang="en-US" dirty="0" err="1"/>
+          <a:lstStyle>
+            <a:lvl1pPr algn="l" defTabSz="914400" rtl="0" eaLnBrk="1" latinLnBrk="0" hangingPunct="1">
+              <a:lnSpc>
+                <a:spcPct val="90000"/>
+              </a:lnSpc>
+              <a:spcBef>
+                <a:spcPct val="0"/>
+              </a:spcBef>
+              <a:buNone/>
+              <a:defRPr sz="4400" kern="1200">
+                <a:solidFill>
+                  <a:schemeClr val="tx1"/>
+                </a:solidFill>
+                <a:latin typeface="+mj-lt"/>
+                <a:ea typeface="+mj-ea"/>
+                <a:cs typeface="+mj-cs"/>
+              </a:defRPr>
+            </a:lvl1pPr>
+          </a:lstStyle>
+          <a:p>
+            <a:r>
+              <a:rPr lang="en-US" sz="3600" dirty="0" err="1"/>
               <a:t>oPRF</a:t>
             </a:r>
             <a:r>
-              <a:rPr lang="en-US" dirty="0"/>
-              <a:t> (packed)</a:t>
+              <a:rPr lang="en-US" sz="3600" dirty="0"/>
+              <a:t> (packed + lookup)</a:t>
             </a:r>
           </a:p>
         </p:txBody>
       </p:sp>
-      <p:sp>
-        <p:nvSpPr>
-          <p:cNvPr id="3" name="Content Placeholder 2">
-            <a:extLst>
-              <a:ext uri="{FF2B5EF4-FFF2-40B4-BE49-F238E27FC236}">
-                <a16:creationId xmlns:a16="http://schemas.microsoft.com/office/drawing/2014/main" id="{37F822B8-ACFD-C84C-BA8C-76E2E72242B1}"/>
-              </a:ext>
-            </a:extLst>
-          </p:cNvPr>
-          <p:cNvSpPr>
-            <a:spLocks noGrp="1"/>
-          </p:cNvSpPr>
-          <p:nvPr>
-            <p:ph idx="1"/>
-          </p:nvPr>
-        </p:nvSpPr>
-        <p:spPr>
-          <a:xfrm>
-            <a:off x="838200" y="1067342"/>
-            <a:ext cx="10515600" cy="1603375"/>
-          </a:xfrm>
-        </p:spPr>
-        <p:txBody>
-          <a:bodyPr>
-            <a:normAutofit lnSpcReduction="10000"/>
-          </a:bodyPr>
-          <a:lstStyle/>
-          <a:p>
-            <a:r>
-              <a:rPr lang="en-US" dirty="0"/>
-              <a:t>Files: </a:t>
-            </a:r>
-          </a:p>
-          <a:p>
-            <a:pPr lvl="1"/>
-            <a:r>
-              <a:rPr lang="en-US" dirty="0" err="1"/>
-              <a:t>OPRF.cpp</a:t>
-            </a:r>
-            <a:endParaRPr lang="en-US" dirty="0"/>
-          </a:p>
-          <a:p>
-            <a:pPr lvl="1"/>
-            <a:r>
-              <a:rPr lang="en-US" dirty="0"/>
-              <a:t>PackedMod2.hpp</a:t>
-            </a:r>
-          </a:p>
-          <a:p>
-            <a:pPr lvl="1"/>
-            <a:r>
-              <a:rPr lang="en-US" dirty="0"/>
-              <a:t>PackedMod3.hpp</a:t>
-            </a:r>
-          </a:p>
-          <a:p>
-            <a:pPr lvl="1"/>
-            <a:endParaRPr lang="en-US" dirty="0"/>
-          </a:p>
-          <a:p>
-            <a:pPr lvl="1"/>
-            <a:endParaRPr lang="en-US" dirty="0"/>
-          </a:p>
-          <a:p>
-            <a:endParaRPr lang="en-US" dirty="0"/>
-          </a:p>
-        </p:txBody>
-      </p:sp>
-      <mc:AlternateContent xmlns:mc="http://schemas.openxmlformats.org/markup-compatibility/2006" xmlns:a14="http://schemas.microsoft.com/office/drawing/2010/main">
-        <mc:Choice Requires="a14">
-          <p:graphicFrame>
-            <p:nvGraphicFramePr>
-              <p:cNvPr id="4" name="Table 3">
-                <a:extLst>
-                  <a:ext uri="{FF2B5EF4-FFF2-40B4-BE49-F238E27FC236}">
-                    <a16:creationId xmlns:a16="http://schemas.microsoft.com/office/drawing/2014/main" id="{1E1644D6-F41E-1A40-8167-FD5D6BBB5A37}"/>
-                  </a:ext>
-                </a:extLst>
-              </p:cNvPr>
-              <p:cNvGraphicFramePr>
-                <a:graphicFrameLocks noGrp="1"/>
-              </p:cNvGraphicFramePr>
-              <p:nvPr>
-                <p:extLst>
-                  <p:ext uri="{D42A27DB-BD31-4B8C-83A1-F6EECF244321}">
-                    <p14:modId xmlns:p14="http://schemas.microsoft.com/office/powerpoint/2010/main" val="67064033"/>
-                  </p:ext>
-                </p:extLst>
-              </p:nvPr>
-            </p:nvGraphicFramePr>
-            <p:xfrm>
-              <a:off x="1405052" y="2996504"/>
-              <a:ext cx="8441476" cy="2634260"/>
-            </p:xfrm>
-            <a:graphic>
-              <a:graphicData uri="http://schemas.openxmlformats.org/drawingml/2006/table">
-                <a:tbl>
-                  <a:tblPr firstRow="1" bandRow="1">
-                    <a:tableStyleId>{5940675A-B579-460E-94D1-54222C63F5DA}</a:tableStyleId>
-                  </a:tblPr>
-                  <a:tblGrid>
-                    <a:gridCol w="2110369">
-                      <a:extLst>
-                        <a:ext uri="{9D8B030D-6E8A-4147-A177-3AD203B41FA5}">
-                          <a16:colId xmlns:a16="http://schemas.microsoft.com/office/drawing/2014/main" val="3913328905"/>
-                        </a:ext>
-                      </a:extLst>
-                    </a:gridCol>
-                    <a:gridCol w="2110369">
-                      <a:extLst>
-                        <a:ext uri="{9D8B030D-6E8A-4147-A177-3AD203B41FA5}">
-                          <a16:colId xmlns:a16="http://schemas.microsoft.com/office/drawing/2014/main" val="2780235502"/>
-                        </a:ext>
-                      </a:extLst>
-                    </a:gridCol>
-                    <a:gridCol w="2110369">
-                      <a:extLst>
-                        <a:ext uri="{9D8B030D-6E8A-4147-A177-3AD203B41FA5}">
-                          <a16:colId xmlns:a16="http://schemas.microsoft.com/office/drawing/2014/main" val="3033617068"/>
-                        </a:ext>
-                      </a:extLst>
-                    </a:gridCol>
-                    <a:gridCol w="2110369">
-                      <a:extLst>
-                        <a:ext uri="{9D8B030D-6E8A-4147-A177-3AD203B41FA5}">
-                          <a16:colId xmlns:a16="http://schemas.microsoft.com/office/drawing/2014/main" val="2426406902"/>
-                        </a:ext>
-                      </a:extLst>
-                    </a:gridCol>
-                  </a:tblGrid>
-                  <a:tr h="309579">
-                    <a:tc>
-                      <a:txBody>
-                        <a:bodyPr/>
-                        <a:lstStyle/>
-                        <a:p>
-                          <a:pPr algn="ctr"/>
-                          <a:r>
-                            <a:rPr lang="en-US" sz="1400" b="1" dirty="0"/>
-                            <a:t>Methods</a:t>
-                          </a:r>
-                        </a:p>
-                      </a:txBody>
-                      <a:tcPr/>
-                    </a:tc>
-                    <a:tc>
-                      <a:txBody>
-                        <a:bodyPr/>
-                        <a:lstStyle/>
-                        <a:p>
-                          <a:pPr algn="ctr"/>
-                          <a:r>
-                            <a:rPr lang="en-US" sz="1400" b="1" dirty="0" err="1"/>
-                            <a:t>No.of</a:t>
-                          </a:r>
-                          <a:r>
-                            <a:rPr lang="en-US" sz="1400" b="1" dirty="0"/>
-                            <a:t> times</a:t>
-                          </a:r>
-                        </a:p>
-                      </a:txBody>
-                      <a:tcPr/>
-                    </a:tc>
-                    <a:tc>
-                      <a:txBody>
-                        <a:bodyPr/>
-                        <a:lstStyle/>
-                        <a:p>
-                          <a:pPr algn="ctr"/>
-                          <a:r>
-                            <a:rPr lang="en-US" sz="1400" b="1" dirty="0"/>
-                            <a:t>Cost for each call</a:t>
-                          </a:r>
-                        </a:p>
-                      </a:txBody>
-                      <a:tcPr/>
-                    </a:tc>
-                    <a:tc>
-                      <a:txBody>
-                        <a:bodyPr/>
-                        <a:lstStyle/>
-                        <a:p>
-                          <a:pPr algn="ctr"/>
-                          <a:r>
-                            <a:rPr lang="en-US" sz="1400" b="1" dirty="0"/>
-                            <a:t>Total call</a:t>
-                          </a:r>
-                        </a:p>
-                      </a:txBody>
-                      <a:tcPr/>
-                    </a:tc>
-                    <a:extLst>
-                      <a:ext uri="{0D108BD9-81ED-4DB2-BD59-A6C34878D82A}">
-                        <a16:rowId xmlns:a16="http://schemas.microsoft.com/office/drawing/2014/main" val="2412432484"/>
-                      </a:ext>
-                    </a:extLst>
-                  </a:tr>
-                  <a:tr h="341956">
-                    <a:tc>
-                      <a:txBody>
-                        <a:bodyPr/>
-                        <a:lstStyle/>
-                        <a:p>
-                          <a:pPr algn="ctr"/>
-                          <a:r>
-                            <a:rPr lang="en-US" sz="1400" dirty="0"/>
-                            <a:t>add()/^=</a:t>
-                          </a:r>
-                        </a:p>
-                      </a:txBody>
-                      <a:tcPr/>
-                    </a:tc>
-                    <a:tc>
-                      <a:txBody>
-                        <a:bodyPr/>
-                        <a:lstStyle/>
-                        <a:p>
-                          <a:pPr algn="ctr"/>
-                          <a:r>
-                            <a:rPr lang="en-US" sz="1400" dirty="0"/>
-                            <a:t>5</a:t>
-                          </a:r>
-                        </a:p>
-                      </a:txBody>
-                      <a:tcPr/>
-                    </a:tc>
-                    <a:tc>
-                      <a:txBody>
-                        <a:bodyPr/>
-                        <a:lstStyle/>
-                        <a:p>
-                          <a:pPr algn="ctr"/>
-                          <a14:m>
-                            <m:oMathPara xmlns:m="http://schemas.openxmlformats.org/officeDocument/2006/math">
-                              <m:oMathParaPr>
-                                <m:jc m:val="centerGroup"/>
-                              </m:oMathParaPr>
-                              <m:oMath xmlns:m="http://schemas.openxmlformats.org/officeDocument/2006/math">
-                                <m:f>
-                                  <m:fPr>
-                                    <m:type m:val="skw"/>
-                                    <m:ctrlPr>
-                                      <a:rPr lang="en-US" sz="1400" i="1" dirty="0" smtClean="0">
-                                        <a:latin typeface="Cambria Math" panose="02040503050406030204" pitchFamily="18" charset="0"/>
-                                      </a:rPr>
-                                    </m:ctrlPr>
-                                  </m:fPr>
-                                  <m:num>
-                                    <m:r>
-                                      <a:rPr lang="en-US" sz="1400" b="0" i="1" dirty="0" smtClean="0">
-                                        <a:latin typeface="Cambria Math" panose="02040503050406030204" pitchFamily="18" charset="0"/>
-                                      </a:rPr>
-                                      <m:t>𝑛</m:t>
-                                    </m:r>
-                                  </m:num>
-                                  <m:den>
-                                    <m:r>
-                                      <a:rPr lang="en-US" sz="1400" b="0" i="1" dirty="0" smtClean="0">
-                                        <a:latin typeface="Cambria Math" panose="02040503050406030204" pitchFamily="18" charset="0"/>
-                                      </a:rPr>
-                                      <m:t>64</m:t>
-                                    </m:r>
-                                  </m:den>
-                                </m:f>
-                              </m:oMath>
-                            </m:oMathPara>
-                          </a14:m>
-                          <a:endParaRPr lang="en-US" sz="1400" dirty="0"/>
-                        </a:p>
-                      </a:txBody>
-                      <a:tcPr/>
-                    </a:tc>
-                    <a:tc>
-                      <a:txBody>
-                        <a:bodyPr/>
-                        <a:lstStyle/>
-                        <a:p>
-                          <a:pPr algn="ctr"/>
-                          <a14:m>
-                            <m:oMathPara xmlns:m="http://schemas.openxmlformats.org/officeDocument/2006/math">
-                              <m:oMathParaPr>
-                                <m:jc m:val="centerGroup"/>
-                              </m:oMathParaPr>
-                              <m:oMath xmlns:m="http://schemas.openxmlformats.org/officeDocument/2006/math">
-                                <m:r>
-                                  <a:rPr lang="en-US" sz="1400" b="0" i="1" smtClean="0">
-                                    <a:latin typeface="Cambria Math" panose="02040503050406030204" pitchFamily="18" charset="0"/>
-                                  </a:rPr>
-                                  <m:t>~</m:t>
-                                </m:r>
-                                <m:f>
-                                  <m:fPr>
-                                    <m:type m:val="skw"/>
-                                    <m:ctrlPr>
-                                      <a:rPr lang="en-US" sz="1400" b="0" i="1" smtClean="0">
-                                        <a:latin typeface="Cambria Math" panose="02040503050406030204" pitchFamily="18" charset="0"/>
-                                      </a:rPr>
-                                    </m:ctrlPr>
-                                  </m:fPr>
-                                  <m:num>
-                                    <m:r>
-                                      <a:rPr lang="en-US" sz="1400" b="0" i="1" smtClean="0">
-                                        <a:latin typeface="Cambria Math" panose="02040503050406030204" pitchFamily="18" charset="0"/>
-                                      </a:rPr>
-                                      <m:t>𝑛</m:t>
-                                    </m:r>
-                                  </m:num>
-                                  <m:den>
-                                    <m:r>
-                                      <a:rPr lang="en-US" sz="1400" b="0" i="1" smtClean="0">
-                                        <a:latin typeface="Cambria Math" panose="02040503050406030204" pitchFamily="18" charset="0"/>
-                                      </a:rPr>
-                                      <m:t>16</m:t>
-                                    </m:r>
-                                  </m:den>
-                                </m:f>
-                              </m:oMath>
-                            </m:oMathPara>
-                          </a14:m>
-                          <a:endParaRPr lang="en-US" sz="1400" dirty="0"/>
-                        </a:p>
-                      </a:txBody>
-                      <a:tcPr/>
-                    </a:tc>
-                    <a:extLst>
-                      <a:ext uri="{0D108BD9-81ED-4DB2-BD59-A6C34878D82A}">
-                        <a16:rowId xmlns:a16="http://schemas.microsoft.com/office/drawing/2014/main" val="4238301737"/>
-                      </a:ext>
-                    </a:extLst>
-                  </a:tr>
-                  <a:tr h="341956">
-                    <a:tc>
-                      <a:txBody>
-                        <a:bodyPr/>
-                        <a:lstStyle/>
-                        <a:p>
-                          <a:pPr algn="ctr"/>
-                          <a:r>
-                            <a:rPr lang="en-US" sz="1400" dirty="0"/>
-                            <a:t>^(XOR)</a:t>
-                          </a:r>
-                        </a:p>
-                      </a:txBody>
-                      <a:tcPr/>
-                    </a:tc>
-                    <a:tc>
-                      <a:txBody>
-                        <a:bodyPr/>
-                        <a:lstStyle/>
-                        <a:p>
-                          <a:pPr algn="ctr"/>
-                          <a:r>
-                            <a:rPr lang="en-US" sz="1400" dirty="0"/>
-                            <a:t>1</a:t>
-                          </a:r>
-                        </a:p>
-                      </a:txBody>
-                      <a:tcPr/>
-                    </a:tc>
-                    <a:tc>
-                      <a:txBody>
-                        <a:bodyPr/>
-                        <a:lstStyle/>
-                        <a:p>
-                          <a:pPr algn="ctr"/>
-                          <a14:m>
-                            <m:oMathPara xmlns:m="http://schemas.openxmlformats.org/officeDocument/2006/math">
-                              <m:oMathParaPr>
-                                <m:jc m:val="centerGroup"/>
-                              </m:oMathParaPr>
-                              <m:oMath xmlns:m="http://schemas.openxmlformats.org/officeDocument/2006/math">
-                                <m:f>
-                                  <m:fPr>
-                                    <m:type m:val="skw"/>
-                                    <m:ctrlPr>
-                                      <a:rPr lang="en-US" sz="1400" i="1" dirty="0" smtClean="0">
-                                        <a:latin typeface="Cambria Math" panose="02040503050406030204" pitchFamily="18" charset="0"/>
-                                      </a:rPr>
-                                    </m:ctrlPr>
-                                  </m:fPr>
-                                  <m:num>
-                                    <m:r>
-                                      <a:rPr lang="en-US" sz="1400" b="0" i="1" dirty="0" smtClean="0">
-                                        <a:latin typeface="Cambria Math" panose="02040503050406030204" pitchFamily="18" charset="0"/>
-                                      </a:rPr>
-                                      <m:t>𝑛</m:t>
-                                    </m:r>
-                                  </m:num>
-                                  <m:den>
-                                    <m:r>
-                                      <a:rPr lang="en-US" sz="1400" b="0" i="1" dirty="0" smtClean="0">
-                                        <a:latin typeface="Cambria Math" panose="02040503050406030204" pitchFamily="18" charset="0"/>
-                                      </a:rPr>
-                                      <m:t>32</m:t>
-                                    </m:r>
-                                  </m:den>
-                                </m:f>
-                              </m:oMath>
-                            </m:oMathPara>
-                          </a14:m>
-                          <a:endParaRPr lang="en-US" sz="1400" dirty="0"/>
-                        </a:p>
-                      </a:txBody>
-                      <a:tcPr/>
-                    </a:tc>
-                    <a:tc>
-                      <a:txBody>
-                        <a:bodyPr/>
-                        <a:lstStyle/>
-                        <a:p>
-                          <a:pPr algn="ctr"/>
-                          <a14:m>
-                            <m:oMathPara xmlns:m="http://schemas.openxmlformats.org/officeDocument/2006/math">
-                              <m:oMathParaPr>
-                                <m:jc m:val="centerGroup"/>
-                              </m:oMathParaPr>
-                              <m:oMath xmlns:m="http://schemas.openxmlformats.org/officeDocument/2006/math">
-                                <m:f>
-                                  <m:fPr>
-                                    <m:type m:val="skw"/>
-                                    <m:ctrlPr>
-                                      <a:rPr lang="en-US" sz="1400" i="1" smtClean="0">
-                                        <a:latin typeface="Cambria Math" panose="02040503050406030204" pitchFamily="18" charset="0"/>
-                                      </a:rPr>
-                                    </m:ctrlPr>
-                                  </m:fPr>
-                                  <m:num>
-                                    <m:r>
-                                      <a:rPr lang="en-US" sz="1400" b="0" i="1" smtClean="0">
-                                        <a:latin typeface="Cambria Math" panose="02040503050406030204" pitchFamily="18" charset="0"/>
-                                      </a:rPr>
-                                      <m:t>𝑛</m:t>
-                                    </m:r>
-                                  </m:num>
-                                  <m:den>
-                                    <m:r>
-                                      <a:rPr lang="en-US" sz="1400" b="0" i="1" smtClean="0">
-                                        <a:latin typeface="Cambria Math" panose="02040503050406030204" pitchFamily="18" charset="0"/>
-                                      </a:rPr>
-                                      <m:t>32</m:t>
-                                    </m:r>
-                                  </m:den>
-                                </m:f>
-                              </m:oMath>
-                            </m:oMathPara>
-                          </a14:m>
-                          <a:endParaRPr lang="en-US" sz="1400" dirty="0"/>
-                        </a:p>
-                      </a:txBody>
-                      <a:tcPr/>
-                    </a:tc>
-                    <a:extLst>
-                      <a:ext uri="{0D108BD9-81ED-4DB2-BD59-A6C34878D82A}">
-                        <a16:rowId xmlns:a16="http://schemas.microsoft.com/office/drawing/2014/main" val="266417292"/>
-                      </a:ext>
-                    </a:extLst>
-                  </a:tr>
-                  <a:tr h="309579">
-                    <a:tc>
-                      <a:txBody>
-                        <a:bodyPr/>
-                        <a:lstStyle/>
-                        <a:p>
-                          <a:pPr algn="ctr"/>
-                          <a:r>
-                            <a:rPr lang="en-US" sz="1400" dirty="0" err="1"/>
-                            <a:t>toeplitzByVec</a:t>
-                          </a:r>
-                          <a:r>
-                            <a:rPr lang="en-US" sz="1400" dirty="0"/>
-                            <a:t>()</a:t>
-                          </a:r>
-                        </a:p>
-                      </a:txBody>
-                      <a:tcPr/>
-                    </a:tc>
-                    <a:tc>
-                      <a:txBody>
-                        <a:bodyPr/>
-                        <a:lstStyle/>
-                        <a:p>
-                          <a:pPr algn="ctr"/>
-                          <a:r>
-                            <a:rPr lang="en-US" sz="1400" dirty="0"/>
-                            <a:t>1</a:t>
-                          </a:r>
-                        </a:p>
-                      </a:txBody>
-                      <a:tcPr/>
-                    </a:tc>
-                    <a:tc>
-                      <a:txBody>
-                        <a:bodyPr/>
-                        <a:lstStyle/>
-                        <a:p>
-                          <a:pPr algn="ctr"/>
-                          <a14:m>
-                            <m:oMathPara xmlns:m="http://schemas.openxmlformats.org/officeDocument/2006/math">
-                              <m:oMathParaPr>
-                                <m:jc m:val="centerGroup"/>
-                              </m:oMathParaPr>
-                              <m:oMath xmlns:m="http://schemas.openxmlformats.org/officeDocument/2006/math">
-                                <m:r>
-                                  <a:rPr lang="en-US" sz="1400" b="0" i="1" smtClean="0">
-                                    <a:latin typeface="Cambria Math" panose="02040503050406030204" pitchFamily="18" charset="0"/>
-                                  </a:rPr>
-                                  <m:t>25</m:t>
-                                </m:r>
-                                <m:r>
-                                  <a:rPr lang="en-US" sz="1400" b="0" i="1" smtClean="0">
-                                    <a:latin typeface="Cambria Math" panose="02040503050406030204" pitchFamily="18" charset="0"/>
-                                  </a:rPr>
-                                  <m:t>𝑛</m:t>
-                                </m:r>
-                              </m:oMath>
-                            </m:oMathPara>
-                          </a14:m>
-                          <a:endParaRPr lang="en-US" sz="1400" dirty="0"/>
-                        </a:p>
-                      </a:txBody>
-                      <a:tcPr/>
-                    </a:tc>
-                    <a:tc>
-                      <a:txBody>
-                        <a:bodyPr/>
-                        <a:lstStyle/>
-                        <a:p>
-                          <a:pPr algn="ctr"/>
-                          <a14:m>
-                            <m:oMathPara xmlns:m="http://schemas.openxmlformats.org/officeDocument/2006/math">
-                              <m:oMathParaPr>
-                                <m:jc m:val="centerGroup"/>
-                              </m:oMathParaPr>
-                              <m:oMath xmlns:m="http://schemas.openxmlformats.org/officeDocument/2006/math">
-                                <m:r>
-                                  <a:rPr lang="en-US" sz="1400" b="0" i="1" smtClean="0">
-                                    <a:latin typeface="Cambria Math" panose="02040503050406030204" pitchFamily="18" charset="0"/>
-                                  </a:rPr>
-                                  <m:t>25</m:t>
-                                </m:r>
-                                <m:r>
-                                  <a:rPr lang="en-US" sz="1400" b="0" i="1" smtClean="0">
-                                    <a:latin typeface="Cambria Math" panose="02040503050406030204" pitchFamily="18" charset="0"/>
-                                  </a:rPr>
-                                  <m:t>𝑛</m:t>
-                                </m:r>
-                              </m:oMath>
-                            </m:oMathPara>
-                          </a14:m>
-                          <a:endParaRPr lang="en-US" sz="1400" dirty="0"/>
-                        </a:p>
-                      </a:txBody>
-                      <a:tcPr/>
-                    </a:tc>
-                    <a:extLst>
-                      <a:ext uri="{0D108BD9-81ED-4DB2-BD59-A6C34878D82A}">
-                        <a16:rowId xmlns:a16="http://schemas.microsoft.com/office/drawing/2014/main" val="2998986514"/>
-                      </a:ext>
-                    </a:extLst>
-                  </a:tr>
-                  <a:tr h="340537">
-                    <a:tc>
-                      <a:txBody>
-                        <a:bodyPr/>
-                        <a:lstStyle/>
-                        <a:p>
-                          <a:pPr algn="ctr"/>
-                          <a:r>
-                            <a:rPr lang="en-US" sz="1400" dirty="0">
-                              <a:solidFill>
-                                <a:srgbClr val="FF0000"/>
-                              </a:solidFill>
-                            </a:rPr>
-                            <a:t>mux</a:t>
-                          </a:r>
-                        </a:p>
-                      </a:txBody>
-                      <a:tcPr/>
-                    </a:tc>
-                    <a:tc>
-                      <a:txBody>
-                        <a:bodyPr/>
-                        <a:lstStyle/>
-                        <a:p>
-                          <a:pPr algn="ctr"/>
-                          <a:r>
-                            <a:rPr lang="en-US" sz="1400" dirty="0"/>
-                            <a:t>1</a:t>
-                          </a:r>
-                        </a:p>
-                      </a:txBody>
-                      <a:tcPr/>
-                    </a:tc>
-                    <a:tc>
-                      <a:txBody>
-                        <a:bodyPr/>
-                        <a:lstStyle/>
-                        <a:p>
-                          <a:pPr algn="ctr"/>
-                          <a14:m>
-                            <m:oMathPara xmlns:m="http://schemas.openxmlformats.org/officeDocument/2006/math">
-                              <m:oMathParaPr>
-                                <m:jc m:val="centerGroup"/>
-                              </m:oMathParaPr>
-                              <m:oMath xmlns:m="http://schemas.openxmlformats.org/officeDocument/2006/math">
-                                <m:f>
-                                  <m:fPr>
-                                    <m:type m:val="skw"/>
-                                    <m:ctrlPr>
-                                      <a:rPr lang="en-US" sz="1400" i="1" smtClean="0">
-                                        <a:latin typeface="Cambria Math" panose="02040503050406030204" pitchFamily="18" charset="0"/>
-                                      </a:rPr>
-                                    </m:ctrlPr>
-                                  </m:fPr>
-                                  <m:num>
-                                    <m:r>
-                                      <a:rPr lang="en-US" sz="1400" b="0" i="1" smtClean="0">
-                                        <a:latin typeface="Cambria Math" panose="02040503050406030204" pitchFamily="18" charset="0"/>
-                                      </a:rPr>
-                                      <m:t>𝑛</m:t>
-                                    </m:r>
-                                  </m:num>
-                                  <m:den>
-                                    <m:r>
-                                      <a:rPr lang="en-US" sz="1400" b="0" i="1" smtClean="0">
-                                        <a:latin typeface="Cambria Math" panose="02040503050406030204" pitchFamily="18" charset="0"/>
-                                      </a:rPr>
-                                      <m:t>32</m:t>
-                                    </m:r>
-                                  </m:den>
-                                </m:f>
-                              </m:oMath>
-                            </m:oMathPara>
-                          </a14:m>
-                          <a:endParaRPr lang="en-US" sz="1400" dirty="0"/>
-                        </a:p>
-                      </a:txBody>
-                      <a:tcPr/>
-                    </a:tc>
-                    <a:tc>
-                      <a:txBody>
-                        <a:bodyPr/>
-                        <a:lstStyle/>
-                        <a:p>
-                          <a:pPr algn="ctr"/>
-                          <a14:m>
-                            <m:oMathPara xmlns:m="http://schemas.openxmlformats.org/officeDocument/2006/math">
-                              <m:oMathParaPr>
-                                <m:jc m:val="centerGroup"/>
-                              </m:oMathParaPr>
-                              <m:oMath xmlns:m="http://schemas.openxmlformats.org/officeDocument/2006/math">
-                                <m:f>
-                                  <m:fPr>
-                                    <m:type m:val="skw"/>
-                                    <m:ctrlPr>
-                                      <a:rPr lang="en-US" sz="1400" i="1" smtClean="0">
-                                        <a:latin typeface="Cambria Math" panose="02040503050406030204" pitchFamily="18" charset="0"/>
-                                      </a:rPr>
-                                    </m:ctrlPr>
-                                  </m:fPr>
-                                  <m:num>
-                                    <m:r>
-                                      <a:rPr lang="en-US" sz="1400" b="0" i="1" smtClean="0">
-                                        <a:latin typeface="Cambria Math" panose="02040503050406030204" pitchFamily="18" charset="0"/>
-                                      </a:rPr>
-                                      <m:t>𝑛</m:t>
-                                    </m:r>
-                                  </m:num>
-                                  <m:den>
-                                    <m:r>
-                                      <a:rPr lang="en-US" sz="1400" b="0" i="1" smtClean="0">
-                                        <a:latin typeface="Cambria Math" panose="02040503050406030204" pitchFamily="18" charset="0"/>
-                                      </a:rPr>
-                                      <m:t>32</m:t>
-                                    </m:r>
-                                  </m:den>
-                                </m:f>
-                              </m:oMath>
-                            </m:oMathPara>
-                          </a14:m>
-                          <a:endParaRPr lang="en-US" sz="1400" dirty="0"/>
-                        </a:p>
-                      </a:txBody>
-                      <a:tcPr/>
-                    </a:tc>
-                    <a:extLst>
-                      <a:ext uri="{0D108BD9-81ED-4DB2-BD59-A6C34878D82A}">
-                        <a16:rowId xmlns:a16="http://schemas.microsoft.com/office/drawing/2014/main" val="394972434"/>
-                      </a:ext>
-                    </a:extLst>
-                  </a:tr>
-                  <a:tr h="340537">
-                    <a:tc>
-                      <a:txBody>
-                        <a:bodyPr/>
-                        <a:lstStyle/>
-                        <a:p>
-                          <a:pPr algn="ctr"/>
-                          <a:r>
-                            <a:rPr lang="en-US" sz="1400" dirty="0">
-                              <a:solidFill>
-                                <a:srgbClr val="FF0000"/>
-                              </a:solidFill>
-                            </a:rPr>
-                            <a:t>set()-(256 times)</a:t>
-                          </a:r>
-                        </a:p>
-                      </a:txBody>
-                      <a:tcPr/>
-                    </a:tc>
-                    <a:tc>
-                      <a:txBody>
-                        <a:bodyPr/>
-                        <a:lstStyle/>
-                        <a:p>
-                          <a:pPr algn="ctr"/>
-                          <a:r>
-                            <a:rPr lang="en-US" sz="1400" dirty="0"/>
-                            <a:t>2</a:t>
-                          </a:r>
-                        </a:p>
-                      </a:txBody>
-                      <a:tcPr/>
-                    </a:tc>
-                    <a:tc>
-                      <a:txBody>
-                        <a:bodyPr/>
-                        <a:lstStyle/>
-                        <a:p>
-                          <a:pPr algn="ctr"/>
-                          <a:r>
-                            <a:rPr lang="en-US" sz="1400" dirty="0"/>
-                            <a:t>8n</a:t>
-                          </a:r>
-                        </a:p>
-                      </a:txBody>
-                      <a:tcPr/>
-                    </a:tc>
-                    <a:tc>
-                      <a:txBody>
-                        <a:bodyPr/>
-                        <a:lstStyle/>
-                        <a:p>
-                          <a:pPr algn="ctr"/>
-                          <a14:m>
-                            <m:oMathPara xmlns:m="http://schemas.openxmlformats.org/officeDocument/2006/math">
-                              <m:oMathParaPr>
-                                <m:jc m:val="centerGroup"/>
-                              </m:oMathParaPr>
-                              <m:oMath xmlns:m="http://schemas.openxmlformats.org/officeDocument/2006/math">
-                                <m:r>
-                                  <a:rPr lang="en-US" sz="1400" b="0" i="1" smtClean="0">
-                                    <a:latin typeface="Cambria Math" panose="02040503050406030204" pitchFamily="18" charset="0"/>
-                                  </a:rPr>
-                                  <m:t>16</m:t>
-                                </m:r>
-                                <m:r>
-                                  <a:rPr lang="en-US" sz="1400" b="0" i="1" smtClean="0">
-                                    <a:latin typeface="Cambria Math" panose="02040503050406030204" pitchFamily="18" charset="0"/>
-                                  </a:rPr>
-                                  <m:t>𝑛</m:t>
-                                </m:r>
-                              </m:oMath>
-                            </m:oMathPara>
-                          </a14:m>
-                          <a:endParaRPr lang="en-US" sz="1400" dirty="0"/>
-                        </a:p>
-                      </a:txBody>
-                      <a:tcPr/>
-                    </a:tc>
-                    <a:extLst>
-                      <a:ext uri="{0D108BD9-81ED-4DB2-BD59-A6C34878D82A}">
-                        <a16:rowId xmlns:a16="http://schemas.microsoft.com/office/drawing/2014/main" val="846408069"/>
-                      </a:ext>
-                    </a:extLst>
-                  </a:tr>
-                  <a:tr h="340537">
-                    <a:tc>
-                      <a:txBody>
-                        <a:bodyPr/>
-                        <a:lstStyle/>
-                        <a:p>
-                          <a:pPr algn="ctr"/>
-                          <a:r>
-                            <a:rPr lang="en-US" sz="1400" dirty="0" err="1">
-                              <a:solidFill>
-                                <a:srgbClr val="FF0000"/>
-                              </a:solidFill>
-                            </a:rPr>
-                            <a:t>matByVec</a:t>
-                          </a:r>
-                          <a:endParaRPr lang="en-US" sz="1400" dirty="0">
-                            <a:solidFill>
-                              <a:srgbClr val="FF0000"/>
-                            </a:solidFill>
-                          </a:endParaRPr>
-                        </a:p>
-                      </a:txBody>
-                      <a:tcPr/>
-                    </a:tc>
-                    <a:tc>
-                      <a:txBody>
-                        <a:bodyPr/>
-                        <a:lstStyle/>
-                        <a:p>
-                          <a:pPr algn="ctr"/>
-                          <a:r>
-                            <a:rPr lang="en-US" sz="1400" dirty="0"/>
-                            <a:t>1</a:t>
-                          </a:r>
-                        </a:p>
-                      </a:txBody>
-                      <a:tcPr/>
-                    </a:tc>
-                    <a:tc>
-                      <a:txBody>
-                        <a:bodyPr/>
-                        <a:lstStyle/>
-                        <a:p>
-                          <a:pPr algn="ctr"/>
-                          <a:r>
-                            <a:rPr lang="en-US" sz="1400" dirty="0"/>
-                            <a:t>37n</a:t>
-                          </a:r>
-                        </a:p>
-                      </a:txBody>
-                      <a:tcPr/>
-                    </a:tc>
-                    <a:tc>
-                      <a:txBody>
-                        <a:bodyPr/>
-                        <a:lstStyle/>
-                        <a:p>
-                          <a:pPr algn="ctr"/>
-                          <a:r>
-                            <a:rPr lang="en-US" sz="1400" dirty="0"/>
-                            <a:t>37n</a:t>
-                          </a:r>
-                        </a:p>
-                      </a:txBody>
-                      <a:tcPr/>
-                    </a:tc>
-                    <a:extLst>
-                      <a:ext uri="{0D108BD9-81ED-4DB2-BD59-A6C34878D82A}">
-                        <a16:rowId xmlns:a16="http://schemas.microsoft.com/office/drawing/2014/main" val="2799987271"/>
-                      </a:ext>
-                    </a:extLst>
-                  </a:tr>
-                  <a:tr h="309579">
-                    <a:tc>
-                      <a:txBody>
-                        <a:bodyPr/>
-                        <a:lstStyle/>
-                        <a:p>
-                          <a:pPr algn="ctr"/>
-                          <a:r>
-                            <a:rPr lang="en-US" sz="1400" dirty="0"/>
-                            <a:t>Total</a:t>
-                          </a:r>
-                        </a:p>
-                      </a:txBody>
-                      <a:tcPr>
-                        <a:lnB w="12700" cap="flat" cmpd="sng" algn="ctr">
-                          <a:solidFill>
-                            <a:schemeClr val="tx1"/>
-                          </a:solidFill>
-                          <a:prstDash val="solid"/>
-                          <a:round/>
-                          <a:headEnd type="none" w="med" len="med"/>
-                          <a:tailEnd type="none" w="med" len="med"/>
-                        </a:lnB>
-                      </a:tcPr>
-                    </a:tc>
-                    <a:tc>
-                      <a:txBody>
-                        <a:bodyPr/>
-                        <a:lstStyle/>
-                        <a:p>
-                          <a:pPr algn="ctr"/>
-                          <a:endParaRPr lang="en-US" sz="1400" dirty="0"/>
-                        </a:p>
-                      </a:txBody>
-                      <a:tcPr>
-                        <a:lnB w="12700" cap="flat" cmpd="sng" algn="ctr">
-                          <a:solidFill>
-                            <a:schemeClr val="tx1"/>
-                          </a:solidFill>
-                          <a:prstDash val="solid"/>
-                          <a:round/>
-                          <a:headEnd type="none" w="med" len="med"/>
-                          <a:tailEnd type="none" w="med" len="med"/>
-                        </a:lnB>
-                      </a:tcPr>
-                    </a:tc>
-                    <a:tc>
-                      <a:txBody>
-                        <a:bodyPr/>
-                        <a:lstStyle/>
-                        <a:p>
-                          <a:pPr algn="ctr"/>
-                          <a:endParaRPr lang="en-US" sz="1400" dirty="0"/>
-                        </a:p>
-                      </a:txBody>
-                      <a:tcPr/>
-                    </a:tc>
-                    <a:tc>
-                      <a:txBody>
-                        <a:bodyPr/>
-                        <a:lstStyle/>
-                        <a:p>
-                          <a:pPr algn="ctr"/>
-                          <a:r>
-                            <a:rPr lang="en-US" sz="1400" b="1" dirty="0"/>
-                            <a:t>78.12</a:t>
-                          </a:r>
-                          <a14:m>
-                            <m:oMath xmlns:m="http://schemas.openxmlformats.org/officeDocument/2006/math">
-                              <m:r>
-                                <a:rPr lang="en-US" sz="1400" b="1" i="1" smtClean="0">
-                                  <a:latin typeface="Cambria Math" panose="02040503050406030204" pitchFamily="18" charset="0"/>
-                                </a:rPr>
-                                <m:t>𝒏</m:t>
-                              </m:r>
-                              <m:r>
-                                <a:rPr lang="en-US" sz="1400" b="1" i="1" smtClean="0">
-                                  <a:latin typeface="Cambria Math" panose="02040503050406030204" pitchFamily="18" charset="0"/>
-                                </a:rPr>
-                                <m:t>=</m:t>
-                              </m:r>
-                              <m:r>
-                                <a:rPr lang="en-US" sz="1400" b="1" i="1" smtClean="0">
-                                  <a:latin typeface="Cambria Math" panose="02040503050406030204" pitchFamily="18" charset="0"/>
-                                </a:rPr>
-                                <m:t>𝟏𝟗</m:t>
-                              </m:r>
-                              <m:r>
-                                <a:rPr lang="en-US" sz="1400" b="1" i="1" smtClean="0">
-                                  <a:latin typeface="Cambria Math" panose="02040503050406030204" pitchFamily="18" charset="0"/>
-                                </a:rPr>
-                                <m:t>,</m:t>
-                              </m:r>
-                              <m:r>
-                                <a:rPr lang="en-US" sz="1400" b="1" i="1" smtClean="0">
-                                  <a:latin typeface="Cambria Math" panose="02040503050406030204" pitchFamily="18" charset="0"/>
-                                </a:rPr>
-                                <m:t>𝟗𝟗𝟖</m:t>
-                              </m:r>
-                            </m:oMath>
-                          </a14:m>
-                          <a:endParaRPr lang="en-US" sz="1400" b="1" dirty="0"/>
-                        </a:p>
-                      </a:txBody>
-                      <a:tcPr/>
-                    </a:tc>
-                    <a:extLst>
-                      <a:ext uri="{0D108BD9-81ED-4DB2-BD59-A6C34878D82A}">
-                        <a16:rowId xmlns:a16="http://schemas.microsoft.com/office/drawing/2014/main" val="915950187"/>
-                      </a:ext>
-                    </a:extLst>
-                  </a:tr>
-                </a:tbl>
-              </a:graphicData>
-            </a:graphic>
-          </p:graphicFrame>
-        </mc:Choice>
-        <mc:Fallback xmlns="">
-          <p:graphicFrame>
-            <p:nvGraphicFramePr>
-              <p:cNvPr id="4" name="Table 3">
-                <a:extLst>
-                  <a:ext uri="{FF2B5EF4-FFF2-40B4-BE49-F238E27FC236}">
-                    <a16:creationId xmlns:a16="http://schemas.microsoft.com/office/drawing/2014/main" id="{1E1644D6-F41E-1A40-8167-FD5D6BBB5A37}"/>
-                  </a:ext>
-                </a:extLst>
-              </p:cNvPr>
-              <p:cNvGraphicFramePr>
-                <a:graphicFrameLocks noGrp="1"/>
-              </p:cNvGraphicFramePr>
-              <p:nvPr>
-                <p:extLst>
-                  <p:ext uri="{D42A27DB-BD31-4B8C-83A1-F6EECF244321}">
-                    <p14:modId xmlns:p14="http://schemas.microsoft.com/office/powerpoint/2010/main" val="67064033"/>
-                  </p:ext>
-                </p:extLst>
-              </p:nvPr>
-            </p:nvGraphicFramePr>
-            <p:xfrm>
-              <a:off x="1405052" y="2996504"/>
-              <a:ext cx="8441476" cy="2634260"/>
-            </p:xfrm>
-            <a:graphic>
-              <a:graphicData uri="http://schemas.openxmlformats.org/drawingml/2006/table">
-                <a:tbl>
-                  <a:tblPr firstRow="1" bandRow="1">
-                    <a:tableStyleId>{5940675A-B579-460E-94D1-54222C63F5DA}</a:tableStyleId>
-                  </a:tblPr>
-                  <a:tblGrid>
-                    <a:gridCol w="2110369">
-                      <a:extLst>
-                        <a:ext uri="{9D8B030D-6E8A-4147-A177-3AD203B41FA5}">
-                          <a16:colId xmlns:a16="http://schemas.microsoft.com/office/drawing/2014/main" val="3913328905"/>
-                        </a:ext>
-                      </a:extLst>
-                    </a:gridCol>
-                    <a:gridCol w="2110369">
-                      <a:extLst>
-                        <a:ext uri="{9D8B030D-6E8A-4147-A177-3AD203B41FA5}">
-                          <a16:colId xmlns:a16="http://schemas.microsoft.com/office/drawing/2014/main" val="2780235502"/>
-                        </a:ext>
-                      </a:extLst>
-                    </a:gridCol>
-                    <a:gridCol w="2110369">
-                      <a:extLst>
-                        <a:ext uri="{9D8B030D-6E8A-4147-A177-3AD203B41FA5}">
-                          <a16:colId xmlns:a16="http://schemas.microsoft.com/office/drawing/2014/main" val="3033617068"/>
-                        </a:ext>
-                      </a:extLst>
-                    </a:gridCol>
-                    <a:gridCol w="2110369">
-                      <a:extLst>
-                        <a:ext uri="{9D8B030D-6E8A-4147-A177-3AD203B41FA5}">
-                          <a16:colId xmlns:a16="http://schemas.microsoft.com/office/drawing/2014/main" val="2426406902"/>
-                        </a:ext>
-                      </a:extLst>
-                    </a:gridCol>
-                  </a:tblGrid>
-                  <a:tr h="309579">
-                    <a:tc>
-                      <a:txBody>
-                        <a:bodyPr/>
-                        <a:lstStyle/>
-                        <a:p>
-                          <a:pPr algn="ctr"/>
-                          <a:r>
-                            <a:rPr lang="en-US" sz="1400" b="1" dirty="0"/>
-                            <a:t>Methods</a:t>
-                          </a:r>
-                        </a:p>
-                      </a:txBody>
-                      <a:tcPr/>
-                    </a:tc>
-                    <a:tc>
-                      <a:txBody>
-                        <a:bodyPr/>
-                        <a:lstStyle/>
-                        <a:p>
-                          <a:pPr algn="ctr"/>
-                          <a:r>
-                            <a:rPr lang="en-US" sz="1400" b="1" dirty="0" err="1"/>
-                            <a:t>No.of</a:t>
-                          </a:r>
-                          <a:r>
-                            <a:rPr lang="en-US" sz="1400" b="1" dirty="0"/>
-                            <a:t> times</a:t>
-                          </a:r>
-                        </a:p>
-                      </a:txBody>
-                      <a:tcPr/>
-                    </a:tc>
-                    <a:tc>
-                      <a:txBody>
-                        <a:bodyPr/>
-                        <a:lstStyle/>
-                        <a:p>
-                          <a:pPr algn="ctr"/>
-                          <a:r>
-                            <a:rPr lang="en-US" sz="1400" b="1" dirty="0"/>
-                            <a:t>Cost for each call</a:t>
-                          </a:r>
-                        </a:p>
-                      </a:txBody>
-                      <a:tcPr/>
-                    </a:tc>
-                    <a:tc>
-                      <a:txBody>
-                        <a:bodyPr/>
-                        <a:lstStyle/>
-                        <a:p>
-                          <a:pPr algn="ctr"/>
-                          <a:r>
-                            <a:rPr lang="en-US" sz="1400" b="1" dirty="0"/>
-                            <a:t>Total call</a:t>
-                          </a:r>
-                        </a:p>
-                      </a:txBody>
-                      <a:tcPr/>
-                    </a:tc>
-                    <a:extLst>
-                      <a:ext uri="{0D108BD9-81ED-4DB2-BD59-A6C34878D82A}">
-                        <a16:rowId xmlns:a16="http://schemas.microsoft.com/office/drawing/2014/main" val="2412432484"/>
-                      </a:ext>
-                    </a:extLst>
-                  </a:tr>
-                  <a:tr h="341956">
-                    <a:tc>
-                      <a:txBody>
-                        <a:bodyPr/>
-                        <a:lstStyle/>
-                        <a:p>
-                          <a:pPr algn="ctr"/>
-                          <a:r>
-                            <a:rPr lang="en-US" sz="1400" dirty="0"/>
-                            <a:t>add()/^=</a:t>
-                          </a:r>
-                        </a:p>
-                      </a:txBody>
-                      <a:tcPr/>
-                    </a:tc>
-                    <a:tc>
-                      <a:txBody>
-                        <a:bodyPr/>
-                        <a:lstStyle/>
-                        <a:p>
-                          <a:pPr algn="ctr"/>
-                          <a:r>
-                            <a:rPr lang="en-US" sz="1400" dirty="0"/>
-                            <a:t>5</a:t>
-                          </a:r>
-                        </a:p>
-                      </a:txBody>
-                      <a:tcPr/>
-                    </a:tc>
-                    <a:tc>
-                      <a:txBody>
-                        <a:bodyPr/>
-                        <a:lstStyle/>
-                        <a:p>
-                          <a:endParaRPr lang="en-US"/>
-                        </a:p>
-                      </a:txBody>
-                      <a:tcPr>
-                        <a:blipFill>
-                          <a:blip r:embed="rId2"/>
-                          <a:stretch>
-                            <a:fillRect l="-200000" t="-125926" r="-100000" b="-600000"/>
-                          </a:stretch>
-                        </a:blipFill>
-                      </a:tcPr>
-                    </a:tc>
-                    <a:tc>
-                      <a:txBody>
-                        <a:bodyPr/>
-                        <a:lstStyle/>
-                        <a:p>
-                          <a:endParaRPr lang="en-US"/>
-                        </a:p>
-                      </a:txBody>
-                      <a:tcPr>
-                        <a:blipFill>
-                          <a:blip r:embed="rId2"/>
-                          <a:stretch>
-                            <a:fillRect l="-301807" t="-125926" r="-602" b="-600000"/>
-                          </a:stretch>
-                        </a:blipFill>
-                      </a:tcPr>
-                    </a:tc>
-                    <a:extLst>
-                      <a:ext uri="{0D108BD9-81ED-4DB2-BD59-A6C34878D82A}">
-                        <a16:rowId xmlns:a16="http://schemas.microsoft.com/office/drawing/2014/main" val="4238301737"/>
-                      </a:ext>
-                    </a:extLst>
-                  </a:tr>
-                  <a:tr h="341956">
-                    <a:tc>
-                      <a:txBody>
-                        <a:bodyPr/>
-                        <a:lstStyle/>
-                        <a:p>
-                          <a:pPr algn="ctr"/>
-                          <a:r>
-                            <a:rPr lang="en-US" sz="1400" dirty="0"/>
-                            <a:t>^(XOR)</a:t>
-                          </a:r>
-                        </a:p>
-                      </a:txBody>
-                      <a:tcPr/>
-                    </a:tc>
-                    <a:tc>
-                      <a:txBody>
-                        <a:bodyPr/>
-                        <a:lstStyle/>
-                        <a:p>
-                          <a:pPr algn="ctr"/>
-                          <a:r>
-                            <a:rPr lang="en-US" sz="1400" dirty="0"/>
-                            <a:t>1</a:t>
-                          </a:r>
-                        </a:p>
-                      </a:txBody>
-                      <a:tcPr/>
-                    </a:tc>
-                    <a:tc>
-                      <a:txBody>
-                        <a:bodyPr/>
-                        <a:lstStyle/>
-                        <a:p>
-                          <a:endParaRPr lang="en-US"/>
-                        </a:p>
-                      </a:txBody>
-                      <a:tcPr>
-                        <a:blipFill>
-                          <a:blip r:embed="rId2"/>
-                          <a:stretch>
-                            <a:fillRect l="-200000" t="-225926" r="-100000" b="-500000"/>
-                          </a:stretch>
-                        </a:blipFill>
-                      </a:tcPr>
-                    </a:tc>
-                    <a:tc>
-                      <a:txBody>
-                        <a:bodyPr/>
-                        <a:lstStyle/>
-                        <a:p>
-                          <a:endParaRPr lang="en-US"/>
-                        </a:p>
-                      </a:txBody>
-                      <a:tcPr>
-                        <a:blipFill>
-                          <a:blip r:embed="rId2"/>
-                          <a:stretch>
-                            <a:fillRect l="-301807" t="-225926" r="-602" b="-500000"/>
-                          </a:stretch>
-                        </a:blipFill>
-                      </a:tcPr>
-                    </a:tc>
-                    <a:extLst>
-                      <a:ext uri="{0D108BD9-81ED-4DB2-BD59-A6C34878D82A}">
-                        <a16:rowId xmlns:a16="http://schemas.microsoft.com/office/drawing/2014/main" val="266417292"/>
-                      </a:ext>
-                    </a:extLst>
-                  </a:tr>
-                  <a:tr h="309579">
-                    <a:tc>
-                      <a:txBody>
-                        <a:bodyPr/>
-                        <a:lstStyle/>
-                        <a:p>
-                          <a:pPr algn="ctr"/>
-                          <a:r>
-                            <a:rPr lang="en-US" sz="1400" dirty="0" err="1"/>
-                            <a:t>toeplitzByVec</a:t>
-                          </a:r>
-                          <a:r>
-                            <a:rPr lang="en-US" sz="1400" dirty="0"/>
-                            <a:t>()</a:t>
-                          </a:r>
-                        </a:p>
-                      </a:txBody>
-                      <a:tcPr/>
-                    </a:tc>
-                    <a:tc>
-                      <a:txBody>
-                        <a:bodyPr/>
-                        <a:lstStyle/>
-                        <a:p>
-                          <a:pPr algn="ctr"/>
-                          <a:r>
-                            <a:rPr lang="en-US" sz="1400" dirty="0"/>
-                            <a:t>1</a:t>
-                          </a:r>
-                        </a:p>
-                      </a:txBody>
-                      <a:tcPr/>
-                    </a:tc>
-                    <a:tc>
-                      <a:txBody>
-                        <a:bodyPr/>
-                        <a:lstStyle/>
-                        <a:p>
-                          <a:endParaRPr lang="en-US"/>
-                        </a:p>
-                      </a:txBody>
-                      <a:tcPr>
-                        <a:blipFill>
-                          <a:blip r:embed="rId2"/>
-                          <a:stretch>
-                            <a:fillRect l="-200000" t="-366667" r="-100000" b="-462500"/>
-                          </a:stretch>
-                        </a:blipFill>
-                      </a:tcPr>
-                    </a:tc>
-                    <a:tc>
-                      <a:txBody>
-                        <a:bodyPr/>
-                        <a:lstStyle/>
-                        <a:p>
-                          <a:endParaRPr lang="en-US"/>
-                        </a:p>
-                      </a:txBody>
-                      <a:tcPr>
-                        <a:blipFill>
-                          <a:blip r:embed="rId2"/>
-                          <a:stretch>
-                            <a:fillRect l="-301807" t="-366667" r="-602" b="-462500"/>
-                          </a:stretch>
-                        </a:blipFill>
-                      </a:tcPr>
-                    </a:tc>
-                    <a:extLst>
-                      <a:ext uri="{0D108BD9-81ED-4DB2-BD59-A6C34878D82A}">
-                        <a16:rowId xmlns:a16="http://schemas.microsoft.com/office/drawing/2014/main" val="2998986514"/>
-                      </a:ext>
-                    </a:extLst>
-                  </a:tr>
-                  <a:tr h="340537">
-                    <a:tc>
-                      <a:txBody>
-                        <a:bodyPr/>
-                        <a:lstStyle/>
-                        <a:p>
-                          <a:pPr algn="ctr"/>
-                          <a:r>
-                            <a:rPr lang="en-US" sz="1400" dirty="0">
-                              <a:solidFill>
-                                <a:srgbClr val="FF0000"/>
-                              </a:solidFill>
-                            </a:rPr>
-                            <a:t>mux</a:t>
-                          </a:r>
-                        </a:p>
-                      </a:txBody>
-                      <a:tcPr/>
-                    </a:tc>
-                    <a:tc>
-                      <a:txBody>
-                        <a:bodyPr/>
-                        <a:lstStyle/>
-                        <a:p>
-                          <a:pPr algn="ctr"/>
-                          <a:r>
-                            <a:rPr lang="en-US" sz="1400" dirty="0"/>
-                            <a:t>1</a:t>
-                          </a:r>
-                        </a:p>
-                      </a:txBody>
-                      <a:tcPr/>
-                    </a:tc>
-                    <a:tc>
-                      <a:txBody>
-                        <a:bodyPr/>
-                        <a:lstStyle/>
-                        <a:p>
-                          <a:endParaRPr lang="en-US"/>
-                        </a:p>
-                      </a:txBody>
-                      <a:tcPr>
-                        <a:blipFill>
-                          <a:blip r:embed="rId2"/>
-                          <a:stretch>
-                            <a:fillRect l="-200000" t="-414815" r="-100000" b="-311111"/>
-                          </a:stretch>
-                        </a:blipFill>
-                      </a:tcPr>
-                    </a:tc>
-                    <a:tc>
-                      <a:txBody>
-                        <a:bodyPr/>
-                        <a:lstStyle/>
-                        <a:p>
-                          <a:endParaRPr lang="en-US"/>
-                        </a:p>
-                      </a:txBody>
-                      <a:tcPr>
-                        <a:blipFill>
-                          <a:blip r:embed="rId2"/>
-                          <a:stretch>
-                            <a:fillRect l="-301807" t="-414815" r="-602" b="-311111"/>
-                          </a:stretch>
-                        </a:blipFill>
-                      </a:tcPr>
-                    </a:tc>
-                    <a:extLst>
-                      <a:ext uri="{0D108BD9-81ED-4DB2-BD59-A6C34878D82A}">
-                        <a16:rowId xmlns:a16="http://schemas.microsoft.com/office/drawing/2014/main" val="394972434"/>
-                      </a:ext>
-                    </a:extLst>
-                  </a:tr>
-                  <a:tr h="340537">
-                    <a:tc>
-                      <a:txBody>
-                        <a:bodyPr/>
-                        <a:lstStyle/>
-                        <a:p>
-                          <a:pPr algn="ctr"/>
-                          <a:r>
-                            <a:rPr lang="en-US" sz="1400" dirty="0">
-                              <a:solidFill>
-                                <a:srgbClr val="FF0000"/>
-                              </a:solidFill>
-                            </a:rPr>
-                            <a:t>set()-(256 times)</a:t>
-                          </a:r>
-                        </a:p>
-                      </a:txBody>
-                      <a:tcPr/>
-                    </a:tc>
-                    <a:tc>
-                      <a:txBody>
-                        <a:bodyPr/>
-                        <a:lstStyle/>
-                        <a:p>
-                          <a:pPr algn="ctr"/>
-                          <a:r>
-                            <a:rPr lang="en-US" sz="1400" dirty="0"/>
-                            <a:t>2</a:t>
-                          </a:r>
-                        </a:p>
-                      </a:txBody>
-                      <a:tcPr/>
-                    </a:tc>
-                    <a:tc>
-                      <a:txBody>
-                        <a:bodyPr/>
-                        <a:lstStyle/>
-                        <a:p>
-                          <a:pPr algn="ctr"/>
-                          <a:r>
-                            <a:rPr lang="en-US" sz="1400" dirty="0"/>
-                            <a:t>8n</a:t>
-                          </a:r>
-                        </a:p>
-                      </a:txBody>
-                      <a:tcPr/>
-                    </a:tc>
-                    <a:tc>
-                      <a:txBody>
-                        <a:bodyPr/>
-                        <a:lstStyle/>
-                        <a:p>
-                          <a:endParaRPr lang="en-US"/>
-                        </a:p>
-                      </a:txBody>
-                      <a:tcPr>
-                        <a:blipFill>
-                          <a:blip r:embed="rId2"/>
-                          <a:stretch>
-                            <a:fillRect l="-301807" t="-514815" r="-602" b="-211111"/>
-                          </a:stretch>
-                        </a:blipFill>
-                      </a:tcPr>
-                    </a:tc>
-                    <a:extLst>
-                      <a:ext uri="{0D108BD9-81ED-4DB2-BD59-A6C34878D82A}">
-                        <a16:rowId xmlns:a16="http://schemas.microsoft.com/office/drawing/2014/main" val="846408069"/>
-                      </a:ext>
-                    </a:extLst>
-                  </a:tr>
-                  <a:tr h="340537">
-                    <a:tc>
-                      <a:txBody>
-                        <a:bodyPr/>
-                        <a:lstStyle/>
-                        <a:p>
-                          <a:pPr algn="ctr"/>
-                          <a:r>
-                            <a:rPr lang="en-US" sz="1400" dirty="0" err="1">
-                              <a:solidFill>
-                                <a:srgbClr val="FF0000"/>
-                              </a:solidFill>
-                            </a:rPr>
-                            <a:t>matByVec</a:t>
-                          </a:r>
-                          <a:endParaRPr lang="en-US" sz="1400" dirty="0">
-                            <a:solidFill>
-                              <a:srgbClr val="FF0000"/>
-                            </a:solidFill>
-                          </a:endParaRPr>
-                        </a:p>
-                      </a:txBody>
-                      <a:tcPr/>
-                    </a:tc>
-                    <a:tc>
-                      <a:txBody>
-                        <a:bodyPr/>
-                        <a:lstStyle/>
-                        <a:p>
-                          <a:pPr algn="ctr"/>
-                          <a:r>
-                            <a:rPr lang="en-US" sz="1400" dirty="0"/>
-                            <a:t>1</a:t>
-                          </a:r>
-                        </a:p>
-                      </a:txBody>
-                      <a:tcPr/>
-                    </a:tc>
-                    <a:tc>
-                      <a:txBody>
-                        <a:bodyPr/>
-                        <a:lstStyle/>
-                        <a:p>
-                          <a:pPr algn="ctr"/>
-                          <a:r>
-                            <a:rPr lang="en-US" sz="1400" dirty="0"/>
-                            <a:t>37n</a:t>
-                          </a:r>
-                        </a:p>
-                      </a:txBody>
-                      <a:tcPr/>
-                    </a:tc>
-                    <a:tc>
-                      <a:txBody>
-                        <a:bodyPr/>
-                        <a:lstStyle/>
-                        <a:p>
-                          <a:pPr algn="ctr"/>
-                          <a:r>
-                            <a:rPr lang="en-US" sz="1400" dirty="0"/>
-                            <a:t>37n</a:t>
-                          </a:r>
-                        </a:p>
-                      </a:txBody>
-                      <a:tcPr/>
-                    </a:tc>
-                    <a:extLst>
-                      <a:ext uri="{0D108BD9-81ED-4DB2-BD59-A6C34878D82A}">
-                        <a16:rowId xmlns:a16="http://schemas.microsoft.com/office/drawing/2014/main" val="2799987271"/>
-                      </a:ext>
-                    </a:extLst>
-                  </a:tr>
-                  <a:tr h="309579">
-                    <a:tc>
-                      <a:txBody>
-                        <a:bodyPr/>
-                        <a:lstStyle/>
-                        <a:p>
-                          <a:pPr algn="ctr"/>
-                          <a:r>
-                            <a:rPr lang="en-US" sz="1400" dirty="0"/>
-                            <a:t>Total</a:t>
-                          </a:r>
-                        </a:p>
-                      </a:txBody>
-                      <a:tcPr>
-                        <a:lnB w="12700" cap="flat" cmpd="sng" algn="ctr">
-                          <a:solidFill>
-                            <a:schemeClr val="tx1"/>
-                          </a:solidFill>
-                          <a:prstDash val="solid"/>
-                          <a:round/>
-                          <a:headEnd type="none" w="med" len="med"/>
-                          <a:tailEnd type="none" w="med" len="med"/>
-                        </a:lnB>
-                      </a:tcPr>
-                    </a:tc>
-                    <a:tc>
-                      <a:txBody>
-                        <a:bodyPr/>
-                        <a:lstStyle/>
-                        <a:p>
-                          <a:pPr algn="ctr"/>
-                          <a:endParaRPr lang="en-US" sz="1400" dirty="0"/>
-                        </a:p>
-                      </a:txBody>
-                      <a:tcPr>
-                        <a:lnB w="12700" cap="flat" cmpd="sng" algn="ctr">
-                          <a:solidFill>
-                            <a:schemeClr val="tx1"/>
-                          </a:solidFill>
-                          <a:prstDash val="solid"/>
-                          <a:round/>
-                          <a:headEnd type="none" w="med" len="med"/>
-                          <a:tailEnd type="none" w="med" len="med"/>
-                        </a:lnB>
-                      </a:tcPr>
-                    </a:tc>
-                    <a:tc>
-                      <a:txBody>
-                        <a:bodyPr/>
-                        <a:lstStyle/>
-                        <a:p>
-                          <a:pPr algn="ctr"/>
-                          <a:endParaRPr lang="en-US" sz="1400" dirty="0"/>
-                        </a:p>
-                      </a:txBody>
-                      <a:tcPr/>
-                    </a:tc>
-                    <a:tc>
-                      <a:txBody>
-                        <a:bodyPr/>
-                        <a:lstStyle/>
-                        <a:p>
-                          <a:endParaRPr lang="en-US"/>
-                        </a:p>
-                      </a:txBody>
-                      <a:tcPr>
-                        <a:blipFill>
-                          <a:blip r:embed="rId2"/>
-                          <a:stretch>
-                            <a:fillRect l="-301807" t="-772000" r="-602" b="-20000"/>
-                          </a:stretch>
-                        </a:blipFill>
-                      </a:tcPr>
-                    </a:tc>
-                    <a:extLst>
-                      <a:ext uri="{0D108BD9-81ED-4DB2-BD59-A6C34878D82A}">
-                        <a16:rowId xmlns:a16="http://schemas.microsoft.com/office/drawing/2014/main" val="915950187"/>
-                      </a:ext>
-                    </a:extLst>
-                  </a:tr>
-                </a:tbl>
-              </a:graphicData>
-            </a:graphic>
-          </p:graphicFrame>
-        </mc:Fallback>
-      </mc:AlternateContent>
     </p:spTree>
     <p:extLst>
       <p:ext uri="{BB962C8B-B14F-4D97-AF65-F5344CB8AC3E}">
         <p14:creationId xmlns:p14="http://schemas.microsoft.com/office/powerpoint/2010/main" val="3028015451"/>
-      </p:ext>
-    </p:extLst>
-  </p:cSld>
-  <p:clrMapOvr>
-    <a:masterClrMapping/>
-  </p:clrMapOvr>
-</p:sld>
-</file>
-
-<file path=ppt/slides/slide5.xml><?xml version="1.0" encoding="utf-8"?>
-<p:sld xmlns:a="http://schemas.openxmlformats.org/drawingml/2006/main" xmlns:r="http://schemas.openxmlformats.org/officeDocument/2006/relationships" xmlns:p="http://schemas.openxmlformats.org/presentationml/2006/main">
-  <p:cSld>
-    <p:spTree>
-      <p:nvGrpSpPr>
-        <p:cNvPr id="1" name=""/>
-        <p:cNvGrpSpPr/>
-        <p:nvPr/>
-      </p:nvGrpSpPr>
-      <p:grpSpPr>
-        <a:xfrm>
-          <a:off x="0" y="0"/>
-          <a:ext cx="0" cy="0"/>
-          <a:chOff x="0" y="0"/>
-          <a:chExt cx="0" cy="0"/>
-        </a:xfrm>
-      </p:grpSpPr>
-      <p:sp>
-        <p:nvSpPr>
-          <p:cNvPr id="2" name="Title 1">
-            <a:extLst>
-              <a:ext uri="{FF2B5EF4-FFF2-40B4-BE49-F238E27FC236}">
-                <a16:creationId xmlns:a16="http://schemas.microsoft.com/office/drawing/2014/main" id="{AB471659-24BB-6E48-8092-9DE04E44E3D5}"/>
-              </a:ext>
-            </a:extLst>
-          </p:cNvPr>
-          <p:cNvSpPr>
-            <a:spLocks noGrp="1"/>
-          </p:cNvSpPr>
-          <p:nvPr>
-            <p:ph type="title"/>
-          </p:nvPr>
-        </p:nvSpPr>
-        <p:spPr>
-          <a:xfrm>
-            <a:off x="838200" y="365126"/>
-            <a:ext cx="10515600" cy="315912"/>
-          </a:xfrm>
-        </p:spPr>
-        <p:txBody>
-          <a:bodyPr>
-            <a:normAutofit fontScale="90000"/>
-          </a:bodyPr>
-          <a:lstStyle/>
-          <a:p>
-            <a:r>
-              <a:rPr lang="en-US" dirty="0" err="1"/>
-              <a:t>oPRF</a:t>
-            </a:r>
-            <a:r>
-              <a:rPr lang="en-US" dirty="0"/>
-              <a:t> (packed + lookup)</a:t>
-            </a:r>
-          </a:p>
-        </p:txBody>
-      </p:sp>
-      <p:sp>
-        <p:nvSpPr>
-          <p:cNvPr id="3" name="Content Placeholder 2">
-            <a:extLst>
-              <a:ext uri="{FF2B5EF4-FFF2-40B4-BE49-F238E27FC236}">
-                <a16:creationId xmlns:a16="http://schemas.microsoft.com/office/drawing/2014/main" id="{F2F1B3B4-9D87-8549-A550-A560B44FD940}"/>
-              </a:ext>
-            </a:extLst>
-          </p:cNvPr>
-          <p:cNvSpPr>
-            <a:spLocks noGrp="1"/>
-          </p:cNvSpPr>
-          <p:nvPr>
-            <p:ph idx="1"/>
-          </p:nvPr>
-        </p:nvSpPr>
-        <p:spPr>
-          <a:xfrm>
-            <a:off x="838200" y="888923"/>
-            <a:ext cx="10515600" cy="1820823"/>
-          </a:xfrm>
-        </p:spPr>
-        <p:txBody>
-          <a:bodyPr>
-            <a:normAutofit fontScale="92500" lnSpcReduction="10000"/>
-          </a:bodyPr>
-          <a:lstStyle/>
-          <a:p>
-            <a:r>
-              <a:rPr lang="en-US" dirty="0"/>
-              <a:t>Files: </a:t>
-            </a:r>
-          </a:p>
-          <a:p>
-            <a:pPr lvl="1"/>
-            <a:r>
-              <a:rPr lang="en-US" dirty="0" err="1"/>
-              <a:t>OPRF.cpp</a:t>
-            </a:r>
-            <a:endParaRPr lang="en-US" dirty="0"/>
-          </a:p>
-          <a:p>
-            <a:pPr lvl="1"/>
-            <a:r>
-              <a:rPr lang="en-US" dirty="0" err="1"/>
-              <a:t>lookup_function.cpp</a:t>
-            </a:r>
-            <a:endParaRPr lang="en-US" dirty="0"/>
-          </a:p>
-          <a:p>
-            <a:pPr lvl="1"/>
-            <a:r>
-              <a:rPr lang="en-US" dirty="0"/>
-              <a:t>PackedMod2.hpp</a:t>
-            </a:r>
-          </a:p>
-          <a:p>
-            <a:pPr lvl="1"/>
-            <a:r>
-              <a:rPr lang="en-US" dirty="0"/>
-              <a:t>PackedMod3.hpp</a:t>
-            </a:r>
-          </a:p>
-          <a:p>
-            <a:endParaRPr lang="en-US" dirty="0"/>
-          </a:p>
-        </p:txBody>
-      </p:sp>
-      <mc:AlternateContent xmlns:mc="http://schemas.openxmlformats.org/markup-compatibility/2006" xmlns:a14="http://schemas.microsoft.com/office/drawing/2010/main">
-        <mc:Choice Requires="a14">
-          <p:graphicFrame>
-            <p:nvGraphicFramePr>
-              <p:cNvPr id="4" name="Table 3">
-                <a:extLst>
-                  <a:ext uri="{FF2B5EF4-FFF2-40B4-BE49-F238E27FC236}">
-                    <a16:creationId xmlns:a16="http://schemas.microsoft.com/office/drawing/2014/main" id="{BE6252AE-2768-D543-985D-B39C0583CC8B}"/>
-                  </a:ext>
-                </a:extLst>
-              </p:cNvPr>
-              <p:cNvGraphicFramePr>
-                <a:graphicFrameLocks noGrp="1"/>
-              </p:cNvGraphicFramePr>
-              <p:nvPr>
-                <p:extLst>
-                  <p:ext uri="{D42A27DB-BD31-4B8C-83A1-F6EECF244321}">
-                    <p14:modId xmlns:p14="http://schemas.microsoft.com/office/powerpoint/2010/main" val="1494814224"/>
-                  </p:ext>
-                </p:extLst>
-              </p:nvPr>
-            </p:nvGraphicFramePr>
-            <p:xfrm>
-              <a:off x="1405052" y="2996504"/>
-              <a:ext cx="8441476" cy="3315334"/>
-            </p:xfrm>
-            <a:graphic>
-              <a:graphicData uri="http://schemas.openxmlformats.org/drawingml/2006/table">
-                <a:tbl>
-                  <a:tblPr firstRow="1" bandRow="1">
-                    <a:tableStyleId>{5940675A-B579-460E-94D1-54222C63F5DA}</a:tableStyleId>
-                  </a:tblPr>
-                  <a:tblGrid>
-                    <a:gridCol w="2110369">
-                      <a:extLst>
-                        <a:ext uri="{9D8B030D-6E8A-4147-A177-3AD203B41FA5}">
-                          <a16:colId xmlns:a16="http://schemas.microsoft.com/office/drawing/2014/main" val="3913328905"/>
-                        </a:ext>
-                      </a:extLst>
-                    </a:gridCol>
-                    <a:gridCol w="2110369">
-                      <a:extLst>
-                        <a:ext uri="{9D8B030D-6E8A-4147-A177-3AD203B41FA5}">
-                          <a16:colId xmlns:a16="http://schemas.microsoft.com/office/drawing/2014/main" val="2780235502"/>
-                        </a:ext>
-                      </a:extLst>
-                    </a:gridCol>
-                    <a:gridCol w="2110369">
-                      <a:extLst>
-                        <a:ext uri="{9D8B030D-6E8A-4147-A177-3AD203B41FA5}">
-                          <a16:colId xmlns:a16="http://schemas.microsoft.com/office/drawing/2014/main" val="3033617068"/>
-                        </a:ext>
-                      </a:extLst>
-                    </a:gridCol>
-                    <a:gridCol w="2110369">
-                      <a:extLst>
-                        <a:ext uri="{9D8B030D-6E8A-4147-A177-3AD203B41FA5}">
-                          <a16:colId xmlns:a16="http://schemas.microsoft.com/office/drawing/2014/main" val="2426406902"/>
-                        </a:ext>
-                      </a:extLst>
-                    </a:gridCol>
-                  </a:tblGrid>
-                  <a:tr h="309579">
-                    <a:tc>
-                      <a:txBody>
-                        <a:bodyPr/>
-                        <a:lstStyle/>
-                        <a:p>
-                          <a:pPr algn="ctr"/>
-                          <a:r>
-                            <a:rPr lang="en-US" sz="1400" b="1" dirty="0"/>
-                            <a:t>Methods</a:t>
-                          </a:r>
-                        </a:p>
-                      </a:txBody>
-                      <a:tcPr/>
-                    </a:tc>
-                    <a:tc>
-                      <a:txBody>
-                        <a:bodyPr/>
-                        <a:lstStyle/>
-                        <a:p>
-                          <a:pPr algn="ctr"/>
-                          <a:r>
-                            <a:rPr lang="en-US" sz="1400" b="1" dirty="0" err="1"/>
-                            <a:t>No.of</a:t>
-                          </a:r>
-                          <a:r>
-                            <a:rPr lang="en-US" sz="1400" b="1" dirty="0"/>
-                            <a:t> times</a:t>
-                          </a:r>
-                        </a:p>
-                      </a:txBody>
-                      <a:tcPr/>
-                    </a:tc>
-                    <a:tc>
-                      <a:txBody>
-                        <a:bodyPr/>
-                        <a:lstStyle/>
-                        <a:p>
-                          <a:pPr algn="ctr"/>
-                          <a:r>
-                            <a:rPr lang="en-US" sz="1400" b="1" dirty="0"/>
-                            <a:t>Cost for each call</a:t>
-                          </a:r>
-                        </a:p>
-                      </a:txBody>
-                      <a:tcPr/>
-                    </a:tc>
-                    <a:tc>
-                      <a:txBody>
-                        <a:bodyPr/>
-                        <a:lstStyle/>
-                        <a:p>
-                          <a:pPr algn="ctr"/>
-                          <a:r>
-                            <a:rPr lang="en-US" sz="1400" b="1" dirty="0"/>
-                            <a:t>Total call</a:t>
-                          </a:r>
-                        </a:p>
-                      </a:txBody>
-                      <a:tcPr/>
-                    </a:tc>
-                    <a:extLst>
-                      <a:ext uri="{0D108BD9-81ED-4DB2-BD59-A6C34878D82A}">
-                        <a16:rowId xmlns:a16="http://schemas.microsoft.com/office/drawing/2014/main" val="2412432484"/>
-                      </a:ext>
-                    </a:extLst>
-                  </a:tr>
-                  <a:tr h="341956">
-                    <a:tc>
-                      <a:txBody>
-                        <a:bodyPr/>
-                        <a:lstStyle/>
-                        <a:p>
-                          <a:pPr algn="ctr"/>
-                          <a:r>
-                            <a:rPr lang="en-US" sz="1400" dirty="0"/>
-                            <a:t>add()/^=</a:t>
-                          </a:r>
-                        </a:p>
-                      </a:txBody>
-                      <a:tcPr/>
-                    </a:tc>
-                    <a:tc>
-                      <a:txBody>
-                        <a:bodyPr/>
-                        <a:lstStyle/>
-                        <a:p>
-                          <a:pPr algn="ctr"/>
-                          <a:r>
-                            <a:rPr lang="en-US" sz="1400" dirty="0"/>
-                            <a:t>5</a:t>
-                          </a:r>
-                        </a:p>
-                      </a:txBody>
-                      <a:tcPr/>
-                    </a:tc>
-                    <a:tc>
-                      <a:txBody>
-                        <a:bodyPr/>
-                        <a:lstStyle/>
-                        <a:p>
-                          <a:pPr algn="ctr"/>
-                          <a14:m>
-                            <m:oMathPara xmlns:m="http://schemas.openxmlformats.org/officeDocument/2006/math">
-                              <m:oMathParaPr>
-                                <m:jc m:val="centerGroup"/>
-                              </m:oMathParaPr>
-                              <m:oMath xmlns:m="http://schemas.openxmlformats.org/officeDocument/2006/math">
-                                <m:f>
-                                  <m:fPr>
-                                    <m:type m:val="skw"/>
-                                    <m:ctrlPr>
-                                      <a:rPr lang="en-US" sz="1400" i="1" dirty="0" smtClean="0">
-                                        <a:latin typeface="Cambria Math" panose="02040503050406030204" pitchFamily="18" charset="0"/>
-                                      </a:rPr>
-                                    </m:ctrlPr>
-                                  </m:fPr>
-                                  <m:num>
-                                    <m:r>
-                                      <a:rPr lang="en-US" sz="1400" b="0" i="1" dirty="0" smtClean="0">
-                                        <a:latin typeface="Cambria Math" panose="02040503050406030204" pitchFamily="18" charset="0"/>
-                                      </a:rPr>
-                                      <m:t>𝑛</m:t>
-                                    </m:r>
-                                  </m:num>
-                                  <m:den>
-                                    <m:r>
-                                      <a:rPr lang="en-US" sz="1400" b="0" i="1" dirty="0" smtClean="0">
-                                        <a:latin typeface="Cambria Math" panose="02040503050406030204" pitchFamily="18" charset="0"/>
-                                      </a:rPr>
-                                      <m:t>64</m:t>
-                                    </m:r>
-                                  </m:den>
-                                </m:f>
-                              </m:oMath>
-                            </m:oMathPara>
-                          </a14:m>
-                          <a:endParaRPr lang="en-US" sz="1400" dirty="0"/>
-                        </a:p>
-                      </a:txBody>
-                      <a:tcPr/>
-                    </a:tc>
-                    <a:tc>
-                      <a:txBody>
-                        <a:bodyPr/>
-                        <a:lstStyle/>
-                        <a:p>
-                          <a:pPr algn="ctr"/>
-                          <a14:m>
-                            <m:oMathPara xmlns:m="http://schemas.openxmlformats.org/officeDocument/2006/math">
-                              <m:oMathParaPr>
-                                <m:jc m:val="centerGroup"/>
-                              </m:oMathParaPr>
-                              <m:oMath xmlns:m="http://schemas.openxmlformats.org/officeDocument/2006/math">
-                                <m:r>
-                                  <a:rPr lang="en-US" sz="1400" b="0" i="1" smtClean="0">
-                                    <a:latin typeface="Cambria Math" panose="02040503050406030204" pitchFamily="18" charset="0"/>
-                                  </a:rPr>
-                                  <m:t>~</m:t>
-                                </m:r>
-                                <m:f>
-                                  <m:fPr>
-                                    <m:type m:val="skw"/>
-                                    <m:ctrlPr>
-                                      <a:rPr lang="en-US" sz="1400" b="0" i="1" smtClean="0">
-                                        <a:latin typeface="Cambria Math" panose="02040503050406030204" pitchFamily="18" charset="0"/>
-                                      </a:rPr>
-                                    </m:ctrlPr>
-                                  </m:fPr>
-                                  <m:num>
-                                    <m:r>
-                                      <a:rPr lang="en-US" sz="1400" b="0" i="1" smtClean="0">
-                                        <a:latin typeface="Cambria Math" panose="02040503050406030204" pitchFamily="18" charset="0"/>
-                                      </a:rPr>
-                                      <m:t>𝑛</m:t>
-                                    </m:r>
-                                  </m:num>
-                                  <m:den>
-                                    <m:r>
-                                      <a:rPr lang="en-US" sz="1400" b="0" i="1" smtClean="0">
-                                        <a:latin typeface="Cambria Math" panose="02040503050406030204" pitchFamily="18" charset="0"/>
-                                      </a:rPr>
-                                      <m:t>16</m:t>
-                                    </m:r>
-                                  </m:den>
-                                </m:f>
-                              </m:oMath>
-                            </m:oMathPara>
-                          </a14:m>
-                          <a:endParaRPr lang="en-US" sz="1400" dirty="0"/>
-                        </a:p>
-                      </a:txBody>
-                      <a:tcPr/>
-                    </a:tc>
-                    <a:extLst>
-                      <a:ext uri="{0D108BD9-81ED-4DB2-BD59-A6C34878D82A}">
-                        <a16:rowId xmlns:a16="http://schemas.microsoft.com/office/drawing/2014/main" val="4238301737"/>
-                      </a:ext>
-                    </a:extLst>
-                  </a:tr>
-                  <a:tr h="341956">
-                    <a:tc>
-                      <a:txBody>
-                        <a:bodyPr/>
-                        <a:lstStyle/>
-                        <a:p>
-                          <a:pPr algn="ctr"/>
-                          <a:r>
-                            <a:rPr lang="en-US" sz="1400" dirty="0"/>
-                            <a:t>^(XOR)</a:t>
-                          </a:r>
-                        </a:p>
-                      </a:txBody>
-                      <a:tcPr/>
-                    </a:tc>
-                    <a:tc>
-                      <a:txBody>
-                        <a:bodyPr/>
-                        <a:lstStyle/>
-                        <a:p>
-                          <a:pPr algn="ctr"/>
-                          <a:r>
-                            <a:rPr lang="en-US" sz="1400" dirty="0"/>
-                            <a:t>1</a:t>
-                          </a:r>
-                        </a:p>
-                      </a:txBody>
-                      <a:tcPr/>
-                    </a:tc>
-                    <a:tc>
-                      <a:txBody>
-                        <a:bodyPr/>
-                        <a:lstStyle/>
-                        <a:p>
-                          <a:pPr algn="ctr"/>
-                          <a14:m>
-                            <m:oMathPara xmlns:m="http://schemas.openxmlformats.org/officeDocument/2006/math">
-                              <m:oMathParaPr>
-                                <m:jc m:val="centerGroup"/>
-                              </m:oMathParaPr>
-                              <m:oMath xmlns:m="http://schemas.openxmlformats.org/officeDocument/2006/math">
-                                <m:f>
-                                  <m:fPr>
-                                    <m:type m:val="skw"/>
-                                    <m:ctrlPr>
-                                      <a:rPr lang="en-US" sz="1400" i="1" dirty="0" smtClean="0">
-                                        <a:latin typeface="Cambria Math" panose="02040503050406030204" pitchFamily="18" charset="0"/>
-                                      </a:rPr>
-                                    </m:ctrlPr>
-                                  </m:fPr>
-                                  <m:num>
-                                    <m:r>
-                                      <a:rPr lang="en-US" sz="1400" b="0" i="1" dirty="0" smtClean="0">
-                                        <a:latin typeface="Cambria Math" panose="02040503050406030204" pitchFamily="18" charset="0"/>
-                                      </a:rPr>
-                                      <m:t>𝑛</m:t>
-                                    </m:r>
-                                  </m:num>
-                                  <m:den>
-                                    <m:r>
-                                      <a:rPr lang="en-US" sz="1400" b="0" i="1" dirty="0" smtClean="0">
-                                        <a:latin typeface="Cambria Math" panose="02040503050406030204" pitchFamily="18" charset="0"/>
-                                      </a:rPr>
-                                      <m:t>32</m:t>
-                                    </m:r>
-                                  </m:den>
-                                </m:f>
-                              </m:oMath>
-                            </m:oMathPara>
-                          </a14:m>
-                          <a:endParaRPr lang="en-US" sz="1400" dirty="0"/>
-                        </a:p>
-                      </a:txBody>
-                      <a:tcPr/>
-                    </a:tc>
-                    <a:tc>
-                      <a:txBody>
-                        <a:bodyPr/>
-                        <a:lstStyle/>
-                        <a:p>
-                          <a:pPr algn="ctr"/>
-                          <a14:m>
-                            <m:oMathPara xmlns:m="http://schemas.openxmlformats.org/officeDocument/2006/math">
-                              <m:oMathParaPr>
-                                <m:jc m:val="centerGroup"/>
-                              </m:oMathParaPr>
-                              <m:oMath xmlns:m="http://schemas.openxmlformats.org/officeDocument/2006/math">
-                                <m:f>
-                                  <m:fPr>
-                                    <m:type m:val="skw"/>
-                                    <m:ctrlPr>
-                                      <a:rPr lang="en-US" sz="1400" i="1" smtClean="0">
-                                        <a:latin typeface="Cambria Math" panose="02040503050406030204" pitchFamily="18" charset="0"/>
-                                      </a:rPr>
-                                    </m:ctrlPr>
-                                  </m:fPr>
-                                  <m:num>
-                                    <m:r>
-                                      <a:rPr lang="en-US" sz="1400" b="0" i="1" smtClean="0">
-                                        <a:latin typeface="Cambria Math" panose="02040503050406030204" pitchFamily="18" charset="0"/>
-                                      </a:rPr>
-                                      <m:t>𝑛</m:t>
-                                    </m:r>
-                                  </m:num>
-                                  <m:den>
-                                    <m:r>
-                                      <a:rPr lang="en-US" sz="1400" b="0" i="1" smtClean="0">
-                                        <a:latin typeface="Cambria Math" panose="02040503050406030204" pitchFamily="18" charset="0"/>
-                                      </a:rPr>
-                                      <m:t>32</m:t>
-                                    </m:r>
-                                  </m:den>
-                                </m:f>
-                              </m:oMath>
-                            </m:oMathPara>
-                          </a14:m>
-                          <a:endParaRPr lang="en-US" sz="1400" dirty="0"/>
-                        </a:p>
-                      </a:txBody>
-                      <a:tcPr/>
-                    </a:tc>
-                    <a:extLst>
-                      <a:ext uri="{0D108BD9-81ED-4DB2-BD59-A6C34878D82A}">
-                        <a16:rowId xmlns:a16="http://schemas.microsoft.com/office/drawing/2014/main" val="266417292"/>
-                      </a:ext>
-                    </a:extLst>
-                  </a:tr>
-                  <a:tr h="309579">
-                    <a:tc>
-                      <a:txBody>
-                        <a:bodyPr/>
-                        <a:lstStyle/>
-                        <a:p>
-                          <a:pPr algn="ctr"/>
-                          <a:r>
-                            <a:rPr lang="en-US" sz="1400" dirty="0" err="1"/>
-                            <a:t>toeplitzByVec</a:t>
-                          </a:r>
-                          <a:r>
-                            <a:rPr lang="en-US" sz="1400" dirty="0"/>
-                            <a:t>()</a:t>
-                          </a:r>
-                        </a:p>
-                      </a:txBody>
-                      <a:tcPr/>
-                    </a:tc>
-                    <a:tc>
-                      <a:txBody>
-                        <a:bodyPr/>
-                        <a:lstStyle/>
-                        <a:p>
-                          <a:pPr algn="ctr"/>
-                          <a:r>
-                            <a:rPr lang="en-US" sz="1400" dirty="0"/>
-                            <a:t>1</a:t>
-                          </a:r>
-                        </a:p>
-                      </a:txBody>
-                      <a:tcPr/>
-                    </a:tc>
-                    <a:tc>
-                      <a:txBody>
-                        <a:bodyPr/>
-                        <a:lstStyle/>
-                        <a:p>
-                          <a:pPr algn="ctr"/>
-                          <a14:m>
-                            <m:oMathPara xmlns:m="http://schemas.openxmlformats.org/officeDocument/2006/math">
-                              <m:oMathParaPr>
-                                <m:jc m:val="centerGroup"/>
-                              </m:oMathParaPr>
-                              <m:oMath xmlns:m="http://schemas.openxmlformats.org/officeDocument/2006/math">
-                                <m:r>
-                                  <a:rPr lang="en-US" sz="1400" b="0" i="1" smtClean="0">
-                                    <a:latin typeface="Cambria Math" panose="02040503050406030204" pitchFamily="18" charset="0"/>
-                                  </a:rPr>
-                                  <m:t>25</m:t>
-                                </m:r>
-                                <m:r>
-                                  <a:rPr lang="en-US" sz="1400" b="0" i="1" smtClean="0">
-                                    <a:latin typeface="Cambria Math" panose="02040503050406030204" pitchFamily="18" charset="0"/>
-                                  </a:rPr>
-                                  <m:t>𝑛</m:t>
-                                </m:r>
-                              </m:oMath>
-                            </m:oMathPara>
-                          </a14:m>
-                          <a:endParaRPr lang="en-US" sz="1400" dirty="0"/>
-                        </a:p>
-                      </a:txBody>
-                      <a:tcPr/>
-                    </a:tc>
-                    <a:tc>
-                      <a:txBody>
-                        <a:bodyPr/>
-                        <a:lstStyle/>
-                        <a:p>
-                          <a:pPr algn="ctr"/>
-                          <a14:m>
-                            <m:oMathPara xmlns:m="http://schemas.openxmlformats.org/officeDocument/2006/math">
-                              <m:oMathParaPr>
-                                <m:jc m:val="centerGroup"/>
-                              </m:oMathParaPr>
-                              <m:oMath xmlns:m="http://schemas.openxmlformats.org/officeDocument/2006/math">
-                                <m:r>
-                                  <a:rPr lang="en-US" sz="1400" b="0" i="1" smtClean="0">
-                                    <a:latin typeface="Cambria Math" panose="02040503050406030204" pitchFamily="18" charset="0"/>
-                                  </a:rPr>
-                                  <m:t>25</m:t>
-                                </m:r>
-                                <m:r>
-                                  <a:rPr lang="en-US" sz="1400" b="0" i="1" smtClean="0">
-                                    <a:latin typeface="Cambria Math" panose="02040503050406030204" pitchFamily="18" charset="0"/>
-                                  </a:rPr>
-                                  <m:t>𝑛</m:t>
-                                </m:r>
-                              </m:oMath>
-                            </m:oMathPara>
-                          </a14:m>
-                          <a:endParaRPr lang="en-US" sz="1400" dirty="0"/>
-                        </a:p>
-                      </a:txBody>
-                      <a:tcPr/>
-                    </a:tc>
-                    <a:extLst>
-                      <a:ext uri="{0D108BD9-81ED-4DB2-BD59-A6C34878D82A}">
-                        <a16:rowId xmlns:a16="http://schemas.microsoft.com/office/drawing/2014/main" val="2998986514"/>
-                      </a:ext>
-                    </a:extLst>
-                  </a:tr>
-                  <a:tr h="340537">
-                    <a:tc>
-                      <a:txBody>
-                        <a:bodyPr/>
-                        <a:lstStyle/>
-                        <a:p>
-                          <a:pPr algn="ctr"/>
-                          <a:r>
-                            <a:rPr lang="en-US" sz="1400" dirty="0">
-                              <a:solidFill>
-                                <a:srgbClr val="FF0000"/>
-                              </a:solidFill>
-                            </a:rPr>
-                            <a:t>mux</a:t>
-                          </a:r>
-                        </a:p>
-                      </a:txBody>
-                      <a:tcPr/>
-                    </a:tc>
-                    <a:tc>
-                      <a:txBody>
-                        <a:bodyPr/>
-                        <a:lstStyle/>
-                        <a:p>
-                          <a:pPr algn="ctr"/>
-                          <a:r>
-                            <a:rPr lang="en-US" sz="1400" dirty="0"/>
-                            <a:t>1</a:t>
-                          </a:r>
-                        </a:p>
-                      </a:txBody>
-                      <a:tcPr/>
-                    </a:tc>
-                    <a:tc>
-                      <a:txBody>
-                        <a:bodyPr/>
-                        <a:lstStyle/>
-                        <a:p>
-                          <a:pPr algn="ctr"/>
-                          <a14:m>
-                            <m:oMathPara xmlns:m="http://schemas.openxmlformats.org/officeDocument/2006/math">
-                              <m:oMathParaPr>
-                                <m:jc m:val="centerGroup"/>
-                              </m:oMathParaPr>
-                              <m:oMath xmlns:m="http://schemas.openxmlformats.org/officeDocument/2006/math">
-                                <m:f>
-                                  <m:fPr>
-                                    <m:type m:val="skw"/>
-                                    <m:ctrlPr>
-                                      <a:rPr lang="en-US" sz="1400" i="1" smtClean="0">
-                                        <a:latin typeface="Cambria Math" panose="02040503050406030204" pitchFamily="18" charset="0"/>
-                                      </a:rPr>
-                                    </m:ctrlPr>
-                                  </m:fPr>
-                                  <m:num>
-                                    <m:r>
-                                      <a:rPr lang="en-US" sz="1400" b="0" i="1" smtClean="0">
-                                        <a:latin typeface="Cambria Math" panose="02040503050406030204" pitchFamily="18" charset="0"/>
-                                      </a:rPr>
-                                      <m:t>𝑛</m:t>
-                                    </m:r>
-                                  </m:num>
-                                  <m:den>
-                                    <m:r>
-                                      <a:rPr lang="en-US" sz="1400" b="0" i="1" smtClean="0">
-                                        <a:latin typeface="Cambria Math" panose="02040503050406030204" pitchFamily="18" charset="0"/>
-                                      </a:rPr>
-                                      <m:t>32</m:t>
-                                    </m:r>
-                                  </m:den>
-                                </m:f>
-                              </m:oMath>
-                            </m:oMathPara>
-                          </a14:m>
-                          <a:endParaRPr lang="en-US" sz="1400" dirty="0"/>
-                        </a:p>
-                      </a:txBody>
-                      <a:tcPr/>
-                    </a:tc>
-                    <a:tc>
-                      <a:txBody>
-                        <a:bodyPr/>
-                        <a:lstStyle/>
-                        <a:p>
-                          <a:pPr algn="ctr"/>
-                          <a14:m>
-                            <m:oMathPara xmlns:m="http://schemas.openxmlformats.org/officeDocument/2006/math">
-                              <m:oMathParaPr>
-                                <m:jc m:val="centerGroup"/>
-                              </m:oMathParaPr>
-                              <m:oMath xmlns:m="http://schemas.openxmlformats.org/officeDocument/2006/math">
-                                <m:f>
-                                  <m:fPr>
-                                    <m:type m:val="skw"/>
-                                    <m:ctrlPr>
-                                      <a:rPr lang="en-US" sz="1400" i="1" smtClean="0">
-                                        <a:latin typeface="Cambria Math" panose="02040503050406030204" pitchFamily="18" charset="0"/>
-                                      </a:rPr>
-                                    </m:ctrlPr>
-                                  </m:fPr>
-                                  <m:num>
-                                    <m:r>
-                                      <a:rPr lang="en-US" sz="1400" b="0" i="1" smtClean="0">
-                                        <a:latin typeface="Cambria Math" panose="02040503050406030204" pitchFamily="18" charset="0"/>
-                                      </a:rPr>
-                                      <m:t>𝑛</m:t>
-                                    </m:r>
-                                  </m:num>
-                                  <m:den>
-                                    <m:r>
-                                      <a:rPr lang="en-US" sz="1400" b="0" i="1" smtClean="0">
-                                        <a:latin typeface="Cambria Math" panose="02040503050406030204" pitchFamily="18" charset="0"/>
-                                      </a:rPr>
-                                      <m:t>32</m:t>
-                                    </m:r>
-                                  </m:den>
-                                </m:f>
-                              </m:oMath>
-                            </m:oMathPara>
-                          </a14:m>
-                          <a:endParaRPr lang="en-US" sz="1400" dirty="0"/>
-                        </a:p>
-                      </a:txBody>
-                      <a:tcPr/>
-                    </a:tc>
-                    <a:extLst>
-                      <a:ext uri="{0D108BD9-81ED-4DB2-BD59-A6C34878D82A}">
-                        <a16:rowId xmlns:a16="http://schemas.microsoft.com/office/drawing/2014/main" val="394972434"/>
-                      </a:ext>
-                    </a:extLst>
-                  </a:tr>
-                  <a:tr h="340537">
-                    <a:tc>
-                      <a:txBody>
-                        <a:bodyPr/>
-                        <a:lstStyle/>
-                        <a:p>
-                          <a:pPr algn="ctr"/>
-                          <a:r>
-                            <a:rPr lang="en-US" sz="1400" dirty="0">
-                              <a:solidFill>
-                                <a:srgbClr val="FF0000"/>
-                              </a:solidFill>
-                            </a:rPr>
-                            <a:t>set()-256 times</a:t>
-                          </a:r>
-                        </a:p>
-                      </a:txBody>
-                      <a:tcPr/>
-                    </a:tc>
-                    <a:tc>
-                      <a:txBody>
-                        <a:bodyPr/>
-                        <a:lstStyle/>
-                        <a:p>
-                          <a:pPr algn="ctr"/>
-                          <a:r>
-                            <a:rPr lang="en-US" sz="1400" dirty="0"/>
-                            <a:t>2</a:t>
-                          </a:r>
-                        </a:p>
-                      </a:txBody>
-                      <a:tcPr/>
-                    </a:tc>
-                    <a:tc>
-                      <a:txBody>
-                        <a:bodyPr/>
-                        <a:lstStyle/>
-                        <a:p>
-                          <a:pPr algn="ctr"/>
-                          <a:r>
-                            <a:rPr lang="en-US" sz="1400" dirty="0"/>
-                            <a:t>8n</a:t>
-                          </a:r>
-                        </a:p>
-                      </a:txBody>
-                      <a:tcPr/>
-                    </a:tc>
-                    <a:tc>
-                      <a:txBody>
-                        <a:bodyPr/>
-                        <a:lstStyle/>
-                        <a:p>
-                          <a:pPr algn="ctr"/>
-                          <a:r>
-                            <a:rPr lang="en-US" sz="1400" dirty="0"/>
-                            <a:t>16n</a:t>
-                          </a:r>
-                        </a:p>
-                      </a:txBody>
-                      <a:tcPr/>
-                    </a:tc>
-                    <a:extLst>
-                      <a:ext uri="{0D108BD9-81ED-4DB2-BD59-A6C34878D82A}">
-                        <a16:rowId xmlns:a16="http://schemas.microsoft.com/office/drawing/2014/main" val="846408069"/>
-                      </a:ext>
-                    </a:extLst>
-                  </a:tr>
-                  <a:tr h="340537">
-                    <a:tc>
-                      <a:txBody>
-                        <a:bodyPr/>
-                        <a:lstStyle/>
-                        <a:p>
-                          <a:pPr algn="ctr"/>
-                          <a:r>
-                            <a:rPr lang="en-US" sz="1400" dirty="0" err="1">
-                              <a:solidFill>
-                                <a:srgbClr val="FF0000"/>
-                              </a:solidFill>
-                            </a:rPr>
-                            <a:t>reformat_input</a:t>
-                          </a:r>
-                          <a:endParaRPr lang="en-US" sz="1400" dirty="0">
-                            <a:solidFill>
-                              <a:srgbClr val="FF0000"/>
-                            </a:solidFill>
-                          </a:endParaRPr>
-                        </a:p>
-                      </a:txBody>
-                      <a:tcPr/>
-                    </a:tc>
-                    <a:tc>
-                      <a:txBody>
-                        <a:bodyPr/>
-                        <a:lstStyle/>
-                        <a:p>
-                          <a:pPr algn="ctr"/>
-                          <a:r>
-                            <a:rPr lang="en-US" sz="1400" dirty="0"/>
-                            <a:t>2</a:t>
-                          </a:r>
-                        </a:p>
-                      </a:txBody>
-                      <a:tcPr/>
-                    </a:tc>
-                    <a:tc>
-                      <a:txBody>
-                        <a:bodyPr/>
-                        <a:lstStyle/>
-                        <a:p>
-                          <a:pPr algn="ctr"/>
-                          <a:r>
-                            <a:rPr lang="en-US" sz="1400" dirty="0"/>
-                            <a:t>n</a:t>
-                          </a:r>
-                        </a:p>
-                      </a:txBody>
-                      <a:tcPr/>
-                    </a:tc>
-                    <a:tc>
-                      <a:txBody>
-                        <a:bodyPr/>
-                        <a:lstStyle/>
-                        <a:p>
-                          <a:pPr algn="ctr"/>
-                          <a:r>
-                            <a:rPr lang="en-US" sz="1400" dirty="0"/>
-                            <a:t>2n</a:t>
-                          </a:r>
-                        </a:p>
-                      </a:txBody>
-                      <a:tcPr/>
-                    </a:tc>
-                    <a:extLst>
-                      <a:ext uri="{0D108BD9-81ED-4DB2-BD59-A6C34878D82A}">
-                        <a16:rowId xmlns:a16="http://schemas.microsoft.com/office/drawing/2014/main" val="3752129297"/>
-                      </a:ext>
-                    </a:extLst>
-                  </a:tr>
-                  <a:tr h="340537">
-                    <a:tc>
-                      <a:txBody>
-                        <a:bodyPr/>
-                        <a:lstStyle/>
-                        <a:p>
-                          <a:pPr algn="ctr"/>
-                          <a:r>
-                            <a:rPr lang="en-US" sz="1400" dirty="0" err="1">
-                              <a:solidFill>
-                                <a:srgbClr val="FF0000"/>
-                              </a:solidFill>
-                            </a:rPr>
-                            <a:t>uselookup</a:t>
-                          </a:r>
-                          <a:endParaRPr lang="en-US" sz="1400" dirty="0">
-                            <a:solidFill>
-                              <a:srgbClr val="FF0000"/>
-                            </a:solidFill>
-                          </a:endParaRPr>
-                        </a:p>
-                      </a:txBody>
-                      <a:tcPr/>
-                    </a:tc>
-                    <a:tc>
-                      <a:txBody>
-                        <a:bodyPr/>
-                        <a:lstStyle/>
-                        <a:p>
-                          <a:pPr algn="ctr"/>
-                          <a:r>
-                            <a:rPr lang="en-US" sz="1400" dirty="0"/>
-                            <a:t>2</a:t>
-                          </a:r>
-                        </a:p>
-                      </a:txBody>
-                      <a:tcPr/>
-                    </a:tc>
-                    <a:tc>
-                      <a:txBody>
-                        <a:bodyPr/>
-                        <a:lstStyle/>
-                        <a:p>
-                          <a:pPr algn="ctr"/>
-                          <a:r>
-                            <a:rPr lang="en-US" sz="1400" dirty="0"/>
-                            <a:t>-</a:t>
-                          </a:r>
-                        </a:p>
-                      </a:txBody>
-                      <a:tcPr/>
-                    </a:tc>
-                    <a:tc>
-                      <a:txBody>
-                        <a:bodyPr/>
-                        <a:lstStyle/>
-                        <a:p>
-                          <a:pPr algn="ctr"/>
-                          <a:r>
-                            <a:rPr lang="en-US" sz="1400" dirty="0"/>
-                            <a:t>-</a:t>
-                          </a:r>
-                        </a:p>
-                      </a:txBody>
-                      <a:tcPr/>
-                    </a:tc>
-                    <a:extLst>
-                      <a:ext uri="{0D108BD9-81ED-4DB2-BD59-A6C34878D82A}">
-                        <a16:rowId xmlns:a16="http://schemas.microsoft.com/office/drawing/2014/main" val="954751133"/>
-                      </a:ext>
-                    </a:extLst>
-                  </a:tr>
-                  <a:tr h="340537">
-                    <a:tc>
-                      <a:txBody>
-                        <a:bodyPr/>
-                        <a:lstStyle/>
-                        <a:p>
-                          <a:pPr algn="ctr"/>
-                          <a:r>
-                            <a:rPr lang="en-US" sz="1400" dirty="0">
-                              <a:solidFill>
-                                <a:srgbClr val="FF0000"/>
-                              </a:solidFill>
-                            </a:rPr>
-                            <a:t>subtract</a:t>
-                          </a:r>
-                        </a:p>
-                      </a:txBody>
-                      <a:tcPr/>
-                    </a:tc>
-                    <a:tc>
-                      <a:txBody>
-                        <a:bodyPr/>
-                        <a:lstStyle/>
-                        <a:p>
-                          <a:pPr algn="ctr"/>
-                          <a:r>
-                            <a:rPr lang="en-US" sz="1400" dirty="0"/>
-                            <a:t>2</a:t>
-                          </a:r>
-                        </a:p>
-                      </a:txBody>
-                      <a:tcPr/>
-                    </a:tc>
-                    <a:tc>
-                      <a:txBody>
-                        <a:bodyPr/>
-                        <a:lstStyle/>
-                        <a:p>
-                          <a:pPr algn="ctr"/>
-                          <a14:m>
-                            <m:oMathPara xmlns:m="http://schemas.openxmlformats.org/officeDocument/2006/math">
-                              <m:oMathParaPr>
-                                <m:jc m:val="centerGroup"/>
-                              </m:oMathParaPr>
-                              <m:oMath xmlns:m="http://schemas.openxmlformats.org/officeDocument/2006/math">
-                                <m:f>
-                                  <m:fPr>
-                                    <m:type m:val="skw"/>
-                                    <m:ctrlPr>
-                                      <a:rPr lang="en-US" sz="1400" i="1" smtClean="0">
-                                        <a:latin typeface="Cambria Math" panose="02040503050406030204" pitchFamily="18" charset="0"/>
-                                      </a:rPr>
-                                    </m:ctrlPr>
-                                  </m:fPr>
-                                  <m:num>
-                                    <m:r>
-                                      <a:rPr lang="en-US" sz="1400" b="0" i="1" smtClean="0">
-                                        <a:latin typeface="Cambria Math" panose="02040503050406030204" pitchFamily="18" charset="0"/>
-                                      </a:rPr>
-                                      <m:t>𝑛</m:t>
-                                    </m:r>
-                                  </m:num>
-                                  <m:den>
-                                    <m:r>
-                                      <a:rPr lang="en-US" sz="1400" b="0" i="1" smtClean="0">
-                                        <a:latin typeface="Cambria Math" panose="02040503050406030204" pitchFamily="18" charset="0"/>
-                                      </a:rPr>
-                                      <m:t>8</m:t>
-                                    </m:r>
-                                  </m:den>
-                                </m:f>
-                              </m:oMath>
-                            </m:oMathPara>
-                          </a14:m>
-                          <a:endParaRPr lang="en-US" sz="1400" dirty="0"/>
-                        </a:p>
-                      </a:txBody>
-                      <a:tcPr/>
-                    </a:tc>
-                    <a:tc>
-                      <a:txBody>
-                        <a:bodyPr/>
-                        <a:lstStyle/>
-                        <a:p>
-                          <a:pPr algn="ctr"/>
-                          <a14:m>
-                            <m:oMathPara xmlns:m="http://schemas.openxmlformats.org/officeDocument/2006/math">
-                              <m:oMathParaPr>
-                                <m:jc m:val="centerGroup"/>
-                              </m:oMathParaPr>
-                              <m:oMath xmlns:m="http://schemas.openxmlformats.org/officeDocument/2006/math">
-                                <m:f>
-                                  <m:fPr>
-                                    <m:type m:val="skw"/>
-                                    <m:ctrlPr>
-                                      <a:rPr lang="en-US" sz="1400" i="1" dirty="0" smtClean="0">
-                                        <a:latin typeface="Cambria Math" panose="02040503050406030204" pitchFamily="18" charset="0"/>
-                                      </a:rPr>
-                                    </m:ctrlPr>
-                                  </m:fPr>
-                                  <m:num>
-                                    <m:r>
-                                      <a:rPr lang="en-US" sz="1400" b="0" i="1" dirty="0" smtClean="0">
-                                        <a:latin typeface="Cambria Math" panose="02040503050406030204" pitchFamily="18" charset="0"/>
-                                      </a:rPr>
-                                      <m:t>𝑛</m:t>
-                                    </m:r>
-                                  </m:num>
-                                  <m:den>
-                                    <m:r>
-                                      <a:rPr lang="en-US" sz="1400" b="0" i="1" dirty="0" smtClean="0">
-                                        <a:latin typeface="Cambria Math" panose="02040503050406030204" pitchFamily="18" charset="0"/>
-                                      </a:rPr>
-                                      <m:t>4</m:t>
-                                    </m:r>
-                                  </m:den>
-                                </m:f>
-                              </m:oMath>
-                            </m:oMathPara>
-                          </a14:m>
-                          <a:endParaRPr lang="en-US" sz="1400" dirty="0"/>
-                        </a:p>
-                      </a:txBody>
-                      <a:tcPr/>
-                    </a:tc>
-                    <a:extLst>
-                      <a:ext uri="{0D108BD9-81ED-4DB2-BD59-A6C34878D82A}">
-                        <a16:rowId xmlns:a16="http://schemas.microsoft.com/office/drawing/2014/main" val="2799987271"/>
-                      </a:ext>
-                    </a:extLst>
-                  </a:tr>
-                  <a:tr h="309579">
-                    <a:tc>
-                      <a:txBody>
-                        <a:bodyPr/>
-                        <a:lstStyle/>
-                        <a:p>
-                          <a:pPr algn="ctr"/>
-                          <a:r>
-                            <a:rPr lang="en-US" sz="1400" dirty="0"/>
-                            <a:t>Total</a:t>
-                          </a:r>
-                        </a:p>
-                      </a:txBody>
-                      <a:tcPr>
-                        <a:lnB w="12700" cap="flat" cmpd="sng" algn="ctr">
-                          <a:solidFill>
-                            <a:schemeClr val="tx1"/>
-                          </a:solidFill>
-                          <a:prstDash val="solid"/>
-                          <a:round/>
-                          <a:headEnd type="none" w="med" len="med"/>
-                          <a:tailEnd type="none" w="med" len="med"/>
-                        </a:lnB>
-                      </a:tcPr>
-                    </a:tc>
-                    <a:tc>
-                      <a:txBody>
-                        <a:bodyPr/>
-                        <a:lstStyle/>
-                        <a:p>
-                          <a:pPr algn="ctr"/>
-                          <a:endParaRPr lang="en-US" sz="1400" dirty="0"/>
-                        </a:p>
-                      </a:txBody>
-                      <a:tcPr>
-                        <a:lnB w="12700" cap="flat" cmpd="sng" algn="ctr">
-                          <a:solidFill>
-                            <a:schemeClr val="tx1"/>
-                          </a:solidFill>
-                          <a:prstDash val="solid"/>
-                          <a:round/>
-                          <a:headEnd type="none" w="med" len="med"/>
-                          <a:tailEnd type="none" w="med" len="med"/>
-                        </a:lnB>
-                      </a:tcPr>
-                    </a:tc>
-                    <a:tc>
-                      <a:txBody>
-                        <a:bodyPr/>
-                        <a:lstStyle/>
-                        <a:p>
-                          <a:pPr algn="ctr"/>
-                          <a:endParaRPr lang="en-US" sz="1400" dirty="0"/>
-                        </a:p>
-                      </a:txBody>
-                      <a:tcPr/>
-                    </a:tc>
-                    <a:tc>
-                      <a:txBody>
-                        <a:bodyPr/>
-                        <a:lstStyle/>
-                        <a:p>
-                          <a:pPr algn="ctr"/>
-                          <a14:m>
-                            <m:oMathPara xmlns:m="http://schemas.openxmlformats.org/officeDocument/2006/math">
-                              <m:oMathParaPr>
-                                <m:jc m:val="centerGroup"/>
-                              </m:oMathParaPr>
-                              <m:oMath xmlns:m="http://schemas.openxmlformats.org/officeDocument/2006/math">
-                                <m:r>
-                                  <a:rPr lang="en-US" sz="1400" b="1" i="1" smtClean="0">
-                                    <a:latin typeface="Cambria Math" panose="02040503050406030204" pitchFamily="18" charset="0"/>
-                                  </a:rPr>
-                                  <m:t>~</m:t>
-                                </m:r>
-                                <m:r>
-                                  <a:rPr lang="en-US" sz="1400" b="1" i="1" smtClean="0">
-                                    <a:latin typeface="Cambria Math" panose="02040503050406030204" pitchFamily="18" charset="0"/>
-                                  </a:rPr>
-                                  <m:t>𝟒𝟑</m:t>
-                                </m:r>
-                                <m:r>
-                                  <a:rPr lang="en-US" sz="1400" b="1" i="1" smtClean="0">
-                                    <a:latin typeface="Cambria Math" panose="02040503050406030204" pitchFamily="18" charset="0"/>
-                                  </a:rPr>
-                                  <m:t>.</m:t>
-                                </m:r>
-                                <m:r>
-                                  <a:rPr lang="en-US" sz="1400" b="1" i="1" smtClean="0">
-                                    <a:latin typeface="Cambria Math" panose="02040503050406030204" pitchFamily="18" charset="0"/>
-                                  </a:rPr>
-                                  <m:t>𝟑𝟏</m:t>
-                                </m:r>
-                                <m:r>
-                                  <a:rPr lang="en-US" sz="1400" b="1" i="1" smtClean="0">
-                                    <a:latin typeface="Cambria Math" panose="02040503050406030204" pitchFamily="18" charset="0"/>
-                                  </a:rPr>
-                                  <m:t>𝒏</m:t>
-                                </m:r>
-                                <m:r>
-                                  <a:rPr lang="en-US" sz="1400" b="1" i="1" smtClean="0">
-                                    <a:latin typeface="Cambria Math" panose="02040503050406030204" pitchFamily="18" charset="0"/>
-                                  </a:rPr>
-                                  <m:t>=</m:t>
-                                </m:r>
-                                <m:r>
-                                  <a:rPr lang="en-US" sz="1400" b="1" i="1" smtClean="0">
-                                    <a:latin typeface="Cambria Math" panose="02040503050406030204" pitchFamily="18" charset="0"/>
-                                  </a:rPr>
-                                  <m:t>𝟏𝟏</m:t>
-                                </m:r>
-                                <m:r>
-                                  <a:rPr lang="en-US" sz="1400" b="1" i="1" smtClean="0">
-                                    <a:latin typeface="Cambria Math" panose="02040503050406030204" pitchFamily="18" charset="0"/>
-                                  </a:rPr>
-                                  <m:t>,</m:t>
-                                </m:r>
-                                <m:r>
-                                  <a:rPr lang="en-US" sz="1400" b="1" i="1" smtClean="0">
-                                    <a:latin typeface="Cambria Math" panose="02040503050406030204" pitchFamily="18" charset="0"/>
-                                  </a:rPr>
-                                  <m:t>𝟎𝟖𝟕</m:t>
-                                </m:r>
-                              </m:oMath>
-                            </m:oMathPara>
-                          </a14:m>
-                          <a:endParaRPr lang="en-US" sz="1400" b="1" dirty="0"/>
-                        </a:p>
-                      </a:txBody>
-                      <a:tcPr/>
-                    </a:tc>
-                    <a:extLst>
-                      <a:ext uri="{0D108BD9-81ED-4DB2-BD59-A6C34878D82A}">
-                        <a16:rowId xmlns:a16="http://schemas.microsoft.com/office/drawing/2014/main" val="915950187"/>
-                      </a:ext>
-                    </a:extLst>
-                  </a:tr>
-                </a:tbl>
-              </a:graphicData>
-            </a:graphic>
-          </p:graphicFrame>
-        </mc:Choice>
-        <mc:Fallback xmlns="">
-          <p:graphicFrame>
-            <p:nvGraphicFramePr>
-              <p:cNvPr id="4" name="Table 3">
-                <a:extLst>
-                  <a:ext uri="{FF2B5EF4-FFF2-40B4-BE49-F238E27FC236}">
-                    <a16:creationId xmlns:a16="http://schemas.microsoft.com/office/drawing/2014/main" id="{BE6252AE-2768-D543-985D-B39C0583CC8B}"/>
-                  </a:ext>
-                </a:extLst>
-              </p:cNvPr>
-              <p:cNvGraphicFramePr>
-                <a:graphicFrameLocks noGrp="1"/>
-              </p:cNvGraphicFramePr>
-              <p:nvPr>
-                <p:extLst>
-                  <p:ext uri="{D42A27DB-BD31-4B8C-83A1-F6EECF244321}">
-                    <p14:modId xmlns:p14="http://schemas.microsoft.com/office/powerpoint/2010/main" val="1494814224"/>
-                  </p:ext>
-                </p:extLst>
-              </p:nvPr>
-            </p:nvGraphicFramePr>
-            <p:xfrm>
-              <a:off x="1405052" y="2996504"/>
-              <a:ext cx="8441476" cy="3315334"/>
-            </p:xfrm>
-            <a:graphic>
-              <a:graphicData uri="http://schemas.openxmlformats.org/drawingml/2006/table">
-                <a:tbl>
-                  <a:tblPr firstRow="1" bandRow="1">
-                    <a:tableStyleId>{5940675A-B579-460E-94D1-54222C63F5DA}</a:tableStyleId>
-                  </a:tblPr>
-                  <a:tblGrid>
-                    <a:gridCol w="2110369">
-                      <a:extLst>
-                        <a:ext uri="{9D8B030D-6E8A-4147-A177-3AD203B41FA5}">
-                          <a16:colId xmlns:a16="http://schemas.microsoft.com/office/drawing/2014/main" val="3913328905"/>
-                        </a:ext>
-                      </a:extLst>
-                    </a:gridCol>
-                    <a:gridCol w="2110369">
-                      <a:extLst>
-                        <a:ext uri="{9D8B030D-6E8A-4147-A177-3AD203B41FA5}">
-                          <a16:colId xmlns:a16="http://schemas.microsoft.com/office/drawing/2014/main" val="2780235502"/>
-                        </a:ext>
-                      </a:extLst>
-                    </a:gridCol>
-                    <a:gridCol w="2110369">
-                      <a:extLst>
-                        <a:ext uri="{9D8B030D-6E8A-4147-A177-3AD203B41FA5}">
-                          <a16:colId xmlns:a16="http://schemas.microsoft.com/office/drawing/2014/main" val="3033617068"/>
-                        </a:ext>
-                      </a:extLst>
-                    </a:gridCol>
-                    <a:gridCol w="2110369">
-                      <a:extLst>
-                        <a:ext uri="{9D8B030D-6E8A-4147-A177-3AD203B41FA5}">
-                          <a16:colId xmlns:a16="http://schemas.microsoft.com/office/drawing/2014/main" val="2426406902"/>
-                        </a:ext>
-                      </a:extLst>
-                    </a:gridCol>
-                  </a:tblGrid>
-                  <a:tr h="309579">
-                    <a:tc>
-                      <a:txBody>
-                        <a:bodyPr/>
-                        <a:lstStyle/>
-                        <a:p>
-                          <a:pPr algn="ctr"/>
-                          <a:r>
-                            <a:rPr lang="en-US" sz="1400" b="1" dirty="0"/>
-                            <a:t>Methods</a:t>
-                          </a:r>
-                        </a:p>
-                      </a:txBody>
-                      <a:tcPr/>
-                    </a:tc>
-                    <a:tc>
-                      <a:txBody>
-                        <a:bodyPr/>
-                        <a:lstStyle/>
-                        <a:p>
-                          <a:pPr algn="ctr"/>
-                          <a:r>
-                            <a:rPr lang="en-US" sz="1400" b="1" dirty="0" err="1"/>
-                            <a:t>No.of</a:t>
-                          </a:r>
-                          <a:r>
-                            <a:rPr lang="en-US" sz="1400" b="1" dirty="0"/>
-                            <a:t> times</a:t>
-                          </a:r>
-                        </a:p>
-                      </a:txBody>
-                      <a:tcPr/>
-                    </a:tc>
-                    <a:tc>
-                      <a:txBody>
-                        <a:bodyPr/>
-                        <a:lstStyle/>
-                        <a:p>
-                          <a:pPr algn="ctr"/>
-                          <a:r>
-                            <a:rPr lang="en-US" sz="1400" b="1" dirty="0"/>
-                            <a:t>Cost for each call</a:t>
-                          </a:r>
-                        </a:p>
-                      </a:txBody>
-                      <a:tcPr/>
-                    </a:tc>
-                    <a:tc>
-                      <a:txBody>
-                        <a:bodyPr/>
-                        <a:lstStyle/>
-                        <a:p>
-                          <a:pPr algn="ctr"/>
-                          <a:r>
-                            <a:rPr lang="en-US" sz="1400" b="1" dirty="0"/>
-                            <a:t>Total call</a:t>
-                          </a:r>
-                        </a:p>
-                      </a:txBody>
-                      <a:tcPr/>
-                    </a:tc>
-                    <a:extLst>
-                      <a:ext uri="{0D108BD9-81ED-4DB2-BD59-A6C34878D82A}">
-                        <a16:rowId xmlns:a16="http://schemas.microsoft.com/office/drawing/2014/main" val="2412432484"/>
-                      </a:ext>
-                    </a:extLst>
-                  </a:tr>
-                  <a:tr h="341956">
-                    <a:tc>
-                      <a:txBody>
-                        <a:bodyPr/>
-                        <a:lstStyle/>
-                        <a:p>
-                          <a:pPr algn="ctr"/>
-                          <a:r>
-                            <a:rPr lang="en-US" sz="1400" dirty="0"/>
-                            <a:t>add()/^=</a:t>
-                          </a:r>
-                        </a:p>
-                      </a:txBody>
-                      <a:tcPr/>
-                    </a:tc>
-                    <a:tc>
-                      <a:txBody>
-                        <a:bodyPr/>
-                        <a:lstStyle/>
-                        <a:p>
-                          <a:pPr algn="ctr"/>
-                          <a:r>
-                            <a:rPr lang="en-US" sz="1400" dirty="0"/>
-                            <a:t>5</a:t>
-                          </a:r>
-                        </a:p>
-                      </a:txBody>
-                      <a:tcPr/>
-                    </a:tc>
-                    <a:tc>
-                      <a:txBody>
-                        <a:bodyPr/>
-                        <a:lstStyle/>
-                        <a:p>
-                          <a:endParaRPr lang="en-US"/>
-                        </a:p>
-                      </a:txBody>
-                      <a:tcPr>
-                        <a:blipFill>
-                          <a:blip r:embed="rId2"/>
-                          <a:stretch>
-                            <a:fillRect l="-200000" t="-122222" r="-100000" b="-885185"/>
-                          </a:stretch>
-                        </a:blipFill>
-                      </a:tcPr>
-                    </a:tc>
-                    <a:tc>
-                      <a:txBody>
-                        <a:bodyPr/>
-                        <a:lstStyle/>
-                        <a:p>
-                          <a:endParaRPr lang="en-US"/>
-                        </a:p>
-                      </a:txBody>
-                      <a:tcPr>
-                        <a:blipFill>
-                          <a:blip r:embed="rId2"/>
-                          <a:stretch>
-                            <a:fillRect l="-301807" t="-122222" r="-602" b="-885185"/>
-                          </a:stretch>
-                        </a:blipFill>
-                      </a:tcPr>
-                    </a:tc>
-                    <a:extLst>
-                      <a:ext uri="{0D108BD9-81ED-4DB2-BD59-A6C34878D82A}">
-                        <a16:rowId xmlns:a16="http://schemas.microsoft.com/office/drawing/2014/main" val="4238301737"/>
-                      </a:ext>
-                    </a:extLst>
-                  </a:tr>
-                  <a:tr h="341956">
-                    <a:tc>
-                      <a:txBody>
-                        <a:bodyPr/>
-                        <a:lstStyle/>
-                        <a:p>
-                          <a:pPr algn="ctr"/>
-                          <a:r>
-                            <a:rPr lang="en-US" sz="1400" dirty="0"/>
-                            <a:t>^(XOR)</a:t>
-                          </a:r>
-                        </a:p>
-                      </a:txBody>
-                      <a:tcPr/>
-                    </a:tc>
-                    <a:tc>
-                      <a:txBody>
-                        <a:bodyPr/>
-                        <a:lstStyle/>
-                        <a:p>
-                          <a:pPr algn="ctr"/>
-                          <a:r>
-                            <a:rPr lang="en-US" sz="1400" dirty="0"/>
-                            <a:t>1</a:t>
-                          </a:r>
-                        </a:p>
-                      </a:txBody>
-                      <a:tcPr/>
-                    </a:tc>
-                    <a:tc>
-                      <a:txBody>
-                        <a:bodyPr/>
-                        <a:lstStyle/>
-                        <a:p>
-                          <a:endParaRPr lang="en-US"/>
-                        </a:p>
-                      </a:txBody>
-                      <a:tcPr>
-                        <a:blipFill>
-                          <a:blip r:embed="rId2"/>
-                          <a:stretch>
-                            <a:fillRect l="-200000" t="-214286" r="-100000" b="-753571"/>
-                          </a:stretch>
-                        </a:blipFill>
-                      </a:tcPr>
-                    </a:tc>
-                    <a:tc>
-                      <a:txBody>
-                        <a:bodyPr/>
-                        <a:lstStyle/>
-                        <a:p>
-                          <a:endParaRPr lang="en-US"/>
-                        </a:p>
-                      </a:txBody>
-                      <a:tcPr>
-                        <a:blipFill>
-                          <a:blip r:embed="rId2"/>
-                          <a:stretch>
-                            <a:fillRect l="-301807" t="-214286" r="-602" b="-753571"/>
-                          </a:stretch>
-                        </a:blipFill>
-                      </a:tcPr>
-                    </a:tc>
-                    <a:extLst>
-                      <a:ext uri="{0D108BD9-81ED-4DB2-BD59-A6C34878D82A}">
-                        <a16:rowId xmlns:a16="http://schemas.microsoft.com/office/drawing/2014/main" val="266417292"/>
-                      </a:ext>
-                    </a:extLst>
-                  </a:tr>
-                  <a:tr h="309579">
-                    <a:tc>
-                      <a:txBody>
-                        <a:bodyPr/>
-                        <a:lstStyle/>
-                        <a:p>
-                          <a:pPr algn="ctr"/>
-                          <a:r>
-                            <a:rPr lang="en-US" sz="1400" dirty="0" err="1"/>
-                            <a:t>toeplitzByVec</a:t>
-                          </a:r>
-                          <a:r>
-                            <a:rPr lang="en-US" sz="1400" dirty="0"/>
-                            <a:t>()</a:t>
-                          </a:r>
-                        </a:p>
-                      </a:txBody>
-                      <a:tcPr/>
-                    </a:tc>
-                    <a:tc>
-                      <a:txBody>
-                        <a:bodyPr/>
-                        <a:lstStyle/>
-                        <a:p>
-                          <a:pPr algn="ctr"/>
-                          <a:r>
-                            <a:rPr lang="en-US" sz="1400" dirty="0"/>
-                            <a:t>1</a:t>
-                          </a:r>
-                        </a:p>
-                      </a:txBody>
-                      <a:tcPr/>
-                    </a:tc>
-                    <a:tc>
-                      <a:txBody>
-                        <a:bodyPr/>
-                        <a:lstStyle/>
-                        <a:p>
-                          <a:endParaRPr lang="en-US"/>
-                        </a:p>
-                      </a:txBody>
-                      <a:tcPr>
-                        <a:blipFill>
-                          <a:blip r:embed="rId2"/>
-                          <a:stretch>
-                            <a:fillRect l="-200000" t="-366667" r="-100000" b="-779167"/>
-                          </a:stretch>
-                        </a:blipFill>
-                      </a:tcPr>
-                    </a:tc>
-                    <a:tc>
-                      <a:txBody>
-                        <a:bodyPr/>
-                        <a:lstStyle/>
-                        <a:p>
-                          <a:endParaRPr lang="en-US"/>
-                        </a:p>
-                      </a:txBody>
-                      <a:tcPr>
-                        <a:blipFill>
-                          <a:blip r:embed="rId2"/>
-                          <a:stretch>
-                            <a:fillRect l="-301807" t="-366667" r="-602" b="-779167"/>
-                          </a:stretch>
-                        </a:blipFill>
-                      </a:tcPr>
-                    </a:tc>
-                    <a:extLst>
-                      <a:ext uri="{0D108BD9-81ED-4DB2-BD59-A6C34878D82A}">
-                        <a16:rowId xmlns:a16="http://schemas.microsoft.com/office/drawing/2014/main" val="2998986514"/>
-                      </a:ext>
-                    </a:extLst>
-                  </a:tr>
-                  <a:tr h="340537">
-                    <a:tc>
-                      <a:txBody>
-                        <a:bodyPr/>
-                        <a:lstStyle/>
-                        <a:p>
-                          <a:pPr algn="ctr"/>
-                          <a:r>
-                            <a:rPr lang="en-US" sz="1400" dirty="0">
-                              <a:solidFill>
-                                <a:srgbClr val="FF0000"/>
-                              </a:solidFill>
-                            </a:rPr>
-                            <a:t>mux</a:t>
-                          </a:r>
-                        </a:p>
-                      </a:txBody>
-                      <a:tcPr/>
-                    </a:tc>
-                    <a:tc>
-                      <a:txBody>
-                        <a:bodyPr/>
-                        <a:lstStyle/>
-                        <a:p>
-                          <a:pPr algn="ctr"/>
-                          <a:r>
-                            <a:rPr lang="en-US" sz="1400" dirty="0"/>
-                            <a:t>1</a:t>
-                          </a:r>
-                        </a:p>
-                      </a:txBody>
-                      <a:tcPr/>
-                    </a:tc>
-                    <a:tc>
-                      <a:txBody>
-                        <a:bodyPr/>
-                        <a:lstStyle/>
-                        <a:p>
-                          <a:endParaRPr lang="en-US"/>
-                        </a:p>
-                      </a:txBody>
-                      <a:tcPr>
-                        <a:blipFill>
-                          <a:blip r:embed="rId2"/>
-                          <a:stretch>
-                            <a:fillRect l="-200000" t="-414815" r="-100000" b="-592593"/>
-                          </a:stretch>
-                        </a:blipFill>
-                      </a:tcPr>
-                    </a:tc>
-                    <a:tc>
-                      <a:txBody>
-                        <a:bodyPr/>
-                        <a:lstStyle/>
-                        <a:p>
-                          <a:endParaRPr lang="en-US"/>
-                        </a:p>
-                      </a:txBody>
-                      <a:tcPr>
-                        <a:blipFill>
-                          <a:blip r:embed="rId2"/>
-                          <a:stretch>
-                            <a:fillRect l="-301807" t="-414815" r="-602" b="-592593"/>
-                          </a:stretch>
-                        </a:blipFill>
-                      </a:tcPr>
-                    </a:tc>
-                    <a:extLst>
-                      <a:ext uri="{0D108BD9-81ED-4DB2-BD59-A6C34878D82A}">
-                        <a16:rowId xmlns:a16="http://schemas.microsoft.com/office/drawing/2014/main" val="394972434"/>
-                      </a:ext>
-                    </a:extLst>
-                  </a:tr>
-                  <a:tr h="340537">
-                    <a:tc>
-                      <a:txBody>
-                        <a:bodyPr/>
-                        <a:lstStyle/>
-                        <a:p>
-                          <a:pPr algn="ctr"/>
-                          <a:r>
-                            <a:rPr lang="en-US" sz="1400" dirty="0">
-                              <a:solidFill>
-                                <a:srgbClr val="FF0000"/>
-                              </a:solidFill>
-                            </a:rPr>
-                            <a:t>set()-256 times</a:t>
-                          </a:r>
-                        </a:p>
-                      </a:txBody>
-                      <a:tcPr/>
-                    </a:tc>
-                    <a:tc>
-                      <a:txBody>
-                        <a:bodyPr/>
-                        <a:lstStyle/>
-                        <a:p>
-                          <a:pPr algn="ctr"/>
-                          <a:r>
-                            <a:rPr lang="en-US" sz="1400" dirty="0"/>
-                            <a:t>2</a:t>
-                          </a:r>
-                        </a:p>
-                      </a:txBody>
-                      <a:tcPr/>
-                    </a:tc>
-                    <a:tc>
-                      <a:txBody>
-                        <a:bodyPr/>
-                        <a:lstStyle/>
-                        <a:p>
-                          <a:pPr algn="ctr"/>
-                          <a:r>
-                            <a:rPr lang="en-US" sz="1400" dirty="0"/>
-                            <a:t>8n</a:t>
-                          </a:r>
-                        </a:p>
-                      </a:txBody>
-                      <a:tcPr/>
-                    </a:tc>
-                    <a:tc>
-                      <a:txBody>
-                        <a:bodyPr/>
-                        <a:lstStyle/>
-                        <a:p>
-                          <a:pPr algn="ctr"/>
-                          <a:r>
-                            <a:rPr lang="en-US" sz="1400" dirty="0"/>
-                            <a:t>16n</a:t>
-                          </a:r>
-                        </a:p>
-                      </a:txBody>
-                      <a:tcPr/>
-                    </a:tc>
-                    <a:extLst>
-                      <a:ext uri="{0D108BD9-81ED-4DB2-BD59-A6C34878D82A}">
-                        <a16:rowId xmlns:a16="http://schemas.microsoft.com/office/drawing/2014/main" val="846408069"/>
-                      </a:ext>
-                    </a:extLst>
-                  </a:tr>
-                  <a:tr h="340537">
-                    <a:tc>
-                      <a:txBody>
-                        <a:bodyPr/>
-                        <a:lstStyle/>
-                        <a:p>
-                          <a:pPr algn="ctr"/>
-                          <a:r>
-                            <a:rPr lang="en-US" sz="1400" dirty="0" err="1">
-                              <a:solidFill>
-                                <a:srgbClr val="FF0000"/>
-                              </a:solidFill>
-                            </a:rPr>
-                            <a:t>reformat_input</a:t>
-                          </a:r>
-                          <a:endParaRPr lang="en-US" sz="1400" dirty="0">
-                            <a:solidFill>
-                              <a:srgbClr val="FF0000"/>
-                            </a:solidFill>
-                          </a:endParaRPr>
-                        </a:p>
-                      </a:txBody>
-                      <a:tcPr/>
-                    </a:tc>
-                    <a:tc>
-                      <a:txBody>
-                        <a:bodyPr/>
-                        <a:lstStyle/>
-                        <a:p>
-                          <a:pPr algn="ctr"/>
-                          <a:r>
-                            <a:rPr lang="en-US" sz="1400" dirty="0"/>
-                            <a:t>2</a:t>
-                          </a:r>
-                        </a:p>
-                      </a:txBody>
-                      <a:tcPr/>
-                    </a:tc>
-                    <a:tc>
-                      <a:txBody>
-                        <a:bodyPr/>
-                        <a:lstStyle/>
-                        <a:p>
-                          <a:pPr algn="ctr"/>
-                          <a:r>
-                            <a:rPr lang="en-US" sz="1400" dirty="0"/>
-                            <a:t>n</a:t>
-                          </a:r>
-                        </a:p>
-                      </a:txBody>
-                      <a:tcPr/>
-                    </a:tc>
-                    <a:tc>
-                      <a:txBody>
-                        <a:bodyPr/>
-                        <a:lstStyle/>
-                        <a:p>
-                          <a:pPr algn="ctr"/>
-                          <a:r>
-                            <a:rPr lang="en-US" sz="1400" dirty="0"/>
-                            <a:t>2n</a:t>
-                          </a:r>
-                        </a:p>
-                      </a:txBody>
-                      <a:tcPr/>
-                    </a:tc>
-                    <a:extLst>
-                      <a:ext uri="{0D108BD9-81ED-4DB2-BD59-A6C34878D82A}">
-                        <a16:rowId xmlns:a16="http://schemas.microsoft.com/office/drawing/2014/main" val="3752129297"/>
-                      </a:ext>
-                    </a:extLst>
-                  </a:tr>
-                  <a:tr h="340537">
-                    <a:tc>
-                      <a:txBody>
-                        <a:bodyPr/>
-                        <a:lstStyle/>
-                        <a:p>
-                          <a:pPr algn="ctr"/>
-                          <a:r>
-                            <a:rPr lang="en-US" sz="1400" dirty="0" err="1">
-                              <a:solidFill>
-                                <a:srgbClr val="FF0000"/>
-                              </a:solidFill>
-                            </a:rPr>
-                            <a:t>uselookup</a:t>
-                          </a:r>
-                          <a:endParaRPr lang="en-US" sz="1400" dirty="0">
-                            <a:solidFill>
-                              <a:srgbClr val="FF0000"/>
-                            </a:solidFill>
-                          </a:endParaRPr>
-                        </a:p>
-                      </a:txBody>
-                      <a:tcPr/>
-                    </a:tc>
-                    <a:tc>
-                      <a:txBody>
-                        <a:bodyPr/>
-                        <a:lstStyle/>
-                        <a:p>
-                          <a:pPr algn="ctr"/>
-                          <a:r>
-                            <a:rPr lang="en-US" sz="1400" dirty="0"/>
-                            <a:t>2</a:t>
-                          </a:r>
-                        </a:p>
-                      </a:txBody>
-                      <a:tcPr/>
-                    </a:tc>
-                    <a:tc>
-                      <a:txBody>
-                        <a:bodyPr/>
-                        <a:lstStyle/>
-                        <a:p>
-                          <a:pPr algn="ctr"/>
-                          <a:r>
-                            <a:rPr lang="en-US" sz="1400" dirty="0"/>
-                            <a:t>-</a:t>
-                          </a:r>
-                        </a:p>
-                      </a:txBody>
-                      <a:tcPr/>
-                    </a:tc>
-                    <a:tc>
-                      <a:txBody>
-                        <a:bodyPr/>
-                        <a:lstStyle/>
-                        <a:p>
-                          <a:pPr algn="ctr"/>
-                          <a:r>
-                            <a:rPr lang="en-US" sz="1400" dirty="0"/>
-                            <a:t>-</a:t>
-                          </a:r>
-                        </a:p>
-                      </a:txBody>
-                      <a:tcPr/>
-                    </a:tc>
-                    <a:extLst>
-                      <a:ext uri="{0D108BD9-81ED-4DB2-BD59-A6C34878D82A}">
-                        <a16:rowId xmlns:a16="http://schemas.microsoft.com/office/drawing/2014/main" val="954751133"/>
-                      </a:ext>
-                    </a:extLst>
-                  </a:tr>
-                  <a:tr h="340537">
-                    <a:tc>
-                      <a:txBody>
-                        <a:bodyPr/>
-                        <a:lstStyle/>
-                        <a:p>
-                          <a:pPr algn="ctr"/>
-                          <a:r>
-                            <a:rPr lang="en-US" sz="1400" dirty="0">
-                              <a:solidFill>
-                                <a:srgbClr val="FF0000"/>
-                              </a:solidFill>
-                            </a:rPr>
-                            <a:t>subtract</a:t>
-                          </a:r>
-                        </a:p>
-                      </a:txBody>
-                      <a:tcPr/>
-                    </a:tc>
-                    <a:tc>
-                      <a:txBody>
-                        <a:bodyPr/>
-                        <a:lstStyle/>
-                        <a:p>
-                          <a:pPr algn="ctr"/>
-                          <a:r>
-                            <a:rPr lang="en-US" sz="1400" dirty="0"/>
-                            <a:t>2</a:t>
-                          </a:r>
-                        </a:p>
-                      </a:txBody>
-                      <a:tcPr/>
-                    </a:tc>
-                    <a:tc>
-                      <a:txBody>
-                        <a:bodyPr/>
-                        <a:lstStyle/>
-                        <a:p>
-                          <a:endParaRPr lang="en-US"/>
-                        </a:p>
-                      </a:txBody>
-                      <a:tcPr>
-                        <a:blipFill>
-                          <a:blip r:embed="rId2"/>
-                          <a:stretch>
-                            <a:fillRect l="-200000" t="-814815" r="-100000" b="-192593"/>
-                          </a:stretch>
-                        </a:blipFill>
-                      </a:tcPr>
-                    </a:tc>
-                    <a:tc>
-                      <a:txBody>
-                        <a:bodyPr/>
-                        <a:lstStyle/>
-                        <a:p>
-                          <a:endParaRPr lang="en-US"/>
-                        </a:p>
-                      </a:txBody>
-                      <a:tcPr>
-                        <a:blipFill>
-                          <a:blip r:embed="rId2"/>
-                          <a:stretch>
-                            <a:fillRect l="-301807" t="-814815" r="-602" b="-192593"/>
-                          </a:stretch>
-                        </a:blipFill>
-                      </a:tcPr>
-                    </a:tc>
-                    <a:extLst>
-                      <a:ext uri="{0D108BD9-81ED-4DB2-BD59-A6C34878D82A}">
-                        <a16:rowId xmlns:a16="http://schemas.microsoft.com/office/drawing/2014/main" val="2799987271"/>
-                      </a:ext>
-                    </a:extLst>
-                  </a:tr>
-                  <a:tr h="309579">
-                    <a:tc>
-                      <a:txBody>
-                        <a:bodyPr/>
-                        <a:lstStyle/>
-                        <a:p>
-                          <a:pPr algn="ctr"/>
-                          <a:r>
-                            <a:rPr lang="en-US" sz="1400" dirty="0"/>
-                            <a:t>Total</a:t>
-                          </a:r>
-                        </a:p>
-                      </a:txBody>
-                      <a:tcPr>
-                        <a:lnB w="12700" cap="flat" cmpd="sng" algn="ctr">
-                          <a:solidFill>
-                            <a:schemeClr val="tx1"/>
-                          </a:solidFill>
-                          <a:prstDash val="solid"/>
-                          <a:round/>
-                          <a:headEnd type="none" w="med" len="med"/>
-                          <a:tailEnd type="none" w="med" len="med"/>
-                        </a:lnB>
-                      </a:tcPr>
-                    </a:tc>
-                    <a:tc>
-                      <a:txBody>
-                        <a:bodyPr/>
-                        <a:lstStyle/>
-                        <a:p>
-                          <a:pPr algn="ctr"/>
-                          <a:endParaRPr lang="en-US" sz="1400" dirty="0"/>
-                        </a:p>
-                      </a:txBody>
-                      <a:tcPr>
-                        <a:lnB w="12700" cap="flat" cmpd="sng" algn="ctr">
-                          <a:solidFill>
-                            <a:schemeClr val="tx1"/>
-                          </a:solidFill>
-                          <a:prstDash val="solid"/>
-                          <a:round/>
-                          <a:headEnd type="none" w="med" len="med"/>
-                          <a:tailEnd type="none" w="med" len="med"/>
-                        </a:lnB>
-                      </a:tcPr>
-                    </a:tc>
-                    <a:tc>
-                      <a:txBody>
-                        <a:bodyPr/>
-                        <a:lstStyle/>
-                        <a:p>
-                          <a:pPr algn="ctr"/>
-                          <a:endParaRPr lang="en-US" sz="1400" dirty="0"/>
-                        </a:p>
-                      </a:txBody>
-                      <a:tcPr/>
-                    </a:tc>
-                    <a:tc>
-                      <a:txBody>
-                        <a:bodyPr/>
-                        <a:lstStyle/>
-                        <a:p>
-                          <a:endParaRPr lang="en-US"/>
-                        </a:p>
-                      </a:txBody>
-                      <a:tcPr>
-                        <a:blipFill>
-                          <a:blip r:embed="rId2"/>
-                          <a:stretch>
-                            <a:fillRect l="-301807" t="-1029167" r="-602" b="-116667"/>
-                          </a:stretch>
-                        </a:blipFill>
-                      </a:tcPr>
-                    </a:tc>
-                    <a:extLst>
-                      <a:ext uri="{0D108BD9-81ED-4DB2-BD59-A6C34878D82A}">
-                        <a16:rowId xmlns:a16="http://schemas.microsoft.com/office/drawing/2014/main" val="915950187"/>
-                      </a:ext>
-                    </a:extLst>
-                  </a:tr>
-                </a:tbl>
-              </a:graphicData>
-            </a:graphic>
-          </p:graphicFrame>
-        </mc:Fallback>
-      </mc:AlternateContent>
-    </p:spTree>
-    <p:extLst>
-      <p:ext uri="{BB962C8B-B14F-4D97-AF65-F5344CB8AC3E}">
-        <p14:creationId xmlns:p14="http://schemas.microsoft.com/office/powerpoint/2010/main" val="3308879841"/>
-      </p:ext>
-    </p:extLst>
-  </p:cSld>
-  <p:clrMapOvr>
-    <a:masterClrMapping/>
-  </p:clrMapOvr>
-</p:sld>
-</file>
-
-<file path=ppt/slides/slide6.xml><?xml version="1.0" encoding="utf-8"?>
-<p:sld xmlns:a="http://schemas.openxmlformats.org/drawingml/2006/main" xmlns:r="http://schemas.openxmlformats.org/officeDocument/2006/relationships" xmlns:p="http://schemas.openxmlformats.org/presentationml/2006/main">
-  <p:cSld>
-    <p:spTree>
-      <p:nvGrpSpPr>
-        <p:cNvPr id="1" name=""/>
-        <p:cNvGrpSpPr/>
-        <p:nvPr/>
-      </p:nvGrpSpPr>
-      <p:grpSpPr>
-        <a:xfrm>
-          <a:off x="0" y="0"/>
-          <a:ext cx="0" cy="0"/>
-          <a:chOff x="0" y="0"/>
-          <a:chExt cx="0" cy="0"/>
-        </a:xfrm>
-      </p:grpSpPr>
-      <p:sp>
-        <p:nvSpPr>
-          <p:cNvPr id="2" name="Title 1">
-            <a:extLst>
-              <a:ext uri="{FF2B5EF4-FFF2-40B4-BE49-F238E27FC236}">
-                <a16:creationId xmlns:a16="http://schemas.microsoft.com/office/drawing/2014/main" id="{6A8F1DAE-DCE8-074A-9574-633E27C13108}"/>
-              </a:ext>
-            </a:extLst>
-          </p:cNvPr>
-          <p:cNvSpPr>
-            <a:spLocks noGrp="1"/>
-          </p:cNvSpPr>
-          <p:nvPr>
-            <p:ph type="title"/>
-          </p:nvPr>
-        </p:nvSpPr>
-        <p:spPr/>
-        <p:txBody>
-          <a:bodyPr/>
-          <a:lstStyle/>
-          <a:p>
-            <a:endParaRPr lang="en-US"/>
-          </a:p>
-        </p:txBody>
-      </p:sp>
-      <mc:AlternateContent xmlns:mc="http://schemas.openxmlformats.org/markup-compatibility/2006" xmlns:a14="http://schemas.microsoft.com/office/drawing/2010/main">
-        <mc:Choice Requires="a14">
-          <p:sp>
-            <p:nvSpPr>
-              <p:cNvPr id="3" name="Content Placeholder 2">
-                <a:extLst>
-                  <a:ext uri="{FF2B5EF4-FFF2-40B4-BE49-F238E27FC236}">
-                    <a16:creationId xmlns:a16="http://schemas.microsoft.com/office/drawing/2014/main" id="{B0000683-4622-1E4A-B7DE-7B9223D78A46}"/>
-                  </a:ext>
-                </a:extLst>
-              </p:cNvPr>
-              <p:cNvSpPr>
-                <a:spLocks noGrp="1"/>
-              </p:cNvSpPr>
-              <p:nvPr>
-                <p:ph idx="1"/>
-              </p:nvPr>
-            </p:nvSpPr>
-            <p:spPr/>
-            <p:txBody>
-              <a:bodyPr/>
-              <a:lstStyle/>
-              <a:p>
-                <a:r>
-                  <a:rPr lang="en-US" dirty="0"/>
-                  <a:t>DIDO(Fully Distributed with packed)</a:t>
-                </a:r>
-              </a:p>
-              <a:p>
-                <a:r>
-                  <a:rPr lang="en-US" dirty="0"/>
-                  <a:t>party1_round_1: 9 operations</a:t>
-                </a:r>
-              </a:p>
-              <a:p>
-                <a:pPr lvl="1"/>
-                <a:r>
-                  <a:rPr lang="en-US" dirty="0"/>
-                  <a:t>Party2_round_1: same</a:t>
-                </a:r>
-              </a:p>
-              <a:p>
-                <a:pPr lvl="2"/>
-                <a:r>
-                  <a:rPr lang="en-US" dirty="0"/>
-                  <a:t>Both K, </a:t>
-                </a:r>
-                <a14:m>
-                  <m:oMath xmlns:m="http://schemas.openxmlformats.org/officeDocument/2006/math">
-                    <m:r>
-                      <a:rPr lang="en-US" i="1" dirty="0" smtClean="0">
-                        <a:latin typeface="Cambria Math" panose="02040503050406030204" pitchFamily="18" charset="0"/>
-                      </a:rPr>
-                      <m:t>𝑅</m:t>
-                    </m:r>
-                    <m:sSub>
-                      <m:sSubPr>
-                        <m:ctrlPr>
-                          <a:rPr lang="en-US" i="1" dirty="0" smtClean="0">
-                            <a:latin typeface="Cambria Math" panose="02040503050406030204" pitchFamily="18" charset="0"/>
-                          </a:rPr>
-                        </m:ctrlPr>
-                      </m:sSubPr>
-                      <m:e>
-                        <m:r>
-                          <a:rPr lang="en-US" i="1" dirty="0" smtClean="0">
-                            <a:latin typeface="Cambria Math" panose="02040503050406030204" pitchFamily="18" charset="0"/>
-                          </a:rPr>
-                          <m:t>𝑘</m:t>
-                        </m:r>
-                      </m:e>
-                      <m:sub>
-                        <m:r>
-                          <a:rPr lang="en-US" i="1" dirty="0" smtClean="0">
-                            <a:latin typeface="Cambria Math" panose="02040503050406030204" pitchFamily="18" charset="0"/>
-                          </a:rPr>
-                          <m:t>1</m:t>
-                        </m:r>
-                      </m:sub>
-                    </m:sSub>
-                  </m:oMath>
-                </a14:m>
-                <a:r>
-                  <a:rPr lang="en-US" dirty="0"/>
-                  <a:t>  are Toeplitz</a:t>
-                </a:r>
-              </a:p>
-            </p:txBody>
-          </p:sp>
-        </mc:Choice>
-        <mc:Fallback xmlns="">
-          <p:sp>
-            <p:nvSpPr>
-              <p:cNvPr id="3" name="Content Placeholder 2">
-                <a:extLst>
-                  <a:ext uri="{FF2B5EF4-FFF2-40B4-BE49-F238E27FC236}">
-                    <a16:creationId xmlns:a16="http://schemas.microsoft.com/office/drawing/2014/main" id="{B0000683-4622-1E4A-B7DE-7B9223D78A46}"/>
-                  </a:ext>
-                </a:extLst>
-              </p:cNvPr>
-              <p:cNvSpPr>
-                <a:spLocks noGrp="1" noRot="1" noChangeAspect="1" noMove="1" noResize="1" noEditPoints="1" noAdjustHandles="1" noChangeArrowheads="1" noChangeShapeType="1" noTextEdit="1"/>
-              </p:cNvSpPr>
-              <p:nvPr>
-                <p:ph idx="1"/>
-              </p:nvPr>
-            </p:nvSpPr>
-            <p:spPr>
-              <a:blipFill>
-                <a:blip r:embed="rId2"/>
-                <a:stretch>
-                  <a:fillRect l="-1086" t="-2326"/>
-                </a:stretch>
-              </a:blipFill>
-            </p:spPr>
-            <p:txBody>
-              <a:bodyPr/>
-              <a:lstStyle/>
-              <a:p>
-                <a:r>
-                  <a:rPr lang="en-US">
-                    <a:noFill/>
-                  </a:rPr>
-                  <a:t> </a:t>
-                </a:r>
-              </a:p>
-            </p:txBody>
-          </p:sp>
-        </mc:Fallback>
-      </mc:AlternateContent>
-    </p:spTree>
-    <p:extLst>
-      <p:ext uri="{BB962C8B-B14F-4D97-AF65-F5344CB8AC3E}">
-        <p14:creationId xmlns:p14="http://schemas.microsoft.com/office/powerpoint/2010/main" val="240158828"/>
       </p:ext>
     </p:extLst>
   </p:cSld>
